--- a/Penulisan Ilmiah/Sidang/Salinan dari Template Presentasi Sidang.pptx
+++ b/Penulisan Ilmiah/Sidang/Salinan dari Template Presentasi Sidang.pptx
@@ -8,7 +8,7 @@
     <p:sldMasterId id="2147483653" r:id="rId4"/>
   </p:sldMasterIdLst>
   <p:notesMasterIdLst>
-    <p:notesMasterId r:id="rId10"/>
+    <p:notesMasterId r:id="rId21"/>
   </p:notesMasterIdLst>
   <p:sldIdLst>
     <p:sldId id="256" r:id="rId5"/>
@@ -16,6 +16,17 @@
     <p:sldId id="258" r:id="rId7"/>
     <p:sldId id="259" r:id="rId8"/>
     <p:sldId id="260" r:id="rId9"/>
+    <p:sldId id="262" r:id="rId10"/>
+    <p:sldId id="263" r:id="rId11"/>
+    <p:sldId id="264" r:id="rId12"/>
+    <p:sldId id="265" r:id="rId13"/>
+    <p:sldId id="266" r:id="rId14"/>
+    <p:sldId id="267" r:id="rId15"/>
+    <p:sldId id="268" r:id="rId16"/>
+    <p:sldId id="269" r:id="rId17"/>
+    <p:sldId id="270" r:id="rId18"/>
+    <p:sldId id="272" r:id="rId19"/>
+    <p:sldId id="273" r:id="rId20"/>
   </p:sldIdLst>
   <p:sldSz cx="9144000" cy="6858000" type="screen4x3"/>
   <p:notesSz cx="6858000" cy="9144000"/>
@@ -264,7 +275,7 @@
       </p15:sldGuideLst>
     </p:ext>
     <p:ext uri="GoogleSlidesCustomDataVersion2">
-      <go:slidesCustomData xmlns:go="http://customooxmlschemas.google.com/" xmlns:ahyp="http://schemas.microsoft.com/office/drawing/2018/hyperlinkcolor" xmlns:p15="http://schemas.microsoft.com/office/powerpoint/2012/main" xmlns:p14="http://schemas.microsoft.com/office/powerpoint/2010/main" xmlns:com="http://schemas.openxmlformats.org/drawingml/2006/compatibility" xmlns:pvml="urn:schemas-microsoft-com:office:powerpoint" xmlns:v="urn:schemas-microsoft-com:vml" xmlns:o="urn:schemas-microsoft-com:office:office" xmlns:dgm="http://schemas.openxmlformats.org/drawingml/2006/diagram" xmlns:c="http://schemas.openxmlformats.org/drawingml/2006/chart" xmlns:mv="urn:schemas-microsoft-com:mac:vml" xmlns:mc="http://schemas.openxmlformats.org/markup-compatibility/2006" xmlns="" r:id="rId11" roundtripDataSignature="AMtx7miyOvQk19nL71uGzDuqJng56k48+g=="/>
+      <go:slidesCustomData xmlns:go="http://customooxmlschemas.google.com/" xmlns:ahyp="http://schemas.microsoft.com/office/drawing/2018/hyperlinkcolor" xmlns:p15="http://schemas.microsoft.com/office/powerpoint/2012/main" xmlns:p14="http://schemas.microsoft.com/office/powerpoint/2010/main" xmlns:com="http://schemas.openxmlformats.org/drawingml/2006/compatibility" xmlns:pvml="urn:schemas-microsoft-com:office:powerpoint" xmlns:v="urn:schemas-microsoft-com:vml" xmlns:o="urn:schemas-microsoft-com:office:office" xmlns:dgm="http://schemas.openxmlformats.org/drawingml/2006/diagram" xmlns:c="http://schemas.openxmlformats.org/drawingml/2006/chart" xmlns:mv="urn:schemas-microsoft-com:mac:vml" xmlns:mc="http://schemas.openxmlformats.org/markup-compatibility/2006" xmlns="" r:id="rId23" roundtripDataSignature="AMtx7miyOvQk19nL71uGzDuqJng56k48+g=="/>
     </p:ext>
   </p:extLst>
 </p:presentation>
@@ -815,6 +826,895 @@
 </p:notes>
 </file>
 
+<file path=ppt/notesSlides/notesSlide10.xml><?xml version="1.0" encoding="utf-8"?>
+<p:notes xmlns:a="http://schemas.openxmlformats.org/drawingml/2006/main" xmlns:r="http://schemas.openxmlformats.org/officeDocument/2006/relationships" xmlns:p="http://schemas.openxmlformats.org/presentationml/2006/main" showMasterSp="0" showMasterPhAnim="0">
+  <p:cSld>
+    <p:spTree>
+      <p:nvGrpSpPr>
+        <p:cNvPr id="1" name="Shape 42">
+          <a:extLst>
+            <a:ext uri="{FF2B5EF4-FFF2-40B4-BE49-F238E27FC236}">
+              <a16:creationId xmlns:a16="http://schemas.microsoft.com/office/drawing/2014/main" id="{D430E6DA-7657-6C54-6B0E-E5B64C4CB48A}"/>
+            </a:ext>
+          </a:extLst>
+        </p:cNvPr>
+        <p:cNvGrpSpPr/>
+        <p:nvPr/>
+      </p:nvGrpSpPr>
+      <p:grpSpPr>
+        <a:xfrm>
+          <a:off x="0" y="0"/>
+          <a:ext cx="0" cy="0"/>
+          <a:chOff x="0" y="0"/>
+          <a:chExt cx="0" cy="0"/>
+        </a:xfrm>
+      </p:grpSpPr>
+      <p:sp>
+        <p:nvSpPr>
+          <p:cNvPr id="43" name="Google Shape;43;p2:notes">
+            <a:extLst>
+              <a:ext uri="{FF2B5EF4-FFF2-40B4-BE49-F238E27FC236}">
+                <a16:creationId xmlns:a16="http://schemas.microsoft.com/office/drawing/2014/main" id="{C240FB53-1B68-2DEB-30EA-FBEBAEF8D1C7}"/>
+              </a:ext>
+            </a:extLst>
+          </p:cNvPr>
+          <p:cNvSpPr txBox="1">
+            <a:spLocks noGrp="1"/>
+          </p:cNvSpPr>
+          <p:nvPr>
+            <p:ph type="body" idx="1"/>
+          </p:nvPr>
+        </p:nvSpPr>
+        <p:spPr>
+          <a:xfrm>
+            <a:off x="685800" y="4343400"/>
+            <a:ext cx="5486400" cy="4114800"/>
+          </a:xfrm>
+          <a:prstGeom prst="rect">
+            <a:avLst/>
+          </a:prstGeom>
+        </p:spPr>
+        <p:txBody>
+          <a:bodyPr spcFirstLastPara="1" wrap="square" lIns="91425" tIns="91425" rIns="91425" bIns="91425" anchor="t" anchorCtr="0">
+            <a:noAutofit/>
+          </a:bodyPr>
+          <a:lstStyle/>
+          <a:p>
+            <a:pPr marL="0" lvl="0" indent="0" algn="l" rtl="0">
+              <a:spcBef>
+                <a:spcPts val="0"/>
+              </a:spcBef>
+              <a:spcAft>
+                <a:spcPts val="0"/>
+              </a:spcAft>
+              <a:buNone/>
+            </a:pPr>
+            <a:endParaRPr/>
+          </a:p>
+        </p:txBody>
+      </p:sp>
+      <p:sp>
+        <p:nvSpPr>
+          <p:cNvPr id="44" name="Google Shape;44;p2:notes">
+            <a:extLst>
+              <a:ext uri="{FF2B5EF4-FFF2-40B4-BE49-F238E27FC236}">
+                <a16:creationId xmlns:a16="http://schemas.microsoft.com/office/drawing/2014/main" id="{211BBC46-4415-2B7E-3E10-395A1FC03D12}"/>
+              </a:ext>
+            </a:extLst>
+          </p:cNvPr>
+          <p:cNvSpPr>
+            <a:spLocks noGrp="1" noRot="1" noChangeAspect="1"/>
+          </p:cNvSpPr>
+          <p:nvPr>
+            <p:ph type="sldImg" idx="2"/>
+          </p:nvPr>
+        </p:nvSpPr>
+        <p:spPr>
+          <a:xfrm>
+            <a:off x="1143000" y="685800"/>
+            <a:ext cx="4572000" cy="3429000"/>
+          </a:xfrm>
+          <a:custGeom>
+            <a:avLst/>
+            <a:gdLst/>
+            <a:ahLst/>
+            <a:cxnLst/>
+            <a:rect l="l" t="t" r="r" b="b"/>
+            <a:pathLst>
+              <a:path w="120000" h="120000" extrusionOk="0">
+                <a:moveTo>
+                  <a:pt x="0" y="0"/>
+                </a:moveTo>
+                <a:lnTo>
+                  <a:pt x="120000" y="0"/>
+                </a:lnTo>
+                <a:lnTo>
+                  <a:pt x="120000" y="120000"/>
+                </a:lnTo>
+                <a:lnTo>
+                  <a:pt x="0" y="120000"/>
+                </a:lnTo>
+                <a:close/>
+              </a:path>
+            </a:pathLst>
+          </a:custGeom>
+        </p:spPr>
+      </p:sp>
+    </p:spTree>
+    <p:extLst>
+      <p:ext uri="{BB962C8B-B14F-4D97-AF65-F5344CB8AC3E}">
+        <p14:creationId xmlns:p14="http://schemas.microsoft.com/office/powerpoint/2010/main" val="3497229588"/>
+      </p:ext>
+    </p:extLst>
+  </p:cSld>
+  <p:clrMapOvr>
+    <a:masterClrMapping/>
+  </p:clrMapOvr>
+</p:notes>
+</file>
+
+<file path=ppt/notesSlides/notesSlide11.xml><?xml version="1.0" encoding="utf-8"?>
+<p:notes xmlns:a="http://schemas.openxmlformats.org/drawingml/2006/main" xmlns:r="http://schemas.openxmlformats.org/officeDocument/2006/relationships" xmlns:p="http://schemas.openxmlformats.org/presentationml/2006/main" showMasterSp="0" showMasterPhAnim="0">
+  <p:cSld>
+    <p:spTree>
+      <p:nvGrpSpPr>
+        <p:cNvPr id="1" name="Shape 42">
+          <a:extLst>
+            <a:ext uri="{FF2B5EF4-FFF2-40B4-BE49-F238E27FC236}">
+              <a16:creationId xmlns:a16="http://schemas.microsoft.com/office/drawing/2014/main" id="{694F6027-E5DE-2120-26C0-3F00B603A3FC}"/>
+            </a:ext>
+          </a:extLst>
+        </p:cNvPr>
+        <p:cNvGrpSpPr/>
+        <p:nvPr/>
+      </p:nvGrpSpPr>
+      <p:grpSpPr>
+        <a:xfrm>
+          <a:off x="0" y="0"/>
+          <a:ext cx="0" cy="0"/>
+          <a:chOff x="0" y="0"/>
+          <a:chExt cx="0" cy="0"/>
+        </a:xfrm>
+      </p:grpSpPr>
+      <p:sp>
+        <p:nvSpPr>
+          <p:cNvPr id="43" name="Google Shape;43;p2:notes">
+            <a:extLst>
+              <a:ext uri="{FF2B5EF4-FFF2-40B4-BE49-F238E27FC236}">
+                <a16:creationId xmlns:a16="http://schemas.microsoft.com/office/drawing/2014/main" id="{716211F9-E8F9-812D-8DCD-DE8D5229A3EE}"/>
+              </a:ext>
+            </a:extLst>
+          </p:cNvPr>
+          <p:cNvSpPr txBox="1">
+            <a:spLocks noGrp="1"/>
+          </p:cNvSpPr>
+          <p:nvPr>
+            <p:ph type="body" idx="1"/>
+          </p:nvPr>
+        </p:nvSpPr>
+        <p:spPr>
+          <a:xfrm>
+            <a:off x="685800" y="4343400"/>
+            <a:ext cx="5486400" cy="4114800"/>
+          </a:xfrm>
+          <a:prstGeom prst="rect">
+            <a:avLst/>
+          </a:prstGeom>
+        </p:spPr>
+        <p:txBody>
+          <a:bodyPr spcFirstLastPara="1" wrap="square" lIns="91425" tIns="91425" rIns="91425" bIns="91425" anchor="t" anchorCtr="0">
+            <a:noAutofit/>
+          </a:bodyPr>
+          <a:lstStyle/>
+          <a:p>
+            <a:pPr marL="0" lvl="0" indent="0" algn="l" rtl="0">
+              <a:spcBef>
+                <a:spcPts val="0"/>
+              </a:spcBef>
+              <a:spcAft>
+                <a:spcPts val="0"/>
+              </a:spcAft>
+              <a:buNone/>
+            </a:pPr>
+            <a:endParaRPr/>
+          </a:p>
+        </p:txBody>
+      </p:sp>
+      <p:sp>
+        <p:nvSpPr>
+          <p:cNvPr id="44" name="Google Shape;44;p2:notes">
+            <a:extLst>
+              <a:ext uri="{FF2B5EF4-FFF2-40B4-BE49-F238E27FC236}">
+                <a16:creationId xmlns:a16="http://schemas.microsoft.com/office/drawing/2014/main" id="{AF94B34C-CDA1-9E7A-C338-9804BE2D3120}"/>
+              </a:ext>
+            </a:extLst>
+          </p:cNvPr>
+          <p:cNvSpPr>
+            <a:spLocks noGrp="1" noRot="1" noChangeAspect="1"/>
+          </p:cNvSpPr>
+          <p:nvPr>
+            <p:ph type="sldImg" idx="2"/>
+          </p:nvPr>
+        </p:nvSpPr>
+        <p:spPr>
+          <a:xfrm>
+            <a:off x="1143000" y="685800"/>
+            <a:ext cx="4572000" cy="3429000"/>
+          </a:xfrm>
+          <a:custGeom>
+            <a:avLst/>
+            <a:gdLst/>
+            <a:ahLst/>
+            <a:cxnLst/>
+            <a:rect l="l" t="t" r="r" b="b"/>
+            <a:pathLst>
+              <a:path w="120000" h="120000" extrusionOk="0">
+                <a:moveTo>
+                  <a:pt x="0" y="0"/>
+                </a:moveTo>
+                <a:lnTo>
+                  <a:pt x="120000" y="0"/>
+                </a:lnTo>
+                <a:lnTo>
+                  <a:pt x="120000" y="120000"/>
+                </a:lnTo>
+                <a:lnTo>
+                  <a:pt x="0" y="120000"/>
+                </a:lnTo>
+                <a:close/>
+              </a:path>
+            </a:pathLst>
+          </a:custGeom>
+        </p:spPr>
+      </p:sp>
+    </p:spTree>
+    <p:extLst>
+      <p:ext uri="{BB962C8B-B14F-4D97-AF65-F5344CB8AC3E}">
+        <p14:creationId xmlns:p14="http://schemas.microsoft.com/office/powerpoint/2010/main" val="575478165"/>
+      </p:ext>
+    </p:extLst>
+  </p:cSld>
+  <p:clrMapOvr>
+    <a:masterClrMapping/>
+  </p:clrMapOvr>
+</p:notes>
+</file>
+
+<file path=ppt/notesSlides/notesSlide12.xml><?xml version="1.0" encoding="utf-8"?>
+<p:notes xmlns:a="http://schemas.openxmlformats.org/drawingml/2006/main" xmlns:r="http://schemas.openxmlformats.org/officeDocument/2006/relationships" xmlns:p="http://schemas.openxmlformats.org/presentationml/2006/main" showMasterSp="0" showMasterPhAnim="0">
+  <p:cSld>
+    <p:spTree>
+      <p:nvGrpSpPr>
+        <p:cNvPr id="1" name="Shape 42">
+          <a:extLst>
+            <a:ext uri="{FF2B5EF4-FFF2-40B4-BE49-F238E27FC236}">
+              <a16:creationId xmlns:a16="http://schemas.microsoft.com/office/drawing/2014/main" id="{E6C80BB0-5286-5B93-6719-7ABC660D01F7}"/>
+            </a:ext>
+          </a:extLst>
+        </p:cNvPr>
+        <p:cNvGrpSpPr/>
+        <p:nvPr/>
+      </p:nvGrpSpPr>
+      <p:grpSpPr>
+        <a:xfrm>
+          <a:off x="0" y="0"/>
+          <a:ext cx="0" cy="0"/>
+          <a:chOff x="0" y="0"/>
+          <a:chExt cx="0" cy="0"/>
+        </a:xfrm>
+      </p:grpSpPr>
+      <p:sp>
+        <p:nvSpPr>
+          <p:cNvPr id="43" name="Google Shape;43;p2:notes">
+            <a:extLst>
+              <a:ext uri="{FF2B5EF4-FFF2-40B4-BE49-F238E27FC236}">
+                <a16:creationId xmlns:a16="http://schemas.microsoft.com/office/drawing/2014/main" id="{5BB87EDB-74B2-8440-D063-459EC8D1A08E}"/>
+              </a:ext>
+            </a:extLst>
+          </p:cNvPr>
+          <p:cNvSpPr txBox="1">
+            <a:spLocks noGrp="1"/>
+          </p:cNvSpPr>
+          <p:nvPr>
+            <p:ph type="body" idx="1"/>
+          </p:nvPr>
+        </p:nvSpPr>
+        <p:spPr>
+          <a:xfrm>
+            <a:off x="685800" y="4343400"/>
+            <a:ext cx="5486400" cy="4114800"/>
+          </a:xfrm>
+          <a:prstGeom prst="rect">
+            <a:avLst/>
+          </a:prstGeom>
+        </p:spPr>
+        <p:txBody>
+          <a:bodyPr spcFirstLastPara="1" wrap="square" lIns="91425" tIns="91425" rIns="91425" bIns="91425" anchor="t" anchorCtr="0">
+            <a:noAutofit/>
+          </a:bodyPr>
+          <a:lstStyle/>
+          <a:p>
+            <a:pPr marL="0" lvl="0" indent="0" algn="l" rtl="0">
+              <a:spcBef>
+                <a:spcPts val="0"/>
+              </a:spcBef>
+              <a:spcAft>
+                <a:spcPts val="0"/>
+              </a:spcAft>
+              <a:buNone/>
+            </a:pPr>
+            <a:endParaRPr/>
+          </a:p>
+        </p:txBody>
+      </p:sp>
+      <p:sp>
+        <p:nvSpPr>
+          <p:cNvPr id="44" name="Google Shape;44;p2:notes">
+            <a:extLst>
+              <a:ext uri="{FF2B5EF4-FFF2-40B4-BE49-F238E27FC236}">
+                <a16:creationId xmlns:a16="http://schemas.microsoft.com/office/drawing/2014/main" id="{45E2F703-016B-4B24-0F39-F92F403C42B8}"/>
+              </a:ext>
+            </a:extLst>
+          </p:cNvPr>
+          <p:cNvSpPr>
+            <a:spLocks noGrp="1" noRot="1" noChangeAspect="1"/>
+          </p:cNvSpPr>
+          <p:nvPr>
+            <p:ph type="sldImg" idx="2"/>
+          </p:nvPr>
+        </p:nvSpPr>
+        <p:spPr>
+          <a:xfrm>
+            <a:off x="1143000" y="685800"/>
+            <a:ext cx="4572000" cy="3429000"/>
+          </a:xfrm>
+          <a:custGeom>
+            <a:avLst/>
+            <a:gdLst/>
+            <a:ahLst/>
+            <a:cxnLst/>
+            <a:rect l="l" t="t" r="r" b="b"/>
+            <a:pathLst>
+              <a:path w="120000" h="120000" extrusionOk="0">
+                <a:moveTo>
+                  <a:pt x="0" y="0"/>
+                </a:moveTo>
+                <a:lnTo>
+                  <a:pt x="120000" y="0"/>
+                </a:lnTo>
+                <a:lnTo>
+                  <a:pt x="120000" y="120000"/>
+                </a:lnTo>
+                <a:lnTo>
+                  <a:pt x="0" y="120000"/>
+                </a:lnTo>
+                <a:close/>
+              </a:path>
+            </a:pathLst>
+          </a:custGeom>
+        </p:spPr>
+      </p:sp>
+    </p:spTree>
+    <p:extLst>
+      <p:ext uri="{BB962C8B-B14F-4D97-AF65-F5344CB8AC3E}">
+        <p14:creationId xmlns:p14="http://schemas.microsoft.com/office/powerpoint/2010/main" val="210542311"/>
+      </p:ext>
+    </p:extLst>
+  </p:cSld>
+  <p:clrMapOvr>
+    <a:masterClrMapping/>
+  </p:clrMapOvr>
+</p:notes>
+</file>
+
+<file path=ppt/notesSlides/notesSlide13.xml><?xml version="1.0" encoding="utf-8"?>
+<p:notes xmlns:a="http://schemas.openxmlformats.org/drawingml/2006/main" xmlns:r="http://schemas.openxmlformats.org/officeDocument/2006/relationships" xmlns:p="http://schemas.openxmlformats.org/presentationml/2006/main" showMasterSp="0" showMasterPhAnim="0">
+  <p:cSld>
+    <p:spTree>
+      <p:nvGrpSpPr>
+        <p:cNvPr id="1" name="Shape 42">
+          <a:extLst>
+            <a:ext uri="{FF2B5EF4-FFF2-40B4-BE49-F238E27FC236}">
+              <a16:creationId xmlns:a16="http://schemas.microsoft.com/office/drawing/2014/main" id="{85413D5B-5606-A734-8DAF-55EE78393F09}"/>
+            </a:ext>
+          </a:extLst>
+        </p:cNvPr>
+        <p:cNvGrpSpPr/>
+        <p:nvPr/>
+      </p:nvGrpSpPr>
+      <p:grpSpPr>
+        <a:xfrm>
+          <a:off x="0" y="0"/>
+          <a:ext cx="0" cy="0"/>
+          <a:chOff x="0" y="0"/>
+          <a:chExt cx="0" cy="0"/>
+        </a:xfrm>
+      </p:grpSpPr>
+      <p:sp>
+        <p:nvSpPr>
+          <p:cNvPr id="43" name="Google Shape;43;p2:notes">
+            <a:extLst>
+              <a:ext uri="{FF2B5EF4-FFF2-40B4-BE49-F238E27FC236}">
+                <a16:creationId xmlns:a16="http://schemas.microsoft.com/office/drawing/2014/main" id="{1C1BA3C3-E350-4FD3-0AA4-8A87543AE554}"/>
+              </a:ext>
+            </a:extLst>
+          </p:cNvPr>
+          <p:cNvSpPr txBox="1">
+            <a:spLocks noGrp="1"/>
+          </p:cNvSpPr>
+          <p:nvPr>
+            <p:ph type="body" idx="1"/>
+          </p:nvPr>
+        </p:nvSpPr>
+        <p:spPr>
+          <a:xfrm>
+            <a:off x="685800" y="4343400"/>
+            <a:ext cx="5486400" cy="4114800"/>
+          </a:xfrm>
+          <a:prstGeom prst="rect">
+            <a:avLst/>
+          </a:prstGeom>
+        </p:spPr>
+        <p:txBody>
+          <a:bodyPr spcFirstLastPara="1" wrap="square" lIns="91425" tIns="91425" rIns="91425" bIns="91425" anchor="t" anchorCtr="0">
+            <a:noAutofit/>
+          </a:bodyPr>
+          <a:lstStyle/>
+          <a:p>
+            <a:pPr marL="0" lvl="0" indent="0" algn="l" rtl="0">
+              <a:spcBef>
+                <a:spcPts val="0"/>
+              </a:spcBef>
+              <a:spcAft>
+                <a:spcPts val="0"/>
+              </a:spcAft>
+              <a:buNone/>
+            </a:pPr>
+            <a:endParaRPr/>
+          </a:p>
+        </p:txBody>
+      </p:sp>
+      <p:sp>
+        <p:nvSpPr>
+          <p:cNvPr id="44" name="Google Shape;44;p2:notes">
+            <a:extLst>
+              <a:ext uri="{FF2B5EF4-FFF2-40B4-BE49-F238E27FC236}">
+                <a16:creationId xmlns:a16="http://schemas.microsoft.com/office/drawing/2014/main" id="{8C8B8D7A-2D9C-5E6F-538F-9BA8AB8EBD71}"/>
+              </a:ext>
+            </a:extLst>
+          </p:cNvPr>
+          <p:cNvSpPr>
+            <a:spLocks noGrp="1" noRot="1" noChangeAspect="1"/>
+          </p:cNvSpPr>
+          <p:nvPr>
+            <p:ph type="sldImg" idx="2"/>
+          </p:nvPr>
+        </p:nvSpPr>
+        <p:spPr>
+          <a:xfrm>
+            <a:off x="1143000" y="685800"/>
+            <a:ext cx="4572000" cy="3429000"/>
+          </a:xfrm>
+          <a:custGeom>
+            <a:avLst/>
+            <a:gdLst/>
+            <a:ahLst/>
+            <a:cxnLst/>
+            <a:rect l="l" t="t" r="r" b="b"/>
+            <a:pathLst>
+              <a:path w="120000" h="120000" extrusionOk="0">
+                <a:moveTo>
+                  <a:pt x="0" y="0"/>
+                </a:moveTo>
+                <a:lnTo>
+                  <a:pt x="120000" y="0"/>
+                </a:lnTo>
+                <a:lnTo>
+                  <a:pt x="120000" y="120000"/>
+                </a:lnTo>
+                <a:lnTo>
+                  <a:pt x="0" y="120000"/>
+                </a:lnTo>
+                <a:close/>
+              </a:path>
+            </a:pathLst>
+          </a:custGeom>
+        </p:spPr>
+      </p:sp>
+    </p:spTree>
+    <p:extLst>
+      <p:ext uri="{BB962C8B-B14F-4D97-AF65-F5344CB8AC3E}">
+        <p14:creationId xmlns:p14="http://schemas.microsoft.com/office/powerpoint/2010/main" val="3679398230"/>
+      </p:ext>
+    </p:extLst>
+  </p:cSld>
+  <p:clrMapOvr>
+    <a:masterClrMapping/>
+  </p:clrMapOvr>
+</p:notes>
+</file>
+
+<file path=ppt/notesSlides/notesSlide14.xml><?xml version="1.0" encoding="utf-8"?>
+<p:notes xmlns:a="http://schemas.openxmlformats.org/drawingml/2006/main" xmlns:r="http://schemas.openxmlformats.org/officeDocument/2006/relationships" xmlns:p="http://schemas.openxmlformats.org/presentationml/2006/main" showMasterSp="0" showMasterPhAnim="0">
+  <p:cSld>
+    <p:spTree>
+      <p:nvGrpSpPr>
+        <p:cNvPr id="1" name="Shape 42">
+          <a:extLst>
+            <a:ext uri="{FF2B5EF4-FFF2-40B4-BE49-F238E27FC236}">
+              <a16:creationId xmlns:a16="http://schemas.microsoft.com/office/drawing/2014/main" id="{13ACB536-3553-EA01-BE5C-291009E06BF1}"/>
+            </a:ext>
+          </a:extLst>
+        </p:cNvPr>
+        <p:cNvGrpSpPr/>
+        <p:nvPr/>
+      </p:nvGrpSpPr>
+      <p:grpSpPr>
+        <a:xfrm>
+          <a:off x="0" y="0"/>
+          <a:ext cx="0" cy="0"/>
+          <a:chOff x="0" y="0"/>
+          <a:chExt cx="0" cy="0"/>
+        </a:xfrm>
+      </p:grpSpPr>
+      <p:sp>
+        <p:nvSpPr>
+          <p:cNvPr id="43" name="Google Shape;43;p2:notes">
+            <a:extLst>
+              <a:ext uri="{FF2B5EF4-FFF2-40B4-BE49-F238E27FC236}">
+                <a16:creationId xmlns:a16="http://schemas.microsoft.com/office/drawing/2014/main" id="{B92431B2-544C-96EC-1B28-C8E22AA51A98}"/>
+              </a:ext>
+            </a:extLst>
+          </p:cNvPr>
+          <p:cNvSpPr txBox="1">
+            <a:spLocks noGrp="1"/>
+          </p:cNvSpPr>
+          <p:nvPr>
+            <p:ph type="body" idx="1"/>
+          </p:nvPr>
+        </p:nvSpPr>
+        <p:spPr>
+          <a:xfrm>
+            <a:off x="685800" y="4343400"/>
+            <a:ext cx="5486400" cy="4114800"/>
+          </a:xfrm>
+          <a:prstGeom prst="rect">
+            <a:avLst/>
+          </a:prstGeom>
+        </p:spPr>
+        <p:txBody>
+          <a:bodyPr spcFirstLastPara="1" wrap="square" lIns="91425" tIns="91425" rIns="91425" bIns="91425" anchor="t" anchorCtr="0">
+            <a:noAutofit/>
+          </a:bodyPr>
+          <a:lstStyle/>
+          <a:p>
+            <a:pPr marL="0" lvl="0" indent="0" algn="l" rtl="0">
+              <a:spcBef>
+                <a:spcPts val="0"/>
+              </a:spcBef>
+              <a:spcAft>
+                <a:spcPts val="0"/>
+              </a:spcAft>
+              <a:buNone/>
+            </a:pPr>
+            <a:endParaRPr/>
+          </a:p>
+        </p:txBody>
+      </p:sp>
+      <p:sp>
+        <p:nvSpPr>
+          <p:cNvPr id="44" name="Google Shape;44;p2:notes">
+            <a:extLst>
+              <a:ext uri="{FF2B5EF4-FFF2-40B4-BE49-F238E27FC236}">
+                <a16:creationId xmlns:a16="http://schemas.microsoft.com/office/drawing/2014/main" id="{A08E0FC8-AC64-964B-C85B-88CE67CDA232}"/>
+              </a:ext>
+            </a:extLst>
+          </p:cNvPr>
+          <p:cNvSpPr>
+            <a:spLocks noGrp="1" noRot="1" noChangeAspect="1"/>
+          </p:cNvSpPr>
+          <p:nvPr>
+            <p:ph type="sldImg" idx="2"/>
+          </p:nvPr>
+        </p:nvSpPr>
+        <p:spPr>
+          <a:xfrm>
+            <a:off x="1143000" y="685800"/>
+            <a:ext cx="4572000" cy="3429000"/>
+          </a:xfrm>
+          <a:custGeom>
+            <a:avLst/>
+            <a:gdLst/>
+            <a:ahLst/>
+            <a:cxnLst/>
+            <a:rect l="l" t="t" r="r" b="b"/>
+            <a:pathLst>
+              <a:path w="120000" h="120000" extrusionOk="0">
+                <a:moveTo>
+                  <a:pt x="0" y="0"/>
+                </a:moveTo>
+                <a:lnTo>
+                  <a:pt x="120000" y="0"/>
+                </a:lnTo>
+                <a:lnTo>
+                  <a:pt x="120000" y="120000"/>
+                </a:lnTo>
+                <a:lnTo>
+                  <a:pt x="0" y="120000"/>
+                </a:lnTo>
+                <a:close/>
+              </a:path>
+            </a:pathLst>
+          </a:custGeom>
+        </p:spPr>
+      </p:sp>
+    </p:spTree>
+    <p:extLst>
+      <p:ext uri="{BB962C8B-B14F-4D97-AF65-F5344CB8AC3E}">
+        <p14:creationId xmlns:p14="http://schemas.microsoft.com/office/powerpoint/2010/main" val="70698249"/>
+      </p:ext>
+    </p:extLst>
+  </p:cSld>
+  <p:clrMapOvr>
+    <a:masterClrMapping/>
+  </p:clrMapOvr>
+</p:notes>
+</file>
+
+<file path=ppt/notesSlides/notesSlide15.xml><?xml version="1.0" encoding="utf-8"?>
+<p:notes xmlns:a="http://schemas.openxmlformats.org/drawingml/2006/main" xmlns:r="http://schemas.openxmlformats.org/officeDocument/2006/relationships" xmlns:p="http://schemas.openxmlformats.org/presentationml/2006/main" showMasterSp="0" showMasterPhAnim="0">
+  <p:cSld>
+    <p:spTree>
+      <p:nvGrpSpPr>
+        <p:cNvPr id="1" name="Shape 42">
+          <a:extLst>
+            <a:ext uri="{FF2B5EF4-FFF2-40B4-BE49-F238E27FC236}">
+              <a16:creationId xmlns:a16="http://schemas.microsoft.com/office/drawing/2014/main" id="{8F33CFB6-51FB-BE88-FB10-54C4CCE15F09}"/>
+            </a:ext>
+          </a:extLst>
+        </p:cNvPr>
+        <p:cNvGrpSpPr/>
+        <p:nvPr/>
+      </p:nvGrpSpPr>
+      <p:grpSpPr>
+        <a:xfrm>
+          <a:off x="0" y="0"/>
+          <a:ext cx="0" cy="0"/>
+          <a:chOff x="0" y="0"/>
+          <a:chExt cx="0" cy="0"/>
+        </a:xfrm>
+      </p:grpSpPr>
+      <p:sp>
+        <p:nvSpPr>
+          <p:cNvPr id="43" name="Google Shape;43;p2:notes">
+            <a:extLst>
+              <a:ext uri="{FF2B5EF4-FFF2-40B4-BE49-F238E27FC236}">
+                <a16:creationId xmlns:a16="http://schemas.microsoft.com/office/drawing/2014/main" id="{FF7E0C93-D6C3-A7BE-5F88-33EECAB4BA58}"/>
+              </a:ext>
+            </a:extLst>
+          </p:cNvPr>
+          <p:cNvSpPr txBox="1">
+            <a:spLocks noGrp="1"/>
+          </p:cNvSpPr>
+          <p:nvPr>
+            <p:ph type="body" idx="1"/>
+          </p:nvPr>
+        </p:nvSpPr>
+        <p:spPr>
+          <a:xfrm>
+            <a:off x="685800" y="4343400"/>
+            <a:ext cx="5486400" cy="4114800"/>
+          </a:xfrm>
+          <a:prstGeom prst="rect">
+            <a:avLst/>
+          </a:prstGeom>
+        </p:spPr>
+        <p:txBody>
+          <a:bodyPr spcFirstLastPara="1" wrap="square" lIns="91425" tIns="91425" rIns="91425" bIns="91425" anchor="t" anchorCtr="0">
+            <a:noAutofit/>
+          </a:bodyPr>
+          <a:lstStyle/>
+          <a:p>
+            <a:pPr marL="0" lvl="0" indent="0" algn="l" rtl="0">
+              <a:spcBef>
+                <a:spcPts val="0"/>
+              </a:spcBef>
+              <a:spcAft>
+                <a:spcPts val="0"/>
+              </a:spcAft>
+              <a:buNone/>
+            </a:pPr>
+            <a:endParaRPr/>
+          </a:p>
+        </p:txBody>
+      </p:sp>
+      <p:sp>
+        <p:nvSpPr>
+          <p:cNvPr id="44" name="Google Shape;44;p2:notes">
+            <a:extLst>
+              <a:ext uri="{FF2B5EF4-FFF2-40B4-BE49-F238E27FC236}">
+                <a16:creationId xmlns:a16="http://schemas.microsoft.com/office/drawing/2014/main" id="{F32CE549-8D63-F49F-B135-F417A8A0383E}"/>
+              </a:ext>
+            </a:extLst>
+          </p:cNvPr>
+          <p:cNvSpPr>
+            <a:spLocks noGrp="1" noRot="1" noChangeAspect="1"/>
+          </p:cNvSpPr>
+          <p:nvPr>
+            <p:ph type="sldImg" idx="2"/>
+          </p:nvPr>
+        </p:nvSpPr>
+        <p:spPr>
+          <a:xfrm>
+            <a:off x="1143000" y="685800"/>
+            <a:ext cx="4572000" cy="3429000"/>
+          </a:xfrm>
+          <a:custGeom>
+            <a:avLst/>
+            <a:gdLst/>
+            <a:ahLst/>
+            <a:cxnLst/>
+            <a:rect l="l" t="t" r="r" b="b"/>
+            <a:pathLst>
+              <a:path w="120000" h="120000" extrusionOk="0">
+                <a:moveTo>
+                  <a:pt x="0" y="0"/>
+                </a:moveTo>
+                <a:lnTo>
+                  <a:pt x="120000" y="0"/>
+                </a:lnTo>
+                <a:lnTo>
+                  <a:pt x="120000" y="120000"/>
+                </a:lnTo>
+                <a:lnTo>
+                  <a:pt x="0" y="120000"/>
+                </a:lnTo>
+                <a:close/>
+              </a:path>
+            </a:pathLst>
+          </a:custGeom>
+        </p:spPr>
+      </p:sp>
+    </p:spTree>
+    <p:extLst>
+      <p:ext uri="{BB962C8B-B14F-4D97-AF65-F5344CB8AC3E}">
+        <p14:creationId xmlns:p14="http://schemas.microsoft.com/office/powerpoint/2010/main" val="697551067"/>
+      </p:ext>
+    </p:extLst>
+  </p:cSld>
+  <p:clrMapOvr>
+    <a:masterClrMapping/>
+  </p:clrMapOvr>
+</p:notes>
+</file>
+
+<file path=ppt/notesSlides/notesSlide16.xml><?xml version="1.0" encoding="utf-8"?>
+<p:notes xmlns:a="http://schemas.openxmlformats.org/drawingml/2006/main" xmlns:r="http://schemas.openxmlformats.org/officeDocument/2006/relationships" xmlns:p="http://schemas.openxmlformats.org/presentationml/2006/main" showMasterSp="0" showMasterPhAnim="0">
+  <p:cSld>
+    <p:spTree>
+      <p:nvGrpSpPr>
+        <p:cNvPr id="1" name="Shape 42">
+          <a:extLst>
+            <a:ext uri="{FF2B5EF4-FFF2-40B4-BE49-F238E27FC236}">
+              <a16:creationId xmlns:a16="http://schemas.microsoft.com/office/drawing/2014/main" id="{5131CB67-F957-0546-2318-CD2FF1AFFFAC}"/>
+            </a:ext>
+          </a:extLst>
+        </p:cNvPr>
+        <p:cNvGrpSpPr/>
+        <p:nvPr/>
+      </p:nvGrpSpPr>
+      <p:grpSpPr>
+        <a:xfrm>
+          <a:off x="0" y="0"/>
+          <a:ext cx="0" cy="0"/>
+          <a:chOff x="0" y="0"/>
+          <a:chExt cx="0" cy="0"/>
+        </a:xfrm>
+      </p:grpSpPr>
+      <p:sp>
+        <p:nvSpPr>
+          <p:cNvPr id="43" name="Google Shape;43;p2:notes">
+            <a:extLst>
+              <a:ext uri="{FF2B5EF4-FFF2-40B4-BE49-F238E27FC236}">
+                <a16:creationId xmlns:a16="http://schemas.microsoft.com/office/drawing/2014/main" id="{ECDEC968-247B-0FDC-118A-CA5D784DA0CC}"/>
+              </a:ext>
+            </a:extLst>
+          </p:cNvPr>
+          <p:cNvSpPr txBox="1">
+            <a:spLocks noGrp="1"/>
+          </p:cNvSpPr>
+          <p:nvPr>
+            <p:ph type="body" idx="1"/>
+          </p:nvPr>
+        </p:nvSpPr>
+        <p:spPr>
+          <a:xfrm>
+            <a:off x="685800" y="4343400"/>
+            <a:ext cx="5486400" cy="4114800"/>
+          </a:xfrm>
+          <a:prstGeom prst="rect">
+            <a:avLst/>
+          </a:prstGeom>
+        </p:spPr>
+        <p:txBody>
+          <a:bodyPr spcFirstLastPara="1" wrap="square" lIns="91425" tIns="91425" rIns="91425" bIns="91425" anchor="t" anchorCtr="0">
+            <a:noAutofit/>
+          </a:bodyPr>
+          <a:lstStyle/>
+          <a:p>
+            <a:pPr marL="0" lvl="0" indent="0" algn="l" rtl="0">
+              <a:spcBef>
+                <a:spcPts val="0"/>
+              </a:spcBef>
+              <a:spcAft>
+                <a:spcPts val="0"/>
+              </a:spcAft>
+              <a:buNone/>
+            </a:pPr>
+            <a:endParaRPr/>
+          </a:p>
+        </p:txBody>
+      </p:sp>
+      <p:sp>
+        <p:nvSpPr>
+          <p:cNvPr id="44" name="Google Shape;44;p2:notes">
+            <a:extLst>
+              <a:ext uri="{FF2B5EF4-FFF2-40B4-BE49-F238E27FC236}">
+                <a16:creationId xmlns:a16="http://schemas.microsoft.com/office/drawing/2014/main" id="{523419CD-25A5-D852-DF2C-6F1DA06D7126}"/>
+              </a:ext>
+            </a:extLst>
+          </p:cNvPr>
+          <p:cNvSpPr>
+            <a:spLocks noGrp="1" noRot="1" noChangeAspect="1"/>
+          </p:cNvSpPr>
+          <p:nvPr>
+            <p:ph type="sldImg" idx="2"/>
+          </p:nvPr>
+        </p:nvSpPr>
+        <p:spPr>
+          <a:xfrm>
+            <a:off x="1143000" y="685800"/>
+            <a:ext cx="4572000" cy="3429000"/>
+          </a:xfrm>
+          <a:custGeom>
+            <a:avLst/>
+            <a:gdLst/>
+            <a:ahLst/>
+            <a:cxnLst/>
+            <a:rect l="l" t="t" r="r" b="b"/>
+            <a:pathLst>
+              <a:path w="120000" h="120000" extrusionOk="0">
+                <a:moveTo>
+                  <a:pt x="0" y="0"/>
+                </a:moveTo>
+                <a:lnTo>
+                  <a:pt x="120000" y="0"/>
+                </a:lnTo>
+                <a:lnTo>
+                  <a:pt x="120000" y="120000"/>
+                </a:lnTo>
+                <a:lnTo>
+                  <a:pt x="0" y="120000"/>
+                </a:lnTo>
+                <a:close/>
+              </a:path>
+            </a:pathLst>
+          </a:custGeom>
+        </p:spPr>
+      </p:sp>
+    </p:spTree>
+    <p:extLst>
+      <p:ext uri="{BB962C8B-B14F-4D97-AF65-F5344CB8AC3E}">
+        <p14:creationId xmlns:p14="http://schemas.microsoft.com/office/powerpoint/2010/main" val="4263424693"/>
+      </p:ext>
+    </p:extLst>
+  </p:cSld>
+  <p:clrMapOvr>
+    <a:masterClrMapping/>
+  </p:clrMapOvr>
+</p:notes>
+</file>
+
 <file path=ppt/notesSlides/notesSlide2.xml><?xml version="1.0" encoding="utf-8"?>
 <p:notes xmlns:a="http://schemas.openxmlformats.org/drawingml/2006/main" xmlns:r="http://schemas.openxmlformats.org/officeDocument/2006/relationships" xmlns:p="http://schemas.openxmlformats.org/presentationml/2006/main" showMasterSp="0" showMasterPhAnim="0">
   <p:cSld>
@@ -1291,6 +2191,514 @@
     <p:extLst>
       <p:ext uri="{BB962C8B-B14F-4D97-AF65-F5344CB8AC3E}">
         <p14:creationId xmlns:p14="http://schemas.microsoft.com/office/powerpoint/2010/main" val="2405284572"/>
+      </p:ext>
+    </p:extLst>
+  </p:cSld>
+  <p:clrMapOvr>
+    <a:masterClrMapping/>
+  </p:clrMapOvr>
+</p:notes>
+</file>
+
+<file path=ppt/notesSlides/notesSlide6.xml><?xml version="1.0" encoding="utf-8"?>
+<p:notes xmlns:a="http://schemas.openxmlformats.org/drawingml/2006/main" xmlns:r="http://schemas.openxmlformats.org/officeDocument/2006/relationships" xmlns:p="http://schemas.openxmlformats.org/presentationml/2006/main" showMasterSp="0" showMasterPhAnim="0">
+  <p:cSld>
+    <p:spTree>
+      <p:nvGrpSpPr>
+        <p:cNvPr id="1" name="Shape 42">
+          <a:extLst>
+            <a:ext uri="{FF2B5EF4-FFF2-40B4-BE49-F238E27FC236}">
+              <a16:creationId xmlns:a16="http://schemas.microsoft.com/office/drawing/2014/main" id="{BE13778F-9096-094D-1F55-FEB8C4C440D1}"/>
+            </a:ext>
+          </a:extLst>
+        </p:cNvPr>
+        <p:cNvGrpSpPr/>
+        <p:nvPr/>
+      </p:nvGrpSpPr>
+      <p:grpSpPr>
+        <a:xfrm>
+          <a:off x="0" y="0"/>
+          <a:ext cx="0" cy="0"/>
+          <a:chOff x="0" y="0"/>
+          <a:chExt cx="0" cy="0"/>
+        </a:xfrm>
+      </p:grpSpPr>
+      <p:sp>
+        <p:nvSpPr>
+          <p:cNvPr id="43" name="Google Shape;43;p2:notes">
+            <a:extLst>
+              <a:ext uri="{FF2B5EF4-FFF2-40B4-BE49-F238E27FC236}">
+                <a16:creationId xmlns:a16="http://schemas.microsoft.com/office/drawing/2014/main" id="{E633EE53-AB61-ECB0-181D-7BBF283C99A8}"/>
+              </a:ext>
+            </a:extLst>
+          </p:cNvPr>
+          <p:cNvSpPr txBox="1">
+            <a:spLocks noGrp="1"/>
+          </p:cNvSpPr>
+          <p:nvPr>
+            <p:ph type="body" idx="1"/>
+          </p:nvPr>
+        </p:nvSpPr>
+        <p:spPr>
+          <a:xfrm>
+            <a:off x="685800" y="4343400"/>
+            <a:ext cx="5486400" cy="4114800"/>
+          </a:xfrm>
+          <a:prstGeom prst="rect">
+            <a:avLst/>
+          </a:prstGeom>
+        </p:spPr>
+        <p:txBody>
+          <a:bodyPr spcFirstLastPara="1" wrap="square" lIns="91425" tIns="91425" rIns="91425" bIns="91425" anchor="t" anchorCtr="0">
+            <a:noAutofit/>
+          </a:bodyPr>
+          <a:lstStyle/>
+          <a:p>
+            <a:pPr marL="0" lvl="0" indent="0" algn="l" rtl="0">
+              <a:spcBef>
+                <a:spcPts val="0"/>
+              </a:spcBef>
+              <a:spcAft>
+                <a:spcPts val="0"/>
+              </a:spcAft>
+              <a:buNone/>
+            </a:pPr>
+            <a:endParaRPr/>
+          </a:p>
+        </p:txBody>
+      </p:sp>
+      <p:sp>
+        <p:nvSpPr>
+          <p:cNvPr id="44" name="Google Shape;44;p2:notes">
+            <a:extLst>
+              <a:ext uri="{FF2B5EF4-FFF2-40B4-BE49-F238E27FC236}">
+                <a16:creationId xmlns:a16="http://schemas.microsoft.com/office/drawing/2014/main" id="{DF5BBEB1-7295-FF44-4871-C7BF00FD183C}"/>
+              </a:ext>
+            </a:extLst>
+          </p:cNvPr>
+          <p:cNvSpPr>
+            <a:spLocks noGrp="1" noRot="1" noChangeAspect="1"/>
+          </p:cNvSpPr>
+          <p:nvPr>
+            <p:ph type="sldImg" idx="2"/>
+          </p:nvPr>
+        </p:nvSpPr>
+        <p:spPr>
+          <a:xfrm>
+            <a:off x="1143000" y="685800"/>
+            <a:ext cx="4572000" cy="3429000"/>
+          </a:xfrm>
+          <a:custGeom>
+            <a:avLst/>
+            <a:gdLst/>
+            <a:ahLst/>
+            <a:cxnLst/>
+            <a:rect l="l" t="t" r="r" b="b"/>
+            <a:pathLst>
+              <a:path w="120000" h="120000" extrusionOk="0">
+                <a:moveTo>
+                  <a:pt x="0" y="0"/>
+                </a:moveTo>
+                <a:lnTo>
+                  <a:pt x="120000" y="0"/>
+                </a:lnTo>
+                <a:lnTo>
+                  <a:pt x="120000" y="120000"/>
+                </a:lnTo>
+                <a:lnTo>
+                  <a:pt x="0" y="120000"/>
+                </a:lnTo>
+                <a:close/>
+              </a:path>
+            </a:pathLst>
+          </a:custGeom>
+        </p:spPr>
+      </p:sp>
+    </p:spTree>
+    <p:extLst>
+      <p:ext uri="{BB962C8B-B14F-4D97-AF65-F5344CB8AC3E}">
+        <p14:creationId xmlns:p14="http://schemas.microsoft.com/office/powerpoint/2010/main" val="1574653809"/>
+      </p:ext>
+    </p:extLst>
+  </p:cSld>
+  <p:clrMapOvr>
+    <a:masterClrMapping/>
+  </p:clrMapOvr>
+</p:notes>
+</file>
+
+<file path=ppt/notesSlides/notesSlide7.xml><?xml version="1.0" encoding="utf-8"?>
+<p:notes xmlns:a="http://schemas.openxmlformats.org/drawingml/2006/main" xmlns:r="http://schemas.openxmlformats.org/officeDocument/2006/relationships" xmlns:p="http://schemas.openxmlformats.org/presentationml/2006/main" showMasterSp="0" showMasterPhAnim="0">
+  <p:cSld>
+    <p:spTree>
+      <p:nvGrpSpPr>
+        <p:cNvPr id="1" name="Shape 42">
+          <a:extLst>
+            <a:ext uri="{FF2B5EF4-FFF2-40B4-BE49-F238E27FC236}">
+              <a16:creationId xmlns:a16="http://schemas.microsoft.com/office/drawing/2014/main" id="{4FB485E2-136D-BD9F-48C7-B77CD0E7C7A2}"/>
+            </a:ext>
+          </a:extLst>
+        </p:cNvPr>
+        <p:cNvGrpSpPr/>
+        <p:nvPr/>
+      </p:nvGrpSpPr>
+      <p:grpSpPr>
+        <a:xfrm>
+          <a:off x="0" y="0"/>
+          <a:ext cx="0" cy="0"/>
+          <a:chOff x="0" y="0"/>
+          <a:chExt cx="0" cy="0"/>
+        </a:xfrm>
+      </p:grpSpPr>
+      <p:sp>
+        <p:nvSpPr>
+          <p:cNvPr id="43" name="Google Shape;43;p2:notes">
+            <a:extLst>
+              <a:ext uri="{FF2B5EF4-FFF2-40B4-BE49-F238E27FC236}">
+                <a16:creationId xmlns:a16="http://schemas.microsoft.com/office/drawing/2014/main" id="{A6E6FCDC-3B61-44E6-6545-ADBD5A67E46D}"/>
+              </a:ext>
+            </a:extLst>
+          </p:cNvPr>
+          <p:cNvSpPr txBox="1">
+            <a:spLocks noGrp="1"/>
+          </p:cNvSpPr>
+          <p:nvPr>
+            <p:ph type="body" idx="1"/>
+          </p:nvPr>
+        </p:nvSpPr>
+        <p:spPr>
+          <a:xfrm>
+            <a:off x="685800" y="4343400"/>
+            <a:ext cx="5486400" cy="4114800"/>
+          </a:xfrm>
+          <a:prstGeom prst="rect">
+            <a:avLst/>
+          </a:prstGeom>
+        </p:spPr>
+        <p:txBody>
+          <a:bodyPr spcFirstLastPara="1" wrap="square" lIns="91425" tIns="91425" rIns="91425" bIns="91425" anchor="t" anchorCtr="0">
+            <a:noAutofit/>
+          </a:bodyPr>
+          <a:lstStyle/>
+          <a:p>
+            <a:pPr marL="0" lvl="0" indent="0" algn="l" rtl="0">
+              <a:spcBef>
+                <a:spcPts val="0"/>
+              </a:spcBef>
+              <a:spcAft>
+                <a:spcPts val="0"/>
+              </a:spcAft>
+              <a:buNone/>
+            </a:pPr>
+            <a:endParaRPr/>
+          </a:p>
+        </p:txBody>
+      </p:sp>
+      <p:sp>
+        <p:nvSpPr>
+          <p:cNvPr id="44" name="Google Shape;44;p2:notes">
+            <a:extLst>
+              <a:ext uri="{FF2B5EF4-FFF2-40B4-BE49-F238E27FC236}">
+                <a16:creationId xmlns:a16="http://schemas.microsoft.com/office/drawing/2014/main" id="{8CA665A9-31A4-FF2D-6536-DEB20183C80D}"/>
+              </a:ext>
+            </a:extLst>
+          </p:cNvPr>
+          <p:cNvSpPr>
+            <a:spLocks noGrp="1" noRot="1" noChangeAspect="1"/>
+          </p:cNvSpPr>
+          <p:nvPr>
+            <p:ph type="sldImg" idx="2"/>
+          </p:nvPr>
+        </p:nvSpPr>
+        <p:spPr>
+          <a:xfrm>
+            <a:off x="1143000" y="685800"/>
+            <a:ext cx="4572000" cy="3429000"/>
+          </a:xfrm>
+          <a:custGeom>
+            <a:avLst/>
+            <a:gdLst/>
+            <a:ahLst/>
+            <a:cxnLst/>
+            <a:rect l="l" t="t" r="r" b="b"/>
+            <a:pathLst>
+              <a:path w="120000" h="120000" extrusionOk="0">
+                <a:moveTo>
+                  <a:pt x="0" y="0"/>
+                </a:moveTo>
+                <a:lnTo>
+                  <a:pt x="120000" y="0"/>
+                </a:lnTo>
+                <a:lnTo>
+                  <a:pt x="120000" y="120000"/>
+                </a:lnTo>
+                <a:lnTo>
+                  <a:pt x="0" y="120000"/>
+                </a:lnTo>
+                <a:close/>
+              </a:path>
+            </a:pathLst>
+          </a:custGeom>
+        </p:spPr>
+      </p:sp>
+    </p:spTree>
+    <p:extLst>
+      <p:ext uri="{BB962C8B-B14F-4D97-AF65-F5344CB8AC3E}">
+        <p14:creationId xmlns:p14="http://schemas.microsoft.com/office/powerpoint/2010/main" val="4165420899"/>
+      </p:ext>
+    </p:extLst>
+  </p:cSld>
+  <p:clrMapOvr>
+    <a:masterClrMapping/>
+  </p:clrMapOvr>
+</p:notes>
+</file>
+
+<file path=ppt/notesSlides/notesSlide8.xml><?xml version="1.0" encoding="utf-8"?>
+<p:notes xmlns:a="http://schemas.openxmlformats.org/drawingml/2006/main" xmlns:r="http://schemas.openxmlformats.org/officeDocument/2006/relationships" xmlns:p="http://schemas.openxmlformats.org/presentationml/2006/main" showMasterSp="0" showMasterPhAnim="0">
+  <p:cSld>
+    <p:spTree>
+      <p:nvGrpSpPr>
+        <p:cNvPr id="1" name="Shape 42">
+          <a:extLst>
+            <a:ext uri="{FF2B5EF4-FFF2-40B4-BE49-F238E27FC236}">
+              <a16:creationId xmlns:a16="http://schemas.microsoft.com/office/drawing/2014/main" id="{20237866-6328-3756-4C4F-9EB4DE95A45C}"/>
+            </a:ext>
+          </a:extLst>
+        </p:cNvPr>
+        <p:cNvGrpSpPr/>
+        <p:nvPr/>
+      </p:nvGrpSpPr>
+      <p:grpSpPr>
+        <a:xfrm>
+          <a:off x="0" y="0"/>
+          <a:ext cx="0" cy="0"/>
+          <a:chOff x="0" y="0"/>
+          <a:chExt cx="0" cy="0"/>
+        </a:xfrm>
+      </p:grpSpPr>
+      <p:sp>
+        <p:nvSpPr>
+          <p:cNvPr id="43" name="Google Shape;43;p2:notes">
+            <a:extLst>
+              <a:ext uri="{FF2B5EF4-FFF2-40B4-BE49-F238E27FC236}">
+                <a16:creationId xmlns:a16="http://schemas.microsoft.com/office/drawing/2014/main" id="{33D5C715-9D55-BDA6-52A9-84169FD449C0}"/>
+              </a:ext>
+            </a:extLst>
+          </p:cNvPr>
+          <p:cNvSpPr txBox="1">
+            <a:spLocks noGrp="1"/>
+          </p:cNvSpPr>
+          <p:nvPr>
+            <p:ph type="body" idx="1"/>
+          </p:nvPr>
+        </p:nvSpPr>
+        <p:spPr>
+          <a:xfrm>
+            <a:off x="685800" y="4343400"/>
+            <a:ext cx="5486400" cy="4114800"/>
+          </a:xfrm>
+          <a:prstGeom prst="rect">
+            <a:avLst/>
+          </a:prstGeom>
+        </p:spPr>
+        <p:txBody>
+          <a:bodyPr spcFirstLastPara="1" wrap="square" lIns="91425" tIns="91425" rIns="91425" bIns="91425" anchor="t" anchorCtr="0">
+            <a:noAutofit/>
+          </a:bodyPr>
+          <a:lstStyle/>
+          <a:p>
+            <a:pPr marL="0" lvl="0" indent="0" algn="l" rtl="0">
+              <a:spcBef>
+                <a:spcPts val="0"/>
+              </a:spcBef>
+              <a:spcAft>
+                <a:spcPts val="0"/>
+              </a:spcAft>
+              <a:buNone/>
+            </a:pPr>
+            <a:endParaRPr/>
+          </a:p>
+        </p:txBody>
+      </p:sp>
+      <p:sp>
+        <p:nvSpPr>
+          <p:cNvPr id="44" name="Google Shape;44;p2:notes">
+            <a:extLst>
+              <a:ext uri="{FF2B5EF4-FFF2-40B4-BE49-F238E27FC236}">
+                <a16:creationId xmlns:a16="http://schemas.microsoft.com/office/drawing/2014/main" id="{6D8CA701-C8CC-0264-D76E-95C8BAC781A5}"/>
+              </a:ext>
+            </a:extLst>
+          </p:cNvPr>
+          <p:cNvSpPr>
+            <a:spLocks noGrp="1" noRot="1" noChangeAspect="1"/>
+          </p:cNvSpPr>
+          <p:nvPr>
+            <p:ph type="sldImg" idx="2"/>
+          </p:nvPr>
+        </p:nvSpPr>
+        <p:spPr>
+          <a:xfrm>
+            <a:off x="1143000" y="685800"/>
+            <a:ext cx="4572000" cy="3429000"/>
+          </a:xfrm>
+          <a:custGeom>
+            <a:avLst/>
+            <a:gdLst/>
+            <a:ahLst/>
+            <a:cxnLst/>
+            <a:rect l="l" t="t" r="r" b="b"/>
+            <a:pathLst>
+              <a:path w="120000" h="120000" extrusionOk="0">
+                <a:moveTo>
+                  <a:pt x="0" y="0"/>
+                </a:moveTo>
+                <a:lnTo>
+                  <a:pt x="120000" y="0"/>
+                </a:lnTo>
+                <a:lnTo>
+                  <a:pt x="120000" y="120000"/>
+                </a:lnTo>
+                <a:lnTo>
+                  <a:pt x="0" y="120000"/>
+                </a:lnTo>
+                <a:close/>
+              </a:path>
+            </a:pathLst>
+          </a:custGeom>
+        </p:spPr>
+      </p:sp>
+    </p:spTree>
+    <p:extLst>
+      <p:ext uri="{BB962C8B-B14F-4D97-AF65-F5344CB8AC3E}">
+        <p14:creationId xmlns:p14="http://schemas.microsoft.com/office/powerpoint/2010/main" val="1927053868"/>
+      </p:ext>
+    </p:extLst>
+  </p:cSld>
+  <p:clrMapOvr>
+    <a:masterClrMapping/>
+  </p:clrMapOvr>
+</p:notes>
+</file>
+
+<file path=ppt/notesSlides/notesSlide9.xml><?xml version="1.0" encoding="utf-8"?>
+<p:notes xmlns:a="http://schemas.openxmlformats.org/drawingml/2006/main" xmlns:r="http://schemas.openxmlformats.org/officeDocument/2006/relationships" xmlns:p="http://schemas.openxmlformats.org/presentationml/2006/main" showMasterSp="0" showMasterPhAnim="0">
+  <p:cSld>
+    <p:spTree>
+      <p:nvGrpSpPr>
+        <p:cNvPr id="1" name="Shape 42">
+          <a:extLst>
+            <a:ext uri="{FF2B5EF4-FFF2-40B4-BE49-F238E27FC236}">
+              <a16:creationId xmlns:a16="http://schemas.microsoft.com/office/drawing/2014/main" id="{6D1D214C-8890-7749-C801-0150FD29E4E7}"/>
+            </a:ext>
+          </a:extLst>
+        </p:cNvPr>
+        <p:cNvGrpSpPr/>
+        <p:nvPr/>
+      </p:nvGrpSpPr>
+      <p:grpSpPr>
+        <a:xfrm>
+          <a:off x="0" y="0"/>
+          <a:ext cx="0" cy="0"/>
+          <a:chOff x="0" y="0"/>
+          <a:chExt cx="0" cy="0"/>
+        </a:xfrm>
+      </p:grpSpPr>
+      <p:sp>
+        <p:nvSpPr>
+          <p:cNvPr id="43" name="Google Shape;43;p2:notes">
+            <a:extLst>
+              <a:ext uri="{FF2B5EF4-FFF2-40B4-BE49-F238E27FC236}">
+                <a16:creationId xmlns:a16="http://schemas.microsoft.com/office/drawing/2014/main" id="{F5A7FC33-B1E7-9D8F-1DC9-4FAD965AB2DF}"/>
+              </a:ext>
+            </a:extLst>
+          </p:cNvPr>
+          <p:cNvSpPr txBox="1">
+            <a:spLocks noGrp="1"/>
+          </p:cNvSpPr>
+          <p:nvPr>
+            <p:ph type="body" idx="1"/>
+          </p:nvPr>
+        </p:nvSpPr>
+        <p:spPr>
+          <a:xfrm>
+            <a:off x="685800" y="4343400"/>
+            <a:ext cx="5486400" cy="4114800"/>
+          </a:xfrm>
+          <a:prstGeom prst="rect">
+            <a:avLst/>
+          </a:prstGeom>
+        </p:spPr>
+        <p:txBody>
+          <a:bodyPr spcFirstLastPara="1" wrap="square" lIns="91425" tIns="91425" rIns="91425" bIns="91425" anchor="t" anchorCtr="0">
+            <a:noAutofit/>
+          </a:bodyPr>
+          <a:lstStyle/>
+          <a:p>
+            <a:pPr marL="0" lvl="0" indent="0" algn="l" rtl="0">
+              <a:spcBef>
+                <a:spcPts val="0"/>
+              </a:spcBef>
+              <a:spcAft>
+                <a:spcPts val="0"/>
+              </a:spcAft>
+              <a:buNone/>
+            </a:pPr>
+            <a:endParaRPr/>
+          </a:p>
+        </p:txBody>
+      </p:sp>
+      <p:sp>
+        <p:nvSpPr>
+          <p:cNvPr id="44" name="Google Shape;44;p2:notes">
+            <a:extLst>
+              <a:ext uri="{FF2B5EF4-FFF2-40B4-BE49-F238E27FC236}">
+                <a16:creationId xmlns:a16="http://schemas.microsoft.com/office/drawing/2014/main" id="{28B55263-B3CD-AED6-5B8A-7130011E2BC7}"/>
+              </a:ext>
+            </a:extLst>
+          </p:cNvPr>
+          <p:cNvSpPr>
+            <a:spLocks noGrp="1" noRot="1" noChangeAspect="1"/>
+          </p:cNvSpPr>
+          <p:nvPr>
+            <p:ph type="sldImg" idx="2"/>
+          </p:nvPr>
+        </p:nvSpPr>
+        <p:spPr>
+          <a:xfrm>
+            <a:off x="1143000" y="685800"/>
+            <a:ext cx="4572000" cy="3429000"/>
+          </a:xfrm>
+          <a:custGeom>
+            <a:avLst/>
+            <a:gdLst/>
+            <a:ahLst/>
+            <a:cxnLst/>
+            <a:rect l="l" t="t" r="r" b="b"/>
+            <a:pathLst>
+              <a:path w="120000" h="120000" extrusionOk="0">
+                <a:moveTo>
+                  <a:pt x="0" y="0"/>
+                </a:moveTo>
+                <a:lnTo>
+                  <a:pt x="120000" y="0"/>
+                </a:lnTo>
+                <a:lnTo>
+                  <a:pt x="120000" y="120000"/>
+                </a:lnTo>
+                <a:lnTo>
+                  <a:pt x="0" y="120000"/>
+                </a:lnTo>
+                <a:close/>
+              </a:path>
+            </a:pathLst>
+          </a:custGeom>
+        </p:spPr>
+      </p:sp>
+    </p:spTree>
+    <p:extLst>
+      <p:ext uri="{BB962C8B-B14F-4D97-AF65-F5344CB8AC3E}">
+        <p14:creationId xmlns:p14="http://schemas.microsoft.com/office/powerpoint/2010/main" val="1719943669"/>
       </p:ext>
     </p:extLst>
   </p:cSld>
@@ -7813,6 +9221,2262 @@
 </p:sld>
 </file>
 
+<file path=ppt/slides/slide10.xml><?xml version="1.0" encoding="utf-8"?>
+<p:sld xmlns:a="http://schemas.openxmlformats.org/drawingml/2006/main" xmlns:r="http://schemas.openxmlformats.org/officeDocument/2006/relationships" xmlns:p="http://schemas.openxmlformats.org/presentationml/2006/main">
+  <p:cSld>
+    <p:bg>
+      <p:bgPr>
+        <a:solidFill>
+          <a:schemeClr val="lt1"/>
+        </a:solidFill>
+        <a:effectLst/>
+      </p:bgPr>
+    </p:bg>
+    <p:spTree>
+      <p:nvGrpSpPr>
+        <p:cNvPr id="1" name="Shape 45">
+          <a:extLst>
+            <a:ext uri="{FF2B5EF4-FFF2-40B4-BE49-F238E27FC236}">
+              <a16:creationId xmlns:a16="http://schemas.microsoft.com/office/drawing/2014/main" id="{CBBBF80B-5CCB-21F2-E6BB-097C45C35054}"/>
+            </a:ext>
+          </a:extLst>
+        </p:cNvPr>
+        <p:cNvGrpSpPr/>
+        <p:nvPr/>
+      </p:nvGrpSpPr>
+      <p:grpSpPr>
+        <a:xfrm>
+          <a:off x="0" y="0"/>
+          <a:ext cx="0" cy="0"/>
+          <a:chOff x="0" y="0"/>
+          <a:chExt cx="0" cy="0"/>
+        </a:xfrm>
+      </p:grpSpPr>
+      <p:sp>
+        <p:nvSpPr>
+          <p:cNvPr id="46" name="Google Shape;46;p2">
+            <a:extLst>
+              <a:ext uri="{FF2B5EF4-FFF2-40B4-BE49-F238E27FC236}">
+                <a16:creationId xmlns:a16="http://schemas.microsoft.com/office/drawing/2014/main" id="{99C5CE48-4163-C2AC-D159-9BD4D31F4046}"/>
+              </a:ext>
+            </a:extLst>
+          </p:cNvPr>
+          <p:cNvSpPr txBox="1">
+            <a:spLocks noGrp="1"/>
+          </p:cNvSpPr>
+          <p:nvPr>
+            <p:ph type="title"/>
+          </p:nvPr>
+        </p:nvSpPr>
+        <p:spPr>
+          <a:xfrm>
+            <a:off x="0" y="-146050"/>
+            <a:ext cx="7166610" cy="984250"/>
+          </a:xfrm>
+          <a:prstGeom prst="rect">
+            <a:avLst/>
+          </a:prstGeom>
+          <a:noFill/>
+          <a:ln w="9525" cap="flat" cmpd="sng">
+            <a:noFill/>
+            <a:prstDash val="solid"/>
+            <a:miter lim="800000"/>
+            <a:headEnd type="none" w="sm" len="sm"/>
+            <a:tailEnd type="none" w="sm" len="sm"/>
+          </a:ln>
+        </p:spPr>
+        <p:txBody>
+          <a:bodyPr spcFirstLastPara="1" wrap="square" lIns="91425" tIns="45700" rIns="91425" bIns="45700" anchor="ctr" anchorCtr="0">
+            <a:noAutofit/>
+          </a:bodyPr>
+          <a:lstStyle/>
+          <a:p>
+            <a:pPr marL="0" lvl="0" indent="0" algn="l" rtl="0">
+              <a:spcBef>
+                <a:spcPts val="0"/>
+              </a:spcBef>
+              <a:spcAft>
+                <a:spcPts val="0"/>
+              </a:spcAft>
+              <a:buClr>
+                <a:schemeClr val="lt1"/>
+              </a:buClr>
+              <a:buSzPts val="4000"/>
+              <a:buFont typeface="Calibri"/>
+              <a:buNone/>
+            </a:pPr>
+            <a:r>
+              <a:rPr lang="en-US" sz="2400" dirty="0">
+                <a:solidFill>
+                  <a:schemeClr val="lt1"/>
+                </a:solidFill>
+                <a:latin typeface="Times New Roman" panose="02020603050405020304" pitchFamily="18" charset="0"/>
+                <a:cs typeface="Times New Roman" panose="02020603050405020304" pitchFamily="18" charset="0"/>
+              </a:rPr>
+              <a:t>ACTIVITY DIAGRAM LOGIN</a:t>
+            </a:r>
+            <a:endParaRPr sz="2400" dirty="0">
+              <a:solidFill>
+                <a:schemeClr val="lt1"/>
+              </a:solidFill>
+              <a:latin typeface="Times New Roman" panose="02020603050405020304" pitchFamily="18" charset="0"/>
+              <a:cs typeface="Times New Roman" panose="02020603050405020304" pitchFamily="18" charset="0"/>
+            </a:endParaRPr>
+          </a:p>
+        </p:txBody>
+      </p:sp>
+      <p:sp>
+        <p:nvSpPr>
+          <p:cNvPr id="47" name="Google Shape;47;p2">
+            <a:extLst>
+              <a:ext uri="{FF2B5EF4-FFF2-40B4-BE49-F238E27FC236}">
+                <a16:creationId xmlns:a16="http://schemas.microsoft.com/office/drawing/2014/main" id="{D8BB0665-7D64-1A3C-9DCC-1CDA9D000686}"/>
+              </a:ext>
+            </a:extLst>
+          </p:cNvPr>
+          <p:cNvSpPr txBox="1">
+            <a:spLocks noGrp="1"/>
+          </p:cNvSpPr>
+          <p:nvPr>
+            <p:ph type="body" idx="1"/>
+          </p:nvPr>
+        </p:nvSpPr>
+        <p:spPr>
+          <a:xfrm>
+            <a:off x="4765504" y="1145894"/>
+            <a:ext cx="4073696" cy="3819645"/>
+          </a:xfrm>
+          <a:prstGeom prst="rect">
+            <a:avLst/>
+          </a:prstGeom>
+          <a:noFill/>
+          <a:ln>
+            <a:noFill/>
+          </a:ln>
+        </p:spPr>
+        <p:txBody>
+          <a:bodyPr spcFirstLastPara="1" wrap="square" lIns="91425" tIns="45700" rIns="91425" bIns="45700" anchor="t" anchorCtr="0">
+            <a:noAutofit/>
+          </a:bodyPr>
+          <a:lstStyle/>
+          <a:p>
+            <a:pPr marL="342900" indent="-139700">
+              <a:spcBef>
+                <a:spcPts val="0"/>
+              </a:spcBef>
+              <a:buSzPts val="3200"/>
+              <a:buNone/>
+            </a:pPr>
+            <a:r>
+              <a:rPr lang="en-US" sz="2000" dirty="0">
+                <a:effectLst/>
+                <a:latin typeface="Calibri" panose="020F0502020204030204" pitchFamily="34" charset="0"/>
+                <a:ea typeface="Calibri" panose="020F0502020204030204" pitchFamily="34" charset="0"/>
+                <a:cs typeface="Calibri" panose="020F0502020204030204" pitchFamily="34" charset="0"/>
+              </a:rPr>
+              <a:t>	Diagram proses login yang </a:t>
+            </a:r>
+            <a:r>
+              <a:rPr lang="en-US" sz="2000" dirty="0" err="1">
+                <a:effectLst/>
+                <a:latin typeface="Calibri" panose="020F0502020204030204" pitchFamily="34" charset="0"/>
+                <a:ea typeface="Calibri" panose="020F0502020204030204" pitchFamily="34" charset="0"/>
+                <a:cs typeface="Calibri" panose="020F0502020204030204" pitchFamily="34" charset="0"/>
+              </a:rPr>
+              <a:t>menggambarkan</a:t>
+            </a:r>
+            <a:r>
+              <a:rPr lang="en-US" sz="2000" dirty="0">
+                <a:effectLst/>
+                <a:latin typeface="Calibri" panose="020F0502020204030204" pitchFamily="34" charset="0"/>
+                <a:ea typeface="Calibri" panose="020F0502020204030204" pitchFamily="34" charset="0"/>
+                <a:cs typeface="Calibri" panose="020F0502020204030204" pitchFamily="34" charset="0"/>
+              </a:rPr>
+              <a:t> </a:t>
+            </a:r>
+            <a:r>
+              <a:rPr lang="en-US" sz="2000" dirty="0" err="1">
+                <a:effectLst/>
+                <a:latin typeface="Calibri" panose="020F0502020204030204" pitchFamily="34" charset="0"/>
+                <a:ea typeface="Calibri" panose="020F0502020204030204" pitchFamily="34" charset="0"/>
+                <a:cs typeface="Calibri" panose="020F0502020204030204" pitchFamily="34" charset="0"/>
+              </a:rPr>
+              <a:t>alur</a:t>
+            </a:r>
+            <a:r>
+              <a:rPr lang="en-US" sz="2000" dirty="0">
+                <a:effectLst/>
+                <a:latin typeface="Calibri" panose="020F0502020204030204" pitchFamily="34" charset="0"/>
+                <a:ea typeface="Calibri" panose="020F0502020204030204" pitchFamily="34" charset="0"/>
+                <a:cs typeface="Calibri" panose="020F0502020204030204" pitchFamily="34" charset="0"/>
+              </a:rPr>
+              <a:t> </a:t>
+            </a:r>
+            <a:r>
+              <a:rPr lang="en-US" sz="2000" dirty="0" err="1">
+                <a:effectLst/>
+                <a:latin typeface="Calibri" panose="020F0502020204030204" pitchFamily="34" charset="0"/>
+                <a:ea typeface="Calibri" panose="020F0502020204030204" pitchFamily="34" charset="0"/>
+                <a:cs typeface="Calibri" panose="020F0502020204030204" pitchFamily="34" charset="0"/>
+              </a:rPr>
+              <a:t>interaksi</a:t>
+            </a:r>
+            <a:r>
+              <a:rPr lang="en-US" sz="2000" dirty="0">
+                <a:effectLst/>
+                <a:latin typeface="Calibri" panose="020F0502020204030204" pitchFamily="34" charset="0"/>
+                <a:ea typeface="Calibri" panose="020F0502020204030204" pitchFamily="34" charset="0"/>
+                <a:cs typeface="Calibri" panose="020F0502020204030204" pitchFamily="34" charset="0"/>
+              </a:rPr>
+              <a:t> </a:t>
+            </a:r>
+            <a:r>
+              <a:rPr lang="en-US" sz="2000" dirty="0" err="1">
+                <a:effectLst/>
+                <a:latin typeface="Calibri" panose="020F0502020204030204" pitchFamily="34" charset="0"/>
+                <a:ea typeface="Calibri" panose="020F0502020204030204" pitchFamily="34" charset="0"/>
+                <a:cs typeface="Calibri" panose="020F0502020204030204" pitchFamily="34" charset="0"/>
+              </a:rPr>
+              <a:t>antara</a:t>
+            </a:r>
+            <a:r>
+              <a:rPr lang="en-US" sz="2000" dirty="0">
+                <a:effectLst/>
+                <a:latin typeface="Calibri" panose="020F0502020204030204" pitchFamily="34" charset="0"/>
+                <a:ea typeface="Calibri" panose="020F0502020204030204" pitchFamily="34" charset="0"/>
+                <a:cs typeface="Calibri" panose="020F0502020204030204" pitchFamily="34" charset="0"/>
+              </a:rPr>
+              <a:t> </a:t>
+            </a:r>
+            <a:r>
+              <a:rPr lang="en-US" sz="2000" dirty="0" err="1">
+                <a:effectLst/>
+                <a:latin typeface="Calibri" panose="020F0502020204030204" pitchFamily="34" charset="0"/>
+                <a:ea typeface="Calibri" panose="020F0502020204030204" pitchFamily="34" charset="0"/>
+                <a:cs typeface="Calibri" panose="020F0502020204030204" pitchFamily="34" charset="0"/>
+              </a:rPr>
+              <a:t>pengguna</a:t>
+            </a:r>
+            <a:r>
+              <a:rPr lang="en-US" sz="2000" dirty="0">
+                <a:effectLst/>
+                <a:latin typeface="Calibri" panose="020F0502020204030204" pitchFamily="34" charset="0"/>
+                <a:ea typeface="Calibri" panose="020F0502020204030204" pitchFamily="34" charset="0"/>
+                <a:cs typeface="Calibri" panose="020F0502020204030204" pitchFamily="34" charset="0"/>
+              </a:rPr>
+              <a:t> dan </a:t>
+            </a:r>
+            <a:r>
+              <a:rPr lang="en-US" sz="2000" dirty="0" err="1">
+                <a:effectLst/>
+                <a:latin typeface="Calibri" panose="020F0502020204030204" pitchFamily="34" charset="0"/>
+                <a:ea typeface="Calibri" panose="020F0502020204030204" pitchFamily="34" charset="0"/>
+                <a:cs typeface="Calibri" panose="020F0502020204030204" pitchFamily="34" charset="0"/>
+              </a:rPr>
+              <a:t>sistem</a:t>
+            </a:r>
+            <a:r>
+              <a:rPr lang="en-US" sz="2000" dirty="0">
+                <a:effectLst/>
+                <a:latin typeface="Calibri" panose="020F0502020204030204" pitchFamily="34" charset="0"/>
+                <a:ea typeface="Calibri" panose="020F0502020204030204" pitchFamily="34" charset="0"/>
+                <a:cs typeface="Calibri" panose="020F0502020204030204" pitchFamily="34" charset="0"/>
+              </a:rPr>
+              <a:t> </a:t>
+            </a:r>
+            <a:r>
+              <a:rPr lang="en-US" sz="2000" dirty="0" err="1">
+                <a:effectLst/>
+                <a:latin typeface="Calibri" panose="020F0502020204030204" pitchFamily="34" charset="0"/>
+                <a:ea typeface="Calibri" panose="020F0502020204030204" pitchFamily="34" charset="0"/>
+                <a:cs typeface="Calibri" panose="020F0502020204030204" pitchFamily="34" charset="0"/>
+              </a:rPr>
+              <a:t>mulai</a:t>
+            </a:r>
+            <a:r>
+              <a:rPr lang="en-US" sz="2000" dirty="0">
+                <a:effectLst/>
+                <a:latin typeface="Calibri" panose="020F0502020204030204" pitchFamily="34" charset="0"/>
+                <a:ea typeface="Calibri" panose="020F0502020204030204" pitchFamily="34" charset="0"/>
+                <a:cs typeface="Calibri" panose="020F0502020204030204" pitchFamily="34" charset="0"/>
+              </a:rPr>
+              <a:t> </a:t>
+            </a:r>
+            <a:r>
+              <a:rPr lang="en-US" sz="2000" dirty="0" err="1">
+                <a:effectLst/>
+                <a:latin typeface="Calibri" panose="020F0502020204030204" pitchFamily="34" charset="0"/>
+                <a:ea typeface="Calibri" panose="020F0502020204030204" pitchFamily="34" charset="0"/>
+                <a:cs typeface="Calibri" panose="020F0502020204030204" pitchFamily="34" charset="0"/>
+              </a:rPr>
+              <a:t>dari</a:t>
+            </a:r>
+            <a:r>
+              <a:rPr lang="en-US" sz="2000" dirty="0">
+                <a:effectLst/>
+                <a:latin typeface="Calibri" panose="020F0502020204030204" pitchFamily="34" charset="0"/>
+                <a:ea typeface="Calibri" panose="020F0502020204030204" pitchFamily="34" charset="0"/>
+                <a:cs typeface="Calibri" panose="020F0502020204030204" pitchFamily="34" charset="0"/>
+              </a:rPr>
+              <a:t> </a:t>
+            </a:r>
+            <a:r>
+              <a:rPr lang="en-US" sz="2000" dirty="0" err="1">
+                <a:effectLst/>
+                <a:latin typeface="Calibri" panose="020F0502020204030204" pitchFamily="34" charset="0"/>
+                <a:ea typeface="Calibri" panose="020F0502020204030204" pitchFamily="34" charset="0"/>
+                <a:cs typeface="Calibri" panose="020F0502020204030204" pitchFamily="34" charset="0"/>
+              </a:rPr>
+              <a:t>klik</a:t>
+            </a:r>
+            <a:r>
+              <a:rPr lang="en-US" sz="2000" dirty="0">
+                <a:effectLst/>
+                <a:latin typeface="Calibri" panose="020F0502020204030204" pitchFamily="34" charset="0"/>
+                <a:ea typeface="Calibri" panose="020F0502020204030204" pitchFamily="34" charset="0"/>
+                <a:cs typeface="Calibri" panose="020F0502020204030204" pitchFamily="34" charset="0"/>
+              </a:rPr>
+              <a:t> </a:t>
+            </a:r>
+            <a:r>
+              <a:rPr lang="en-US" sz="2000" dirty="0" err="1">
+                <a:effectLst/>
+                <a:latin typeface="Calibri" panose="020F0502020204030204" pitchFamily="34" charset="0"/>
+                <a:ea typeface="Calibri" panose="020F0502020204030204" pitchFamily="34" charset="0"/>
+                <a:cs typeface="Calibri" panose="020F0502020204030204" pitchFamily="34" charset="0"/>
+              </a:rPr>
+              <a:t>tombol</a:t>
+            </a:r>
+            <a:r>
+              <a:rPr lang="en-US" sz="2000" dirty="0">
+                <a:effectLst/>
+                <a:latin typeface="Calibri" panose="020F0502020204030204" pitchFamily="34" charset="0"/>
+                <a:ea typeface="Calibri" panose="020F0502020204030204" pitchFamily="34" charset="0"/>
+                <a:cs typeface="Calibri" panose="020F0502020204030204" pitchFamily="34" charset="0"/>
+              </a:rPr>
+              <a:t> login </a:t>
+            </a:r>
+            <a:r>
+              <a:rPr lang="en-US" sz="2000" dirty="0" err="1">
+                <a:effectLst/>
+                <a:latin typeface="Calibri" panose="020F0502020204030204" pitchFamily="34" charset="0"/>
+                <a:ea typeface="Calibri" panose="020F0502020204030204" pitchFamily="34" charset="0"/>
+                <a:cs typeface="Calibri" panose="020F0502020204030204" pitchFamily="34" charset="0"/>
+              </a:rPr>
+              <a:t>hingga</a:t>
+            </a:r>
+            <a:r>
+              <a:rPr lang="en-US" sz="2000" dirty="0">
+                <a:effectLst/>
+                <a:latin typeface="Calibri" panose="020F0502020204030204" pitchFamily="34" charset="0"/>
+                <a:ea typeface="Calibri" panose="020F0502020204030204" pitchFamily="34" charset="0"/>
+                <a:cs typeface="Calibri" panose="020F0502020204030204" pitchFamily="34" charset="0"/>
+              </a:rPr>
+              <a:t> </a:t>
+            </a:r>
+            <a:r>
+              <a:rPr lang="en-US" sz="2000" dirty="0" err="1">
+                <a:effectLst/>
+                <a:latin typeface="Calibri" panose="020F0502020204030204" pitchFamily="34" charset="0"/>
+                <a:ea typeface="Calibri" panose="020F0502020204030204" pitchFamily="34" charset="0"/>
+                <a:cs typeface="Calibri" panose="020F0502020204030204" pitchFamily="34" charset="0"/>
+              </a:rPr>
+              <a:t>berhasil</a:t>
+            </a:r>
+            <a:r>
+              <a:rPr lang="en-US" sz="2000" dirty="0">
+                <a:effectLst/>
+                <a:latin typeface="Calibri" panose="020F0502020204030204" pitchFamily="34" charset="0"/>
+                <a:ea typeface="Calibri" panose="020F0502020204030204" pitchFamily="34" charset="0"/>
+                <a:cs typeface="Calibri" panose="020F0502020204030204" pitchFamily="34" charset="0"/>
+              </a:rPr>
+              <a:t> </a:t>
+            </a:r>
+            <a:r>
+              <a:rPr lang="en-US" sz="2000" dirty="0" err="1">
+                <a:effectLst/>
+                <a:latin typeface="Calibri" panose="020F0502020204030204" pitchFamily="34" charset="0"/>
+                <a:ea typeface="Calibri" panose="020F0502020204030204" pitchFamily="34" charset="0"/>
+                <a:cs typeface="Calibri" panose="020F0502020204030204" pitchFamily="34" charset="0"/>
+              </a:rPr>
+              <a:t>masuk</a:t>
+            </a:r>
+            <a:r>
+              <a:rPr lang="en-US" sz="2000" dirty="0">
+                <a:effectLst/>
+                <a:latin typeface="Calibri" panose="020F0502020204030204" pitchFamily="34" charset="0"/>
+                <a:ea typeface="Calibri" panose="020F0502020204030204" pitchFamily="34" charset="0"/>
+                <a:cs typeface="Calibri" panose="020F0502020204030204" pitchFamily="34" charset="0"/>
+              </a:rPr>
+              <a:t> </a:t>
+            </a:r>
+            <a:r>
+              <a:rPr lang="en-US" sz="2000" dirty="0" err="1">
+                <a:effectLst/>
+                <a:latin typeface="Calibri" panose="020F0502020204030204" pitchFamily="34" charset="0"/>
+                <a:ea typeface="Calibri" panose="020F0502020204030204" pitchFamily="34" charset="0"/>
+                <a:cs typeface="Calibri" panose="020F0502020204030204" pitchFamily="34" charset="0"/>
+              </a:rPr>
+              <a:t>atau</a:t>
+            </a:r>
+            <a:r>
+              <a:rPr lang="en-US" sz="2000" dirty="0">
+                <a:effectLst/>
+                <a:latin typeface="Calibri" panose="020F0502020204030204" pitchFamily="34" charset="0"/>
+                <a:ea typeface="Calibri" panose="020F0502020204030204" pitchFamily="34" charset="0"/>
+                <a:cs typeface="Calibri" panose="020F0502020204030204" pitchFamily="34" charset="0"/>
+              </a:rPr>
+              <a:t> </a:t>
+            </a:r>
+            <a:r>
+              <a:rPr lang="en-US" sz="2000" dirty="0" err="1">
+                <a:effectLst/>
+                <a:latin typeface="Calibri" panose="020F0502020204030204" pitchFamily="34" charset="0"/>
+                <a:ea typeface="Calibri" panose="020F0502020204030204" pitchFamily="34" charset="0"/>
+                <a:cs typeface="Calibri" panose="020F0502020204030204" pitchFamily="34" charset="0"/>
+              </a:rPr>
+              <a:t>menerima</a:t>
+            </a:r>
+            <a:r>
+              <a:rPr lang="en-US" sz="2000" dirty="0">
+                <a:effectLst/>
+                <a:latin typeface="Calibri" panose="020F0502020204030204" pitchFamily="34" charset="0"/>
+                <a:ea typeface="Calibri" panose="020F0502020204030204" pitchFamily="34" charset="0"/>
+                <a:cs typeface="Calibri" panose="020F0502020204030204" pitchFamily="34" charset="0"/>
+              </a:rPr>
+              <a:t> </a:t>
+            </a:r>
+            <a:r>
+              <a:rPr lang="en-US" sz="2000" dirty="0" err="1">
+                <a:effectLst/>
+                <a:latin typeface="Calibri" panose="020F0502020204030204" pitchFamily="34" charset="0"/>
+                <a:ea typeface="Calibri" panose="020F0502020204030204" pitchFamily="34" charset="0"/>
+                <a:cs typeface="Calibri" panose="020F0502020204030204" pitchFamily="34" charset="0"/>
+              </a:rPr>
+              <a:t>notifikasi</a:t>
+            </a:r>
+            <a:r>
+              <a:rPr lang="en-US" sz="2000" dirty="0">
+                <a:effectLst/>
+                <a:latin typeface="Calibri" panose="020F0502020204030204" pitchFamily="34" charset="0"/>
+                <a:ea typeface="Calibri" panose="020F0502020204030204" pitchFamily="34" charset="0"/>
+                <a:cs typeface="Calibri" panose="020F0502020204030204" pitchFamily="34" charset="0"/>
+              </a:rPr>
+              <a:t> </a:t>
+            </a:r>
+            <a:r>
+              <a:rPr lang="en-US" sz="2000" dirty="0" err="1">
+                <a:effectLst/>
+                <a:latin typeface="Calibri" panose="020F0502020204030204" pitchFamily="34" charset="0"/>
+                <a:ea typeface="Calibri" panose="020F0502020204030204" pitchFamily="34" charset="0"/>
+                <a:cs typeface="Calibri" panose="020F0502020204030204" pitchFamily="34" charset="0"/>
+              </a:rPr>
+              <a:t>kesalahan</a:t>
+            </a:r>
+            <a:r>
+              <a:rPr lang="en-US" sz="2000" dirty="0">
+                <a:effectLst/>
+                <a:latin typeface="Calibri" panose="020F0502020204030204" pitchFamily="34" charset="0"/>
+                <a:ea typeface="Calibri" panose="020F0502020204030204" pitchFamily="34" charset="0"/>
+                <a:cs typeface="Calibri" panose="020F0502020204030204" pitchFamily="34" charset="0"/>
+              </a:rPr>
+              <a:t>. </a:t>
+            </a:r>
+            <a:endParaRPr lang="en-US" sz="2800" dirty="0">
+              <a:solidFill>
+                <a:schemeClr val="dk1"/>
+              </a:solidFill>
+              <a:latin typeface="Calibri" panose="020F0502020204030204" pitchFamily="34" charset="0"/>
+              <a:cs typeface="Calibri" panose="020F0502020204030204" pitchFamily="34" charset="0"/>
+              <a:sym typeface="Calibri"/>
+            </a:endParaRPr>
+          </a:p>
+        </p:txBody>
+      </p:sp>
+      <p:pic>
+        <p:nvPicPr>
+          <p:cNvPr id="2" name="Gambar 1" descr="Sebuah gambar berisi teks, cuplikan layar, diagram, garis&#10;&#10;Konten yang dihasilkan AI mungkin salah.">
+            <a:extLst>
+              <a:ext uri="{FF2B5EF4-FFF2-40B4-BE49-F238E27FC236}">
+                <a16:creationId xmlns:a16="http://schemas.microsoft.com/office/drawing/2014/main" id="{81B133AB-D25D-4D46-8220-1FAA26E2B928}"/>
+              </a:ext>
+            </a:extLst>
+          </p:cNvPr>
+          <p:cNvPicPr>
+            <a:picLocks/>
+          </p:cNvPicPr>
+          <p:nvPr/>
+        </p:nvPicPr>
+        <p:blipFill>
+          <a:blip r:embed="rId3" cstate="print">
+            <a:extLst>
+              <a:ext uri="{28A0092B-C50C-407E-A947-70E740481C1C}">
+                <a14:useLocalDpi xmlns:a14="http://schemas.microsoft.com/office/drawing/2010/main" val="0"/>
+              </a:ext>
+            </a:extLst>
+          </a:blip>
+          <a:srcRect/>
+          <a:stretch>
+            <a:fillRect/>
+          </a:stretch>
+        </p:blipFill>
+        <p:spPr bwMode="auto">
+          <a:xfrm>
+            <a:off x="917225" y="851093"/>
+            <a:ext cx="2585057" cy="5155814"/>
+          </a:xfrm>
+          <a:prstGeom prst="rect">
+            <a:avLst/>
+          </a:prstGeom>
+          <a:noFill/>
+          <a:ln>
+            <a:noFill/>
+          </a:ln>
+        </p:spPr>
+      </p:pic>
+    </p:spTree>
+    <p:extLst>
+      <p:ext uri="{BB962C8B-B14F-4D97-AF65-F5344CB8AC3E}">
+        <p14:creationId xmlns:p14="http://schemas.microsoft.com/office/powerpoint/2010/main" val="4043656729"/>
+      </p:ext>
+    </p:extLst>
+  </p:cSld>
+  <p:clrMapOvr>
+    <a:masterClrMapping/>
+  </p:clrMapOvr>
+</p:sld>
+</file>
+
+<file path=ppt/slides/slide11.xml><?xml version="1.0" encoding="utf-8"?>
+<p:sld xmlns:a="http://schemas.openxmlformats.org/drawingml/2006/main" xmlns:r="http://schemas.openxmlformats.org/officeDocument/2006/relationships" xmlns:p="http://schemas.openxmlformats.org/presentationml/2006/main">
+  <p:cSld>
+    <p:bg>
+      <p:bgPr>
+        <a:solidFill>
+          <a:schemeClr val="lt1"/>
+        </a:solidFill>
+        <a:effectLst/>
+      </p:bgPr>
+    </p:bg>
+    <p:spTree>
+      <p:nvGrpSpPr>
+        <p:cNvPr id="1" name="Shape 45">
+          <a:extLst>
+            <a:ext uri="{FF2B5EF4-FFF2-40B4-BE49-F238E27FC236}">
+              <a16:creationId xmlns:a16="http://schemas.microsoft.com/office/drawing/2014/main" id="{14EF93C8-8448-2295-D04B-9F76CD34D96C}"/>
+            </a:ext>
+          </a:extLst>
+        </p:cNvPr>
+        <p:cNvGrpSpPr/>
+        <p:nvPr/>
+      </p:nvGrpSpPr>
+      <p:grpSpPr>
+        <a:xfrm>
+          <a:off x="0" y="0"/>
+          <a:ext cx="0" cy="0"/>
+          <a:chOff x="0" y="0"/>
+          <a:chExt cx="0" cy="0"/>
+        </a:xfrm>
+      </p:grpSpPr>
+      <p:sp>
+        <p:nvSpPr>
+          <p:cNvPr id="46" name="Google Shape;46;p2">
+            <a:extLst>
+              <a:ext uri="{FF2B5EF4-FFF2-40B4-BE49-F238E27FC236}">
+                <a16:creationId xmlns:a16="http://schemas.microsoft.com/office/drawing/2014/main" id="{E022C2A7-6A39-054C-95AB-B90FD3F817CE}"/>
+              </a:ext>
+            </a:extLst>
+          </p:cNvPr>
+          <p:cNvSpPr txBox="1">
+            <a:spLocks noGrp="1"/>
+          </p:cNvSpPr>
+          <p:nvPr>
+            <p:ph type="title"/>
+          </p:nvPr>
+        </p:nvSpPr>
+        <p:spPr>
+          <a:xfrm>
+            <a:off x="0" y="-146050"/>
+            <a:ext cx="7166610" cy="984250"/>
+          </a:xfrm>
+          <a:prstGeom prst="rect">
+            <a:avLst/>
+          </a:prstGeom>
+          <a:noFill/>
+          <a:ln w="9525" cap="flat" cmpd="sng">
+            <a:noFill/>
+            <a:prstDash val="solid"/>
+            <a:miter lim="800000"/>
+            <a:headEnd type="none" w="sm" len="sm"/>
+            <a:tailEnd type="none" w="sm" len="sm"/>
+          </a:ln>
+        </p:spPr>
+        <p:txBody>
+          <a:bodyPr spcFirstLastPara="1" wrap="square" lIns="91425" tIns="45700" rIns="91425" bIns="45700" anchor="ctr" anchorCtr="0">
+            <a:noAutofit/>
+          </a:bodyPr>
+          <a:lstStyle/>
+          <a:p>
+            <a:pPr marL="0" lvl="0" indent="0" algn="l" rtl="0">
+              <a:spcBef>
+                <a:spcPts val="0"/>
+              </a:spcBef>
+              <a:spcAft>
+                <a:spcPts val="0"/>
+              </a:spcAft>
+              <a:buClr>
+                <a:schemeClr val="lt1"/>
+              </a:buClr>
+              <a:buSzPts val="4000"/>
+              <a:buFont typeface="Calibri"/>
+              <a:buNone/>
+            </a:pPr>
+            <a:r>
+              <a:rPr lang="en-US" sz="2400" dirty="0">
+                <a:solidFill>
+                  <a:schemeClr val="lt1"/>
+                </a:solidFill>
+                <a:latin typeface="Times New Roman" panose="02020603050405020304" pitchFamily="18" charset="0"/>
+                <a:cs typeface="Times New Roman" panose="02020603050405020304" pitchFamily="18" charset="0"/>
+              </a:rPr>
+              <a:t>ACTIVITY DIAGRAM DOWN PAYMENT</a:t>
+            </a:r>
+            <a:endParaRPr sz="2400" dirty="0">
+              <a:solidFill>
+                <a:schemeClr val="lt1"/>
+              </a:solidFill>
+              <a:latin typeface="Times New Roman" panose="02020603050405020304" pitchFamily="18" charset="0"/>
+              <a:cs typeface="Times New Roman" panose="02020603050405020304" pitchFamily="18" charset="0"/>
+            </a:endParaRPr>
+          </a:p>
+        </p:txBody>
+      </p:sp>
+      <p:sp>
+        <p:nvSpPr>
+          <p:cNvPr id="47" name="Google Shape;47;p2">
+            <a:extLst>
+              <a:ext uri="{FF2B5EF4-FFF2-40B4-BE49-F238E27FC236}">
+                <a16:creationId xmlns:a16="http://schemas.microsoft.com/office/drawing/2014/main" id="{05168145-598B-FEEB-BD80-AD91A94C2298}"/>
+              </a:ext>
+            </a:extLst>
+          </p:cNvPr>
+          <p:cNvSpPr txBox="1">
+            <a:spLocks noGrp="1"/>
+          </p:cNvSpPr>
+          <p:nvPr>
+            <p:ph type="body" idx="1"/>
+          </p:nvPr>
+        </p:nvSpPr>
+        <p:spPr>
+          <a:xfrm>
+            <a:off x="4765504" y="1145894"/>
+            <a:ext cx="4073696" cy="3819645"/>
+          </a:xfrm>
+          <a:prstGeom prst="rect">
+            <a:avLst/>
+          </a:prstGeom>
+          <a:noFill/>
+          <a:ln>
+            <a:noFill/>
+          </a:ln>
+        </p:spPr>
+        <p:txBody>
+          <a:bodyPr spcFirstLastPara="1" wrap="square" lIns="91425" tIns="45700" rIns="91425" bIns="45700" anchor="t" anchorCtr="0">
+            <a:noAutofit/>
+          </a:bodyPr>
+          <a:lstStyle/>
+          <a:p>
+            <a:pPr marL="342900" indent="-139700">
+              <a:spcBef>
+                <a:spcPts val="0"/>
+              </a:spcBef>
+              <a:buSzPts val="3200"/>
+              <a:buNone/>
+            </a:pPr>
+            <a:r>
+              <a:rPr lang="en-US" sz="2000" dirty="0">
+                <a:effectLst/>
+                <a:latin typeface="Calibri" panose="020F0502020204030204" pitchFamily="34" charset="0"/>
+                <a:ea typeface="Calibri" panose="020F0502020204030204" pitchFamily="34" charset="0"/>
+                <a:cs typeface="Calibri" panose="020F0502020204030204" pitchFamily="34" charset="0"/>
+              </a:rPr>
+              <a:t>	Diagram proses </a:t>
+            </a:r>
+            <a:r>
+              <a:rPr lang="en-US" sz="2000" dirty="0" err="1">
+                <a:effectLst/>
+                <a:latin typeface="Calibri" panose="020F0502020204030204" pitchFamily="34" charset="0"/>
+                <a:ea typeface="Calibri" panose="020F0502020204030204" pitchFamily="34" charset="0"/>
+                <a:cs typeface="Calibri" panose="020F0502020204030204" pitchFamily="34" charset="0"/>
+              </a:rPr>
+              <a:t>pembayaran</a:t>
+            </a:r>
+            <a:r>
+              <a:rPr lang="en-US" sz="2000" dirty="0">
+                <a:effectLst/>
+                <a:latin typeface="Calibri" panose="020F0502020204030204" pitchFamily="34" charset="0"/>
+                <a:ea typeface="Calibri" panose="020F0502020204030204" pitchFamily="34" charset="0"/>
+                <a:cs typeface="Calibri" panose="020F0502020204030204" pitchFamily="34" charset="0"/>
+              </a:rPr>
+              <a:t> down payment oleh </a:t>
+            </a:r>
+            <a:r>
+              <a:rPr lang="en-US" sz="2000" dirty="0" err="1">
+                <a:effectLst/>
+                <a:latin typeface="Calibri" panose="020F0502020204030204" pitchFamily="34" charset="0"/>
+                <a:ea typeface="Calibri" panose="020F0502020204030204" pitchFamily="34" charset="0"/>
+                <a:cs typeface="Calibri" panose="020F0502020204030204" pitchFamily="34" charset="0"/>
+              </a:rPr>
+              <a:t>pengguna</a:t>
+            </a:r>
+            <a:r>
+              <a:rPr lang="en-US" sz="2000" dirty="0">
+                <a:effectLst/>
+                <a:latin typeface="Calibri" panose="020F0502020204030204" pitchFamily="34" charset="0"/>
+                <a:ea typeface="Calibri" panose="020F0502020204030204" pitchFamily="34" charset="0"/>
+                <a:cs typeface="Calibri" panose="020F0502020204030204" pitchFamily="34" charset="0"/>
+              </a:rPr>
+              <a:t>, </a:t>
+            </a:r>
+            <a:r>
+              <a:rPr lang="en-US" sz="2000" dirty="0" err="1">
+                <a:effectLst/>
+                <a:latin typeface="Calibri" panose="020F0502020204030204" pitchFamily="34" charset="0"/>
+                <a:ea typeface="Calibri" panose="020F0502020204030204" pitchFamily="34" charset="0"/>
+                <a:cs typeface="Calibri" panose="020F0502020204030204" pitchFamily="34" charset="0"/>
+              </a:rPr>
+              <a:t>mulai</a:t>
+            </a:r>
+            <a:r>
+              <a:rPr lang="en-US" sz="2000" dirty="0">
+                <a:effectLst/>
+                <a:latin typeface="Calibri" panose="020F0502020204030204" pitchFamily="34" charset="0"/>
+                <a:ea typeface="Calibri" panose="020F0502020204030204" pitchFamily="34" charset="0"/>
+                <a:cs typeface="Calibri" panose="020F0502020204030204" pitchFamily="34" charset="0"/>
+              </a:rPr>
+              <a:t> </a:t>
+            </a:r>
+            <a:r>
+              <a:rPr lang="en-US" sz="2000" dirty="0" err="1">
+                <a:effectLst/>
+                <a:latin typeface="Calibri" panose="020F0502020204030204" pitchFamily="34" charset="0"/>
+                <a:ea typeface="Calibri" panose="020F0502020204030204" pitchFamily="34" charset="0"/>
+                <a:cs typeface="Calibri" panose="020F0502020204030204" pitchFamily="34" charset="0"/>
+              </a:rPr>
+              <a:t>dari</a:t>
+            </a:r>
+            <a:r>
+              <a:rPr lang="en-US" sz="2000" dirty="0">
+                <a:effectLst/>
+                <a:latin typeface="Calibri" panose="020F0502020204030204" pitchFamily="34" charset="0"/>
+                <a:ea typeface="Calibri" panose="020F0502020204030204" pitchFamily="34" charset="0"/>
+                <a:cs typeface="Calibri" panose="020F0502020204030204" pitchFamily="34" charset="0"/>
+              </a:rPr>
+              <a:t> </a:t>
+            </a:r>
+            <a:r>
+              <a:rPr lang="en-US" sz="2000" dirty="0" err="1">
+                <a:effectLst/>
+                <a:latin typeface="Calibri" panose="020F0502020204030204" pitchFamily="34" charset="0"/>
+                <a:ea typeface="Calibri" panose="020F0502020204030204" pitchFamily="34" charset="0"/>
+                <a:cs typeface="Calibri" panose="020F0502020204030204" pitchFamily="34" charset="0"/>
+              </a:rPr>
+              <a:t>pemilihan</a:t>
+            </a:r>
+            <a:r>
+              <a:rPr lang="en-US" sz="2000" dirty="0">
+                <a:effectLst/>
+                <a:latin typeface="Calibri" panose="020F0502020204030204" pitchFamily="34" charset="0"/>
+                <a:ea typeface="Calibri" panose="020F0502020204030204" pitchFamily="34" charset="0"/>
+                <a:cs typeface="Calibri" panose="020F0502020204030204" pitchFamily="34" charset="0"/>
+              </a:rPr>
+              <a:t> </a:t>
+            </a:r>
+            <a:r>
+              <a:rPr lang="en-US" sz="2000" dirty="0" err="1">
+                <a:effectLst/>
+                <a:latin typeface="Calibri" panose="020F0502020204030204" pitchFamily="34" charset="0"/>
+                <a:ea typeface="Calibri" panose="020F0502020204030204" pitchFamily="34" charset="0"/>
+                <a:cs typeface="Calibri" panose="020F0502020204030204" pitchFamily="34" charset="0"/>
+              </a:rPr>
+              <a:t>mobil</a:t>
+            </a:r>
+            <a:r>
+              <a:rPr lang="en-US" sz="2000" dirty="0">
+                <a:effectLst/>
+                <a:latin typeface="Calibri" panose="020F0502020204030204" pitchFamily="34" charset="0"/>
+                <a:ea typeface="Calibri" panose="020F0502020204030204" pitchFamily="34" charset="0"/>
+                <a:cs typeface="Calibri" panose="020F0502020204030204" pitchFamily="34" charset="0"/>
+              </a:rPr>
+              <a:t> </a:t>
+            </a:r>
+            <a:r>
+              <a:rPr lang="en-US" sz="2000" dirty="0" err="1">
+                <a:effectLst/>
+                <a:latin typeface="Calibri" panose="020F0502020204030204" pitchFamily="34" charset="0"/>
+                <a:ea typeface="Calibri" panose="020F0502020204030204" pitchFamily="34" charset="0"/>
+                <a:cs typeface="Calibri" panose="020F0502020204030204" pitchFamily="34" charset="0"/>
+              </a:rPr>
+              <a:t>hingga</a:t>
+            </a:r>
+            <a:r>
+              <a:rPr lang="en-US" sz="2000" dirty="0">
+                <a:effectLst/>
+                <a:latin typeface="Calibri" panose="020F0502020204030204" pitchFamily="34" charset="0"/>
+                <a:ea typeface="Calibri" panose="020F0502020204030204" pitchFamily="34" charset="0"/>
+                <a:cs typeface="Calibri" panose="020F0502020204030204" pitchFamily="34" charset="0"/>
+              </a:rPr>
+              <a:t> </a:t>
+            </a:r>
+            <a:r>
+              <a:rPr lang="en-US" sz="2000" dirty="0" err="1">
+                <a:effectLst/>
+                <a:latin typeface="Calibri" panose="020F0502020204030204" pitchFamily="34" charset="0"/>
+                <a:ea typeface="Calibri" panose="020F0502020204030204" pitchFamily="34" charset="0"/>
+                <a:cs typeface="Calibri" panose="020F0502020204030204" pitchFamily="34" charset="0"/>
+              </a:rPr>
+              <a:t>penyimpanan</a:t>
+            </a:r>
+            <a:r>
+              <a:rPr lang="en-US" sz="2000" dirty="0">
+                <a:effectLst/>
+                <a:latin typeface="Calibri" panose="020F0502020204030204" pitchFamily="34" charset="0"/>
+                <a:ea typeface="Calibri" panose="020F0502020204030204" pitchFamily="34" charset="0"/>
+                <a:cs typeface="Calibri" panose="020F0502020204030204" pitchFamily="34" charset="0"/>
+              </a:rPr>
+              <a:t> data </a:t>
+            </a:r>
+            <a:r>
+              <a:rPr lang="en-US" sz="2000" dirty="0" err="1">
+                <a:effectLst/>
+                <a:latin typeface="Calibri" panose="020F0502020204030204" pitchFamily="34" charset="0"/>
+                <a:ea typeface="Calibri" panose="020F0502020204030204" pitchFamily="34" charset="0"/>
+                <a:cs typeface="Calibri" panose="020F0502020204030204" pitchFamily="34" charset="0"/>
+              </a:rPr>
+              <a:t>pembayaran</a:t>
+            </a:r>
+            <a:r>
+              <a:rPr lang="en-US" sz="2000" dirty="0">
+                <a:effectLst/>
+                <a:latin typeface="Calibri" panose="020F0502020204030204" pitchFamily="34" charset="0"/>
+                <a:ea typeface="Calibri" panose="020F0502020204030204" pitchFamily="34" charset="0"/>
+                <a:cs typeface="Calibri" panose="020F0502020204030204" pitchFamily="34" charset="0"/>
+              </a:rPr>
+              <a:t> </a:t>
+            </a:r>
+            <a:r>
+              <a:rPr lang="en-US" sz="2000" dirty="0" err="1">
+                <a:effectLst/>
+                <a:latin typeface="Calibri" panose="020F0502020204030204" pitchFamily="34" charset="0"/>
+                <a:ea typeface="Calibri" panose="020F0502020204030204" pitchFamily="34" charset="0"/>
+                <a:cs typeface="Calibri" panose="020F0502020204030204" pitchFamily="34" charset="0"/>
+              </a:rPr>
+              <a:t>dalam</a:t>
+            </a:r>
+            <a:r>
+              <a:rPr lang="en-US" sz="2000" dirty="0">
+                <a:effectLst/>
+                <a:latin typeface="Calibri" panose="020F0502020204030204" pitchFamily="34" charset="0"/>
+                <a:ea typeface="Calibri" panose="020F0502020204030204" pitchFamily="34" charset="0"/>
+                <a:cs typeface="Calibri" panose="020F0502020204030204" pitchFamily="34" charset="0"/>
+              </a:rPr>
+              <a:t> </a:t>
+            </a:r>
+            <a:r>
+              <a:rPr lang="en-US" sz="2000" dirty="0" err="1">
+                <a:effectLst/>
+                <a:latin typeface="Calibri" panose="020F0502020204030204" pitchFamily="34" charset="0"/>
+                <a:ea typeface="Calibri" panose="020F0502020204030204" pitchFamily="34" charset="0"/>
+                <a:cs typeface="Calibri" panose="020F0502020204030204" pitchFamily="34" charset="0"/>
+              </a:rPr>
+              <a:t>sistem</a:t>
+            </a:r>
+            <a:r>
+              <a:rPr lang="en-US" sz="2000" dirty="0">
+                <a:effectLst/>
+                <a:latin typeface="Calibri" panose="020F0502020204030204" pitchFamily="34" charset="0"/>
+                <a:ea typeface="Calibri" panose="020F0502020204030204" pitchFamily="34" charset="0"/>
+                <a:cs typeface="Calibri" panose="020F0502020204030204" pitchFamily="34" charset="0"/>
+              </a:rPr>
+              <a:t>.</a:t>
+            </a:r>
+            <a:r>
+              <a:rPr lang="id-ID" sz="2000" dirty="0">
+                <a:effectLst/>
+                <a:latin typeface="Calibri" panose="020F0502020204030204" pitchFamily="34" charset="0"/>
+                <a:cs typeface="Calibri" panose="020F0502020204030204" pitchFamily="34" charset="0"/>
+              </a:rPr>
+              <a:t> </a:t>
+            </a:r>
+            <a:endParaRPr lang="en-US" sz="2000" dirty="0">
+              <a:solidFill>
+                <a:schemeClr val="dk1"/>
+              </a:solidFill>
+              <a:latin typeface="Calibri" panose="020F0502020204030204" pitchFamily="34" charset="0"/>
+              <a:cs typeface="Calibri" panose="020F0502020204030204" pitchFamily="34" charset="0"/>
+              <a:sym typeface="Calibri"/>
+            </a:endParaRPr>
+          </a:p>
+        </p:txBody>
+      </p:sp>
+      <p:pic>
+        <p:nvPicPr>
+          <p:cNvPr id="3" name="Gambar 2" descr="Sebuah gambar berisi teks, cuplikan layar, diagram, deasin&#10;&#10;Konten yang dihasilkan AI mungkin salah.">
+            <a:extLst>
+              <a:ext uri="{FF2B5EF4-FFF2-40B4-BE49-F238E27FC236}">
+                <a16:creationId xmlns:a16="http://schemas.microsoft.com/office/drawing/2014/main" id="{43B8CCB3-E756-18B5-96CE-E289261FE673}"/>
+              </a:ext>
+            </a:extLst>
+          </p:cNvPr>
+          <p:cNvPicPr>
+            <a:picLocks/>
+          </p:cNvPicPr>
+          <p:nvPr/>
+        </p:nvPicPr>
+        <p:blipFill>
+          <a:blip r:embed="rId3" cstate="print">
+            <a:extLst>
+              <a:ext uri="{28A0092B-C50C-407E-A947-70E740481C1C}">
+                <a14:useLocalDpi xmlns:a14="http://schemas.microsoft.com/office/drawing/2010/main" val="0"/>
+              </a:ext>
+            </a:extLst>
+          </a:blip>
+          <a:srcRect/>
+          <a:stretch>
+            <a:fillRect/>
+          </a:stretch>
+        </p:blipFill>
+        <p:spPr bwMode="auto">
+          <a:xfrm>
+            <a:off x="700405" y="819201"/>
+            <a:ext cx="3376295" cy="5085689"/>
+          </a:xfrm>
+          <a:prstGeom prst="rect">
+            <a:avLst/>
+          </a:prstGeom>
+          <a:noFill/>
+          <a:ln>
+            <a:noFill/>
+          </a:ln>
+        </p:spPr>
+      </p:pic>
+    </p:spTree>
+    <p:extLst>
+      <p:ext uri="{BB962C8B-B14F-4D97-AF65-F5344CB8AC3E}">
+        <p14:creationId xmlns:p14="http://schemas.microsoft.com/office/powerpoint/2010/main" val="2375266728"/>
+      </p:ext>
+    </p:extLst>
+  </p:cSld>
+  <p:clrMapOvr>
+    <a:masterClrMapping/>
+  </p:clrMapOvr>
+</p:sld>
+</file>
+
+<file path=ppt/slides/slide12.xml><?xml version="1.0" encoding="utf-8"?>
+<p:sld xmlns:a="http://schemas.openxmlformats.org/drawingml/2006/main" xmlns:r="http://schemas.openxmlformats.org/officeDocument/2006/relationships" xmlns:p="http://schemas.openxmlformats.org/presentationml/2006/main">
+  <p:cSld>
+    <p:bg>
+      <p:bgPr>
+        <a:solidFill>
+          <a:schemeClr val="lt1"/>
+        </a:solidFill>
+        <a:effectLst/>
+      </p:bgPr>
+    </p:bg>
+    <p:spTree>
+      <p:nvGrpSpPr>
+        <p:cNvPr id="1" name="Shape 45">
+          <a:extLst>
+            <a:ext uri="{FF2B5EF4-FFF2-40B4-BE49-F238E27FC236}">
+              <a16:creationId xmlns:a16="http://schemas.microsoft.com/office/drawing/2014/main" id="{9AAE97C6-799D-4FC9-48AF-5BC3BD0313CA}"/>
+            </a:ext>
+          </a:extLst>
+        </p:cNvPr>
+        <p:cNvGrpSpPr/>
+        <p:nvPr/>
+      </p:nvGrpSpPr>
+      <p:grpSpPr>
+        <a:xfrm>
+          <a:off x="0" y="0"/>
+          <a:ext cx="0" cy="0"/>
+          <a:chOff x="0" y="0"/>
+          <a:chExt cx="0" cy="0"/>
+        </a:xfrm>
+      </p:grpSpPr>
+      <p:sp>
+        <p:nvSpPr>
+          <p:cNvPr id="46" name="Google Shape;46;p2">
+            <a:extLst>
+              <a:ext uri="{FF2B5EF4-FFF2-40B4-BE49-F238E27FC236}">
+                <a16:creationId xmlns:a16="http://schemas.microsoft.com/office/drawing/2014/main" id="{14250B62-98B4-EA6B-4AC7-7C452060DC5B}"/>
+              </a:ext>
+            </a:extLst>
+          </p:cNvPr>
+          <p:cNvSpPr txBox="1">
+            <a:spLocks noGrp="1"/>
+          </p:cNvSpPr>
+          <p:nvPr>
+            <p:ph type="title"/>
+          </p:nvPr>
+        </p:nvSpPr>
+        <p:spPr>
+          <a:xfrm>
+            <a:off x="0" y="-146050"/>
+            <a:ext cx="7166610" cy="984250"/>
+          </a:xfrm>
+          <a:prstGeom prst="rect">
+            <a:avLst/>
+          </a:prstGeom>
+          <a:noFill/>
+          <a:ln w="9525" cap="flat" cmpd="sng">
+            <a:noFill/>
+            <a:prstDash val="solid"/>
+            <a:miter lim="800000"/>
+            <a:headEnd type="none" w="sm" len="sm"/>
+            <a:tailEnd type="none" w="sm" len="sm"/>
+          </a:ln>
+        </p:spPr>
+        <p:txBody>
+          <a:bodyPr spcFirstLastPara="1" wrap="square" lIns="91425" tIns="45700" rIns="91425" bIns="45700" anchor="ctr" anchorCtr="0">
+            <a:noAutofit/>
+          </a:bodyPr>
+          <a:lstStyle/>
+          <a:p>
+            <a:pPr marL="0" lvl="0" indent="0" algn="l" rtl="0">
+              <a:spcBef>
+                <a:spcPts val="0"/>
+              </a:spcBef>
+              <a:spcAft>
+                <a:spcPts val="0"/>
+              </a:spcAft>
+              <a:buClr>
+                <a:schemeClr val="lt1"/>
+              </a:buClr>
+              <a:buSzPts val="4000"/>
+              <a:buFont typeface="Calibri"/>
+              <a:buNone/>
+            </a:pPr>
+            <a:r>
+              <a:rPr lang="en-US" sz="2400" dirty="0">
+                <a:solidFill>
+                  <a:schemeClr val="lt1"/>
+                </a:solidFill>
+                <a:latin typeface="Times New Roman" panose="02020603050405020304" pitchFamily="18" charset="0"/>
+                <a:cs typeface="Times New Roman" panose="02020603050405020304" pitchFamily="18" charset="0"/>
+              </a:rPr>
+              <a:t>ACTIVITY DIAGRAM </a:t>
+            </a:r>
+            <a:r>
+              <a:rPr lang="en-US" sz="2400" dirty="0">
+                <a:latin typeface="Times New Roman" panose="02020603050405020304" pitchFamily="18" charset="0"/>
+                <a:cs typeface="Times New Roman" panose="02020603050405020304" pitchFamily="18" charset="0"/>
+              </a:rPr>
+              <a:t>PEMBELIAN MOBIL</a:t>
+            </a:r>
+            <a:endParaRPr sz="2400" dirty="0">
+              <a:solidFill>
+                <a:schemeClr val="lt1"/>
+              </a:solidFill>
+              <a:latin typeface="Times New Roman" panose="02020603050405020304" pitchFamily="18" charset="0"/>
+              <a:cs typeface="Times New Roman" panose="02020603050405020304" pitchFamily="18" charset="0"/>
+            </a:endParaRPr>
+          </a:p>
+        </p:txBody>
+      </p:sp>
+      <p:sp>
+        <p:nvSpPr>
+          <p:cNvPr id="47" name="Google Shape;47;p2">
+            <a:extLst>
+              <a:ext uri="{FF2B5EF4-FFF2-40B4-BE49-F238E27FC236}">
+                <a16:creationId xmlns:a16="http://schemas.microsoft.com/office/drawing/2014/main" id="{0E70579A-77C1-7509-BF0D-5C14AF174654}"/>
+              </a:ext>
+            </a:extLst>
+          </p:cNvPr>
+          <p:cNvSpPr txBox="1">
+            <a:spLocks noGrp="1"/>
+          </p:cNvSpPr>
+          <p:nvPr>
+            <p:ph type="body" idx="1"/>
+          </p:nvPr>
+        </p:nvSpPr>
+        <p:spPr>
+          <a:xfrm>
+            <a:off x="4765504" y="1145894"/>
+            <a:ext cx="4073696" cy="3819645"/>
+          </a:xfrm>
+          <a:prstGeom prst="rect">
+            <a:avLst/>
+          </a:prstGeom>
+          <a:noFill/>
+          <a:ln>
+            <a:noFill/>
+          </a:ln>
+        </p:spPr>
+        <p:txBody>
+          <a:bodyPr spcFirstLastPara="1" wrap="square" lIns="91425" tIns="45700" rIns="91425" bIns="45700" anchor="t" anchorCtr="0">
+            <a:noAutofit/>
+          </a:bodyPr>
+          <a:lstStyle/>
+          <a:p>
+            <a:pPr marL="342900" indent="-139700">
+              <a:spcBef>
+                <a:spcPts val="0"/>
+              </a:spcBef>
+              <a:buSzPts val="3200"/>
+              <a:buNone/>
+            </a:pPr>
+            <a:r>
+              <a:rPr lang="en-US" sz="2000" dirty="0">
+                <a:effectLst/>
+                <a:latin typeface="Calibri" panose="020F0502020204030204" pitchFamily="34" charset="0"/>
+                <a:ea typeface="Calibri" panose="020F0502020204030204" pitchFamily="34" charset="0"/>
+                <a:cs typeface="Calibri" panose="020F0502020204030204" pitchFamily="34" charset="0"/>
+              </a:rPr>
+              <a:t>	Diagram </a:t>
+            </a:r>
+            <a:r>
+              <a:rPr lang="en-US" sz="2000" dirty="0" err="1">
+                <a:effectLst/>
+                <a:latin typeface="Calibri" panose="020F0502020204030204" pitchFamily="34" charset="0"/>
+                <a:ea typeface="Calibri" panose="020F0502020204030204" pitchFamily="34" charset="0"/>
+                <a:cs typeface="Calibri" panose="020F0502020204030204" pitchFamily="34" charset="0"/>
+              </a:rPr>
+              <a:t>alur</a:t>
+            </a:r>
+            <a:r>
+              <a:rPr lang="en-US" sz="2000" dirty="0">
+                <a:effectLst/>
+                <a:latin typeface="Calibri" panose="020F0502020204030204" pitchFamily="34" charset="0"/>
+                <a:ea typeface="Calibri" panose="020F0502020204030204" pitchFamily="34" charset="0"/>
+                <a:cs typeface="Calibri" panose="020F0502020204030204" pitchFamily="34" charset="0"/>
+              </a:rPr>
+              <a:t> proses </a:t>
+            </a:r>
+            <a:r>
+              <a:rPr lang="en-US" sz="2000" dirty="0" err="1">
+                <a:effectLst/>
+                <a:latin typeface="Calibri" panose="020F0502020204030204" pitchFamily="34" charset="0"/>
+                <a:ea typeface="Calibri" panose="020F0502020204030204" pitchFamily="34" charset="0"/>
+                <a:cs typeface="Calibri" panose="020F0502020204030204" pitchFamily="34" charset="0"/>
+              </a:rPr>
+              <a:t>pembelian</a:t>
+            </a:r>
+            <a:r>
+              <a:rPr lang="en-US" sz="2000" dirty="0">
+                <a:effectLst/>
+                <a:latin typeface="Calibri" panose="020F0502020204030204" pitchFamily="34" charset="0"/>
+                <a:ea typeface="Calibri" panose="020F0502020204030204" pitchFamily="34" charset="0"/>
+                <a:cs typeface="Calibri" panose="020F0502020204030204" pitchFamily="34" charset="0"/>
+              </a:rPr>
+              <a:t> </a:t>
+            </a:r>
+            <a:r>
+              <a:rPr lang="en-US" sz="2000" dirty="0" err="1">
+                <a:effectLst/>
+                <a:latin typeface="Calibri" panose="020F0502020204030204" pitchFamily="34" charset="0"/>
+                <a:ea typeface="Calibri" panose="020F0502020204030204" pitchFamily="34" charset="0"/>
+                <a:cs typeface="Calibri" panose="020F0502020204030204" pitchFamily="34" charset="0"/>
+              </a:rPr>
+              <a:t>mobil</a:t>
+            </a:r>
+            <a:r>
+              <a:rPr lang="en-US" sz="2000" dirty="0">
+                <a:effectLst/>
+                <a:latin typeface="Calibri" panose="020F0502020204030204" pitchFamily="34" charset="0"/>
+                <a:ea typeface="Calibri" panose="020F0502020204030204" pitchFamily="34" charset="0"/>
+                <a:cs typeface="Calibri" panose="020F0502020204030204" pitchFamily="34" charset="0"/>
+              </a:rPr>
+              <a:t> oleh </a:t>
+            </a:r>
+            <a:r>
+              <a:rPr lang="en-US" sz="2000" dirty="0" err="1">
+                <a:effectLst/>
+                <a:latin typeface="Calibri" panose="020F0502020204030204" pitchFamily="34" charset="0"/>
+                <a:ea typeface="Calibri" panose="020F0502020204030204" pitchFamily="34" charset="0"/>
+                <a:cs typeface="Calibri" panose="020F0502020204030204" pitchFamily="34" charset="0"/>
+              </a:rPr>
+              <a:t>pembeli</a:t>
+            </a:r>
+            <a:r>
+              <a:rPr lang="en-US" sz="2000" dirty="0">
+                <a:effectLst/>
+                <a:latin typeface="Calibri" panose="020F0502020204030204" pitchFamily="34" charset="0"/>
+                <a:ea typeface="Calibri" panose="020F0502020204030204" pitchFamily="34" charset="0"/>
+                <a:cs typeface="Calibri" panose="020F0502020204030204" pitchFamily="34" charset="0"/>
+              </a:rPr>
+              <a:t>, </a:t>
+            </a:r>
+            <a:r>
+              <a:rPr lang="en-US" sz="2000" dirty="0" err="1">
+                <a:effectLst/>
+                <a:latin typeface="Calibri" panose="020F0502020204030204" pitchFamily="34" charset="0"/>
+                <a:ea typeface="Calibri" panose="020F0502020204030204" pitchFamily="34" charset="0"/>
+                <a:cs typeface="Calibri" panose="020F0502020204030204" pitchFamily="34" charset="0"/>
+              </a:rPr>
+              <a:t>termasuk</a:t>
+            </a:r>
+            <a:r>
+              <a:rPr lang="en-US" sz="2000" dirty="0">
+                <a:effectLst/>
+                <a:latin typeface="Calibri" panose="020F0502020204030204" pitchFamily="34" charset="0"/>
+                <a:ea typeface="Calibri" panose="020F0502020204030204" pitchFamily="34" charset="0"/>
+                <a:cs typeface="Calibri" panose="020F0502020204030204" pitchFamily="34" charset="0"/>
+              </a:rPr>
+              <a:t> </a:t>
+            </a:r>
+            <a:r>
+              <a:rPr lang="en-US" sz="2000" dirty="0" err="1">
+                <a:effectLst/>
+                <a:latin typeface="Calibri" panose="020F0502020204030204" pitchFamily="34" charset="0"/>
+                <a:ea typeface="Calibri" panose="020F0502020204030204" pitchFamily="34" charset="0"/>
+                <a:cs typeface="Calibri" panose="020F0502020204030204" pitchFamily="34" charset="0"/>
+              </a:rPr>
+              <a:t>pengecekan</a:t>
+            </a:r>
+            <a:r>
+              <a:rPr lang="en-US" sz="2000" dirty="0">
+                <a:effectLst/>
+                <a:latin typeface="Calibri" panose="020F0502020204030204" pitchFamily="34" charset="0"/>
+                <a:ea typeface="Calibri" panose="020F0502020204030204" pitchFamily="34" charset="0"/>
+                <a:cs typeface="Calibri" panose="020F0502020204030204" pitchFamily="34" charset="0"/>
+              </a:rPr>
+              <a:t> </a:t>
+            </a:r>
+            <a:r>
+              <a:rPr lang="en-US" sz="2000" dirty="0" err="1">
+                <a:effectLst/>
+                <a:latin typeface="Calibri" panose="020F0502020204030204" pitchFamily="34" charset="0"/>
+                <a:ea typeface="Calibri" panose="020F0502020204030204" pitchFamily="34" charset="0"/>
+                <a:cs typeface="Calibri" panose="020F0502020204030204" pitchFamily="34" charset="0"/>
+              </a:rPr>
+              <a:t>kondisi</a:t>
+            </a:r>
+            <a:r>
+              <a:rPr lang="en-US" sz="2000" dirty="0">
+                <a:effectLst/>
+                <a:latin typeface="Calibri" panose="020F0502020204030204" pitchFamily="34" charset="0"/>
+                <a:ea typeface="Calibri" panose="020F0502020204030204" pitchFamily="34" charset="0"/>
+                <a:cs typeface="Calibri" panose="020F0502020204030204" pitchFamily="34" charset="0"/>
+              </a:rPr>
+              <a:t> </a:t>
+            </a:r>
+            <a:r>
+              <a:rPr lang="en-US" sz="2000" dirty="0" err="1">
+                <a:effectLst/>
+                <a:latin typeface="Calibri" panose="020F0502020204030204" pitchFamily="34" charset="0"/>
+                <a:ea typeface="Calibri" panose="020F0502020204030204" pitchFamily="34" charset="0"/>
+                <a:cs typeface="Calibri" panose="020F0502020204030204" pitchFamily="34" charset="0"/>
+              </a:rPr>
+              <a:t>mobil</a:t>
+            </a:r>
+            <a:r>
+              <a:rPr lang="en-US" sz="2000" dirty="0">
+                <a:effectLst/>
+                <a:latin typeface="Calibri" panose="020F0502020204030204" pitchFamily="34" charset="0"/>
+                <a:ea typeface="Calibri" panose="020F0502020204030204" pitchFamily="34" charset="0"/>
+                <a:cs typeface="Calibri" panose="020F0502020204030204" pitchFamily="34" charset="0"/>
+              </a:rPr>
+              <a:t> dan </a:t>
+            </a:r>
+            <a:r>
+              <a:rPr lang="en-US" sz="2000" dirty="0" err="1">
+                <a:effectLst/>
+                <a:latin typeface="Calibri" panose="020F0502020204030204" pitchFamily="34" charset="0"/>
+                <a:ea typeface="Calibri" panose="020F0502020204030204" pitchFamily="34" charset="0"/>
+                <a:cs typeface="Calibri" panose="020F0502020204030204" pitchFamily="34" charset="0"/>
+              </a:rPr>
+              <a:t>pengisian</a:t>
+            </a:r>
+            <a:r>
+              <a:rPr lang="en-US" sz="2000" dirty="0">
+                <a:effectLst/>
+                <a:latin typeface="Calibri" panose="020F0502020204030204" pitchFamily="34" charset="0"/>
+                <a:ea typeface="Calibri" panose="020F0502020204030204" pitchFamily="34" charset="0"/>
+                <a:cs typeface="Calibri" panose="020F0502020204030204" pitchFamily="34" charset="0"/>
+              </a:rPr>
+              <a:t> </a:t>
+            </a:r>
+            <a:r>
+              <a:rPr lang="en-US" sz="2000" dirty="0" err="1">
+                <a:effectLst/>
+                <a:latin typeface="Calibri" panose="020F0502020204030204" pitchFamily="34" charset="0"/>
+                <a:ea typeface="Calibri" panose="020F0502020204030204" pitchFamily="34" charset="0"/>
+                <a:cs typeface="Calibri" panose="020F0502020204030204" pitchFamily="34" charset="0"/>
+              </a:rPr>
+              <a:t>ulasan</a:t>
+            </a:r>
+            <a:r>
+              <a:rPr lang="en-US" sz="2000" dirty="0">
+                <a:effectLst/>
+                <a:latin typeface="Calibri" panose="020F0502020204030204" pitchFamily="34" charset="0"/>
+                <a:ea typeface="Calibri" panose="020F0502020204030204" pitchFamily="34" charset="0"/>
+                <a:cs typeface="Calibri" panose="020F0502020204030204" pitchFamily="34" charset="0"/>
+              </a:rPr>
+              <a:t> </a:t>
+            </a:r>
+            <a:r>
+              <a:rPr lang="en-US" sz="2000" dirty="0" err="1">
+                <a:effectLst/>
+                <a:latin typeface="Calibri" panose="020F0502020204030204" pitchFamily="34" charset="0"/>
+                <a:ea typeface="Calibri" panose="020F0502020204030204" pitchFamily="34" charset="0"/>
+                <a:cs typeface="Calibri" panose="020F0502020204030204" pitchFamily="34" charset="0"/>
+              </a:rPr>
+              <a:t>setelah</a:t>
+            </a:r>
+            <a:r>
+              <a:rPr lang="en-US" sz="2000" dirty="0">
+                <a:effectLst/>
+                <a:latin typeface="Calibri" panose="020F0502020204030204" pitchFamily="34" charset="0"/>
+                <a:ea typeface="Calibri" panose="020F0502020204030204" pitchFamily="34" charset="0"/>
+                <a:cs typeface="Calibri" panose="020F0502020204030204" pitchFamily="34" charset="0"/>
+              </a:rPr>
+              <a:t> </a:t>
+            </a:r>
+            <a:r>
+              <a:rPr lang="en-US" sz="2000" dirty="0" err="1">
+                <a:effectLst/>
+                <a:latin typeface="Calibri" panose="020F0502020204030204" pitchFamily="34" charset="0"/>
+                <a:ea typeface="Calibri" panose="020F0502020204030204" pitchFamily="34" charset="0"/>
+                <a:cs typeface="Calibri" panose="020F0502020204030204" pitchFamily="34" charset="0"/>
+              </a:rPr>
+              <a:t>transaksi</a:t>
+            </a:r>
+            <a:r>
+              <a:rPr lang="en-US" sz="2000" dirty="0">
+                <a:effectLst/>
+                <a:latin typeface="Calibri" panose="020F0502020204030204" pitchFamily="34" charset="0"/>
+                <a:ea typeface="Calibri" panose="020F0502020204030204" pitchFamily="34" charset="0"/>
+                <a:cs typeface="Calibri" panose="020F0502020204030204" pitchFamily="34" charset="0"/>
+              </a:rPr>
+              <a:t>.</a:t>
+            </a:r>
+            <a:endParaRPr lang="en-US" sz="2000" dirty="0">
+              <a:solidFill>
+                <a:schemeClr val="dk1"/>
+              </a:solidFill>
+              <a:latin typeface="Calibri" panose="020F0502020204030204" pitchFamily="34" charset="0"/>
+              <a:cs typeface="Calibri" panose="020F0502020204030204" pitchFamily="34" charset="0"/>
+              <a:sym typeface="Calibri"/>
+            </a:endParaRPr>
+          </a:p>
+        </p:txBody>
+      </p:sp>
+      <p:pic>
+        <p:nvPicPr>
+          <p:cNvPr id="2" name="Gambar 1" descr="Sebuah gambar berisi teks, cuplikan layar, diagram, garis&#10;&#10;Konten yang dihasilkan AI mungkin salah.">
+            <a:extLst>
+              <a:ext uri="{FF2B5EF4-FFF2-40B4-BE49-F238E27FC236}">
+                <a16:creationId xmlns:a16="http://schemas.microsoft.com/office/drawing/2014/main" id="{7694FEAF-9D6B-1EDE-FBF1-7E31F5F167E7}"/>
+              </a:ext>
+            </a:extLst>
+          </p:cNvPr>
+          <p:cNvPicPr>
+            <a:picLocks/>
+          </p:cNvPicPr>
+          <p:nvPr/>
+        </p:nvPicPr>
+        <p:blipFill>
+          <a:blip r:embed="rId3" cstate="print">
+            <a:extLst>
+              <a:ext uri="{28A0092B-C50C-407E-A947-70E740481C1C}">
+                <a14:useLocalDpi xmlns:a14="http://schemas.microsoft.com/office/drawing/2010/main" val="0"/>
+              </a:ext>
+            </a:extLst>
+          </a:blip>
+          <a:srcRect/>
+          <a:stretch>
+            <a:fillRect/>
+          </a:stretch>
+        </p:blipFill>
+        <p:spPr bwMode="auto">
+          <a:xfrm>
+            <a:off x="304800" y="838199"/>
+            <a:ext cx="4073696" cy="5092525"/>
+          </a:xfrm>
+          <a:prstGeom prst="rect">
+            <a:avLst/>
+          </a:prstGeom>
+          <a:noFill/>
+          <a:ln>
+            <a:noFill/>
+          </a:ln>
+        </p:spPr>
+      </p:pic>
+    </p:spTree>
+    <p:extLst>
+      <p:ext uri="{BB962C8B-B14F-4D97-AF65-F5344CB8AC3E}">
+        <p14:creationId xmlns:p14="http://schemas.microsoft.com/office/powerpoint/2010/main" val="1869529004"/>
+      </p:ext>
+    </p:extLst>
+  </p:cSld>
+  <p:clrMapOvr>
+    <a:masterClrMapping/>
+  </p:clrMapOvr>
+</p:sld>
+</file>
+
+<file path=ppt/slides/slide13.xml><?xml version="1.0" encoding="utf-8"?>
+<p:sld xmlns:a="http://schemas.openxmlformats.org/drawingml/2006/main" xmlns:r="http://schemas.openxmlformats.org/officeDocument/2006/relationships" xmlns:p="http://schemas.openxmlformats.org/presentationml/2006/main">
+  <p:cSld>
+    <p:bg>
+      <p:bgPr>
+        <a:solidFill>
+          <a:schemeClr val="lt1"/>
+        </a:solidFill>
+        <a:effectLst/>
+      </p:bgPr>
+    </p:bg>
+    <p:spTree>
+      <p:nvGrpSpPr>
+        <p:cNvPr id="1" name="Shape 45">
+          <a:extLst>
+            <a:ext uri="{FF2B5EF4-FFF2-40B4-BE49-F238E27FC236}">
+              <a16:creationId xmlns:a16="http://schemas.microsoft.com/office/drawing/2014/main" id="{ACFD3780-F932-97E1-84A8-CC59521CBFC5}"/>
+            </a:ext>
+          </a:extLst>
+        </p:cNvPr>
+        <p:cNvGrpSpPr/>
+        <p:nvPr/>
+      </p:nvGrpSpPr>
+      <p:grpSpPr>
+        <a:xfrm>
+          <a:off x="0" y="0"/>
+          <a:ext cx="0" cy="0"/>
+          <a:chOff x="0" y="0"/>
+          <a:chExt cx="0" cy="0"/>
+        </a:xfrm>
+      </p:grpSpPr>
+      <p:sp>
+        <p:nvSpPr>
+          <p:cNvPr id="46" name="Google Shape;46;p2">
+            <a:extLst>
+              <a:ext uri="{FF2B5EF4-FFF2-40B4-BE49-F238E27FC236}">
+                <a16:creationId xmlns:a16="http://schemas.microsoft.com/office/drawing/2014/main" id="{8CB07839-D46C-C6DD-3B8E-3D2CD941CC5A}"/>
+              </a:ext>
+            </a:extLst>
+          </p:cNvPr>
+          <p:cNvSpPr txBox="1">
+            <a:spLocks noGrp="1"/>
+          </p:cNvSpPr>
+          <p:nvPr>
+            <p:ph type="title"/>
+          </p:nvPr>
+        </p:nvSpPr>
+        <p:spPr>
+          <a:xfrm>
+            <a:off x="0" y="-146050"/>
+            <a:ext cx="7166610" cy="984250"/>
+          </a:xfrm>
+          <a:prstGeom prst="rect">
+            <a:avLst/>
+          </a:prstGeom>
+          <a:noFill/>
+          <a:ln w="9525" cap="flat" cmpd="sng">
+            <a:noFill/>
+            <a:prstDash val="solid"/>
+            <a:miter lim="800000"/>
+            <a:headEnd type="none" w="sm" len="sm"/>
+            <a:tailEnd type="none" w="sm" len="sm"/>
+          </a:ln>
+        </p:spPr>
+        <p:txBody>
+          <a:bodyPr spcFirstLastPara="1" wrap="square" lIns="91425" tIns="45700" rIns="91425" bIns="45700" anchor="ctr" anchorCtr="0">
+            <a:noAutofit/>
+          </a:bodyPr>
+          <a:lstStyle/>
+          <a:p>
+            <a:pPr marL="0" lvl="0" indent="0" algn="l" rtl="0">
+              <a:spcBef>
+                <a:spcPts val="0"/>
+              </a:spcBef>
+              <a:spcAft>
+                <a:spcPts val="0"/>
+              </a:spcAft>
+              <a:buClr>
+                <a:schemeClr val="lt1"/>
+              </a:buClr>
+              <a:buSzPts val="4000"/>
+              <a:buFont typeface="Calibri"/>
+              <a:buNone/>
+            </a:pPr>
+            <a:r>
+              <a:rPr lang="en-US" sz="2400" dirty="0">
+                <a:solidFill>
+                  <a:schemeClr val="lt1"/>
+                </a:solidFill>
+                <a:latin typeface="Times New Roman" panose="02020603050405020304" pitchFamily="18" charset="0"/>
+                <a:cs typeface="Times New Roman" panose="02020603050405020304" pitchFamily="18" charset="0"/>
+              </a:rPr>
+              <a:t>ACTIVITY DIAGRAM </a:t>
+            </a:r>
+            <a:r>
+              <a:rPr lang="en-US" sz="2400" dirty="0">
+                <a:latin typeface="Times New Roman" panose="02020603050405020304" pitchFamily="18" charset="0"/>
+                <a:cs typeface="Times New Roman" panose="02020603050405020304" pitchFamily="18" charset="0"/>
+              </a:rPr>
+              <a:t>PEMBELIAN MOBIL</a:t>
+            </a:r>
+            <a:endParaRPr sz="2400" dirty="0">
+              <a:solidFill>
+                <a:schemeClr val="lt1"/>
+              </a:solidFill>
+              <a:latin typeface="Times New Roman" panose="02020603050405020304" pitchFamily="18" charset="0"/>
+              <a:cs typeface="Times New Roman" panose="02020603050405020304" pitchFamily="18" charset="0"/>
+            </a:endParaRPr>
+          </a:p>
+        </p:txBody>
+      </p:sp>
+      <p:sp>
+        <p:nvSpPr>
+          <p:cNvPr id="47" name="Google Shape;47;p2">
+            <a:extLst>
+              <a:ext uri="{FF2B5EF4-FFF2-40B4-BE49-F238E27FC236}">
+                <a16:creationId xmlns:a16="http://schemas.microsoft.com/office/drawing/2014/main" id="{C558B4A1-0353-1BAD-AB47-7E851EDB806E}"/>
+              </a:ext>
+            </a:extLst>
+          </p:cNvPr>
+          <p:cNvSpPr txBox="1">
+            <a:spLocks noGrp="1"/>
+          </p:cNvSpPr>
+          <p:nvPr>
+            <p:ph type="body" idx="1"/>
+          </p:nvPr>
+        </p:nvSpPr>
+        <p:spPr>
+          <a:xfrm>
+            <a:off x="4765504" y="1145894"/>
+            <a:ext cx="4073696" cy="3819645"/>
+          </a:xfrm>
+          <a:prstGeom prst="rect">
+            <a:avLst/>
+          </a:prstGeom>
+          <a:noFill/>
+          <a:ln>
+            <a:noFill/>
+          </a:ln>
+        </p:spPr>
+        <p:txBody>
+          <a:bodyPr spcFirstLastPara="1" wrap="square" lIns="91425" tIns="45700" rIns="91425" bIns="45700" anchor="t" anchorCtr="0">
+            <a:noAutofit/>
+          </a:bodyPr>
+          <a:lstStyle/>
+          <a:p>
+            <a:pPr marL="342900" indent="-139700">
+              <a:spcBef>
+                <a:spcPts val="0"/>
+              </a:spcBef>
+              <a:buSzPts val="3200"/>
+              <a:buNone/>
+            </a:pPr>
+            <a:r>
+              <a:rPr lang="en-US" sz="2000" dirty="0">
+                <a:latin typeface="Calibri" panose="020F0502020204030204" pitchFamily="34" charset="0"/>
+                <a:ea typeface="Calibri" panose="020F0502020204030204" pitchFamily="34" charset="0"/>
+                <a:cs typeface="Calibri" panose="020F0502020204030204" pitchFamily="34" charset="0"/>
+              </a:rPr>
+              <a:t>	D</a:t>
+            </a:r>
+            <a:r>
+              <a:rPr lang="en-US" sz="2000" dirty="0">
+                <a:effectLst/>
+                <a:latin typeface="Calibri" panose="020F0502020204030204" pitchFamily="34" charset="0"/>
+                <a:ea typeface="Calibri" panose="020F0502020204030204" pitchFamily="34" charset="0"/>
+                <a:cs typeface="Calibri" panose="020F0502020204030204" pitchFamily="34" charset="0"/>
+              </a:rPr>
+              <a:t>iagram </a:t>
+            </a:r>
+            <a:r>
+              <a:rPr lang="en-US" sz="2000" dirty="0" err="1">
+                <a:effectLst/>
+                <a:latin typeface="Calibri" panose="020F0502020204030204" pitchFamily="34" charset="0"/>
+                <a:ea typeface="Calibri" panose="020F0502020204030204" pitchFamily="34" charset="0"/>
+                <a:cs typeface="Calibri" panose="020F0502020204030204" pitchFamily="34" charset="0"/>
+              </a:rPr>
+              <a:t>alur</a:t>
+            </a:r>
+            <a:r>
+              <a:rPr lang="en-US" sz="2000" dirty="0">
+                <a:effectLst/>
+                <a:latin typeface="Calibri" panose="020F0502020204030204" pitchFamily="34" charset="0"/>
+                <a:ea typeface="Calibri" panose="020F0502020204030204" pitchFamily="34" charset="0"/>
+                <a:cs typeface="Calibri" panose="020F0502020204030204" pitchFamily="34" charset="0"/>
+              </a:rPr>
+              <a:t> </a:t>
+            </a:r>
+            <a:r>
+              <a:rPr lang="en-US" sz="2000" dirty="0" err="1">
+                <a:effectLst/>
+                <a:latin typeface="Calibri" panose="020F0502020204030204" pitchFamily="34" charset="0"/>
+                <a:ea typeface="Calibri" panose="020F0502020204030204" pitchFamily="34" charset="0"/>
+                <a:cs typeface="Calibri" panose="020F0502020204030204" pitchFamily="34" charset="0"/>
+              </a:rPr>
+              <a:t>aktivitas</a:t>
+            </a:r>
+            <a:r>
+              <a:rPr lang="en-US" sz="2000" dirty="0">
+                <a:effectLst/>
+                <a:latin typeface="Calibri" panose="020F0502020204030204" pitchFamily="34" charset="0"/>
+                <a:ea typeface="Calibri" panose="020F0502020204030204" pitchFamily="34" charset="0"/>
+                <a:cs typeface="Calibri" panose="020F0502020204030204" pitchFamily="34" charset="0"/>
+              </a:rPr>
+              <a:t> yang </a:t>
+            </a:r>
+            <a:r>
+              <a:rPr lang="en-US" sz="2000" dirty="0" err="1">
+                <a:effectLst/>
+                <a:latin typeface="Calibri" panose="020F0502020204030204" pitchFamily="34" charset="0"/>
+                <a:ea typeface="Calibri" panose="020F0502020204030204" pitchFamily="34" charset="0"/>
+                <a:cs typeface="Calibri" panose="020F0502020204030204" pitchFamily="34" charset="0"/>
+              </a:rPr>
+              <a:t>dilakukan</a:t>
+            </a:r>
+            <a:r>
+              <a:rPr lang="en-US" sz="2000" dirty="0">
+                <a:effectLst/>
+                <a:latin typeface="Calibri" panose="020F0502020204030204" pitchFamily="34" charset="0"/>
+                <a:ea typeface="Calibri" panose="020F0502020204030204" pitchFamily="34" charset="0"/>
+                <a:cs typeface="Calibri" panose="020F0502020204030204" pitchFamily="34" charset="0"/>
+              </a:rPr>
+              <a:t> oleh </a:t>
+            </a:r>
+            <a:r>
+              <a:rPr lang="en-US" sz="2000" dirty="0" err="1">
+                <a:effectLst/>
+                <a:latin typeface="Calibri" panose="020F0502020204030204" pitchFamily="34" charset="0"/>
+                <a:ea typeface="Calibri" panose="020F0502020204030204" pitchFamily="34" charset="0"/>
+                <a:cs typeface="Calibri" panose="020F0502020204030204" pitchFamily="34" charset="0"/>
+              </a:rPr>
+              <a:t>penjual</a:t>
+            </a:r>
+            <a:r>
+              <a:rPr lang="en-US" sz="2000" dirty="0">
+                <a:effectLst/>
+                <a:latin typeface="Calibri" panose="020F0502020204030204" pitchFamily="34" charset="0"/>
+                <a:ea typeface="Calibri" panose="020F0502020204030204" pitchFamily="34" charset="0"/>
+                <a:cs typeface="Calibri" panose="020F0502020204030204" pitchFamily="34" charset="0"/>
+              </a:rPr>
+              <a:t> </a:t>
+            </a:r>
+            <a:r>
+              <a:rPr lang="en-US" sz="2000" dirty="0" err="1">
+                <a:effectLst/>
+                <a:latin typeface="Calibri" panose="020F0502020204030204" pitchFamily="34" charset="0"/>
+                <a:ea typeface="Calibri" panose="020F0502020204030204" pitchFamily="34" charset="0"/>
+                <a:cs typeface="Calibri" panose="020F0502020204030204" pitchFamily="34" charset="0"/>
+              </a:rPr>
+              <a:t>dalam</a:t>
+            </a:r>
+            <a:r>
+              <a:rPr lang="en-US" sz="2000" dirty="0">
+                <a:effectLst/>
+                <a:latin typeface="Calibri" panose="020F0502020204030204" pitchFamily="34" charset="0"/>
+                <a:ea typeface="Calibri" panose="020F0502020204030204" pitchFamily="34" charset="0"/>
+                <a:cs typeface="Calibri" panose="020F0502020204030204" pitchFamily="34" charset="0"/>
+              </a:rPr>
+              <a:t> proses </a:t>
+            </a:r>
+            <a:r>
+              <a:rPr lang="en-US" sz="2000" dirty="0" err="1">
+                <a:effectLst/>
+                <a:latin typeface="Calibri" panose="020F0502020204030204" pitchFamily="34" charset="0"/>
+                <a:ea typeface="Calibri" panose="020F0502020204030204" pitchFamily="34" charset="0"/>
+                <a:cs typeface="Calibri" panose="020F0502020204030204" pitchFamily="34" charset="0"/>
+              </a:rPr>
+              <a:t>penjualan</a:t>
+            </a:r>
+            <a:r>
+              <a:rPr lang="en-US" sz="2000" dirty="0">
+                <a:effectLst/>
+                <a:latin typeface="Calibri" panose="020F0502020204030204" pitchFamily="34" charset="0"/>
+                <a:ea typeface="Calibri" panose="020F0502020204030204" pitchFamily="34" charset="0"/>
+                <a:cs typeface="Calibri" panose="020F0502020204030204" pitchFamily="34" charset="0"/>
+              </a:rPr>
+              <a:t> </a:t>
+            </a:r>
+            <a:r>
+              <a:rPr lang="en-US" sz="2000" dirty="0" err="1">
+                <a:effectLst/>
+                <a:latin typeface="Calibri" panose="020F0502020204030204" pitchFamily="34" charset="0"/>
+                <a:ea typeface="Calibri" panose="020F0502020204030204" pitchFamily="34" charset="0"/>
+                <a:cs typeface="Calibri" panose="020F0502020204030204" pitchFamily="34" charset="0"/>
+              </a:rPr>
+              <a:t>mobil</a:t>
+            </a:r>
+            <a:r>
+              <a:rPr lang="en-US" sz="2000" dirty="0">
+                <a:effectLst/>
+                <a:latin typeface="Calibri" panose="020F0502020204030204" pitchFamily="34" charset="0"/>
+                <a:ea typeface="Calibri" panose="020F0502020204030204" pitchFamily="34" charset="0"/>
+                <a:cs typeface="Calibri" panose="020F0502020204030204" pitchFamily="34" charset="0"/>
+              </a:rPr>
+              <a:t> </a:t>
+            </a:r>
+            <a:r>
+              <a:rPr lang="en-US" sz="2000" dirty="0" err="1">
+                <a:effectLst/>
+                <a:latin typeface="Calibri" panose="020F0502020204030204" pitchFamily="34" charset="0"/>
+                <a:ea typeface="Calibri" panose="020F0502020204030204" pitchFamily="34" charset="0"/>
+                <a:cs typeface="Calibri" panose="020F0502020204030204" pitchFamily="34" charset="0"/>
+              </a:rPr>
+              <a:t>melalui</a:t>
+            </a:r>
+            <a:r>
+              <a:rPr lang="en-US" sz="2000" dirty="0">
+                <a:effectLst/>
+                <a:latin typeface="Calibri" panose="020F0502020204030204" pitchFamily="34" charset="0"/>
+                <a:ea typeface="Calibri" panose="020F0502020204030204" pitchFamily="34" charset="0"/>
+                <a:cs typeface="Calibri" panose="020F0502020204030204" pitchFamily="34" charset="0"/>
+              </a:rPr>
+              <a:t> </a:t>
+            </a:r>
+            <a:r>
+              <a:rPr lang="en-US" sz="2000" dirty="0" err="1">
+                <a:effectLst/>
+                <a:latin typeface="Calibri" panose="020F0502020204030204" pitchFamily="34" charset="0"/>
+                <a:ea typeface="Calibri" panose="020F0502020204030204" pitchFamily="34" charset="0"/>
+                <a:cs typeface="Calibri" panose="020F0502020204030204" pitchFamily="34" charset="0"/>
+              </a:rPr>
+              <a:t>sistem</a:t>
+            </a:r>
+            <a:r>
+              <a:rPr lang="en-US" sz="2000" dirty="0">
+                <a:effectLst/>
+                <a:latin typeface="Calibri" panose="020F0502020204030204" pitchFamily="34" charset="0"/>
+                <a:ea typeface="Calibri" panose="020F0502020204030204" pitchFamily="34" charset="0"/>
+                <a:cs typeface="Calibri" panose="020F0502020204030204" pitchFamily="34" charset="0"/>
+              </a:rPr>
+              <a:t>, </a:t>
+            </a:r>
+            <a:r>
+              <a:rPr lang="en-US" sz="2000" dirty="0" err="1">
+                <a:effectLst/>
+                <a:latin typeface="Calibri" panose="020F0502020204030204" pitchFamily="34" charset="0"/>
+                <a:ea typeface="Calibri" panose="020F0502020204030204" pitchFamily="34" charset="0"/>
+                <a:cs typeface="Calibri" panose="020F0502020204030204" pitchFamily="34" charset="0"/>
+              </a:rPr>
+              <a:t>termasuk</a:t>
+            </a:r>
+            <a:r>
+              <a:rPr lang="en-US" sz="2000" dirty="0">
+                <a:effectLst/>
+                <a:latin typeface="Calibri" panose="020F0502020204030204" pitchFamily="34" charset="0"/>
+                <a:ea typeface="Calibri" panose="020F0502020204030204" pitchFamily="34" charset="0"/>
+                <a:cs typeface="Calibri" panose="020F0502020204030204" pitchFamily="34" charset="0"/>
+              </a:rPr>
+              <a:t> </a:t>
+            </a:r>
+            <a:r>
+              <a:rPr lang="en-US" sz="2000" dirty="0" err="1">
+                <a:effectLst/>
+                <a:latin typeface="Calibri" panose="020F0502020204030204" pitchFamily="34" charset="0"/>
+                <a:ea typeface="Calibri" panose="020F0502020204030204" pitchFamily="34" charset="0"/>
+                <a:cs typeface="Calibri" panose="020F0502020204030204" pitchFamily="34" charset="0"/>
+              </a:rPr>
+              <a:t>tahapan</a:t>
+            </a:r>
+            <a:r>
+              <a:rPr lang="en-US" sz="2000" dirty="0">
+                <a:effectLst/>
+                <a:latin typeface="Calibri" panose="020F0502020204030204" pitchFamily="34" charset="0"/>
+                <a:ea typeface="Calibri" panose="020F0502020204030204" pitchFamily="34" charset="0"/>
+                <a:cs typeface="Calibri" panose="020F0502020204030204" pitchFamily="34" charset="0"/>
+              </a:rPr>
+              <a:t> </a:t>
+            </a:r>
+            <a:r>
+              <a:rPr lang="en-US" sz="2000" dirty="0" err="1">
+                <a:effectLst/>
+                <a:latin typeface="Calibri" panose="020F0502020204030204" pitchFamily="34" charset="0"/>
+                <a:ea typeface="Calibri" panose="020F0502020204030204" pitchFamily="34" charset="0"/>
+                <a:cs typeface="Calibri" panose="020F0502020204030204" pitchFamily="34" charset="0"/>
+              </a:rPr>
+              <a:t>validasi</a:t>
+            </a:r>
+            <a:r>
+              <a:rPr lang="en-US" sz="2000" dirty="0">
+                <a:effectLst/>
+                <a:latin typeface="Calibri" panose="020F0502020204030204" pitchFamily="34" charset="0"/>
+                <a:ea typeface="Calibri" panose="020F0502020204030204" pitchFamily="34" charset="0"/>
+                <a:cs typeface="Calibri" panose="020F0502020204030204" pitchFamily="34" charset="0"/>
+              </a:rPr>
+              <a:t> dan </a:t>
+            </a:r>
+            <a:r>
+              <a:rPr lang="en-US" sz="2000" dirty="0" err="1">
+                <a:effectLst/>
+                <a:latin typeface="Calibri" panose="020F0502020204030204" pitchFamily="34" charset="0"/>
+                <a:ea typeface="Calibri" panose="020F0502020204030204" pitchFamily="34" charset="0"/>
+                <a:cs typeface="Calibri" panose="020F0502020204030204" pitchFamily="34" charset="0"/>
+              </a:rPr>
+              <a:t>inspeksi</a:t>
+            </a:r>
+            <a:r>
+              <a:rPr lang="en-US" sz="2000" dirty="0">
+                <a:effectLst/>
+                <a:latin typeface="Calibri" panose="020F0502020204030204" pitchFamily="34" charset="0"/>
+                <a:ea typeface="Calibri" panose="020F0502020204030204" pitchFamily="34" charset="0"/>
+                <a:cs typeface="Calibri" panose="020F0502020204030204" pitchFamily="34" charset="0"/>
+              </a:rPr>
+              <a:t> oleh admin.</a:t>
+            </a:r>
+            <a:endParaRPr lang="en-US" sz="2000" dirty="0">
+              <a:solidFill>
+                <a:schemeClr val="dk1"/>
+              </a:solidFill>
+              <a:latin typeface="Calibri" panose="020F0502020204030204" pitchFamily="34" charset="0"/>
+              <a:cs typeface="Calibri" panose="020F0502020204030204" pitchFamily="34" charset="0"/>
+              <a:sym typeface="Calibri"/>
+            </a:endParaRPr>
+          </a:p>
+        </p:txBody>
+      </p:sp>
+      <p:pic>
+        <p:nvPicPr>
+          <p:cNvPr id="3" name="Gambar 2" descr="Sebuah gambar berisi teks, cuplikan layar, diagram, garis&#10;&#10;Konten yang dihasilkan AI mungkin salah.">
+            <a:extLst>
+              <a:ext uri="{FF2B5EF4-FFF2-40B4-BE49-F238E27FC236}">
+                <a16:creationId xmlns:a16="http://schemas.microsoft.com/office/drawing/2014/main" id="{8989D96A-FF14-80D1-7E35-5FD93096C0B0}"/>
+              </a:ext>
+            </a:extLst>
+          </p:cNvPr>
+          <p:cNvPicPr>
+            <a:picLocks/>
+          </p:cNvPicPr>
+          <p:nvPr/>
+        </p:nvPicPr>
+        <p:blipFill>
+          <a:blip r:embed="rId3" cstate="print">
+            <a:extLst>
+              <a:ext uri="{28A0092B-C50C-407E-A947-70E740481C1C}">
+                <a14:useLocalDpi xmlns:a14="http://schemas.microsoft.com/office/drawing/2010/main" val="0"/>
+              </a:ext>
+            </a:extLst>
+          </a:blip>
+          <a:srcRect/>
+          <a:stretch>
+            <a:fillRect/>
+          </a:stretch>
+        </p:blipFill>
+        <p:spPr bwMode="auto">
+          <a:xfrm>
+            <a:off x="523239" y="734060"/>
+            <a:ext cx="3007361" cy="5318402"/>
+          </a:xfrm>
+          <a:prstGeom prst="rect">
+            <a:avLst/>
+          </a:prstGeom>
+          <a:noFill/>
+          <a:ln>
+            <a:noFill/>
+          </a:ln>
+        </p:spPr>
+      </p:pic>
+    </p:spTree>
+    <p:extLst>
+      <p:ext uri="{BB962C8B-B14F-4D97-AF65-F5344CB8AC3E}">
+        <p14:creationId xmlns:p14="http://schemas.microsoft.com/office/powerpoint/2010/main" val="748472548"/>
+      </p:ext>
+    </p:extLst>
+  </p:cSld>
+  <p:clrMapOvr>
+    <a:masterClrMapping/>
+  </p:clrMapOvr>
+</p:sld>
+</file>
+
+<file path=ppt/slides/slide14.xml><?xml version="1.0" encoding="utf-8"?>
+<p:sld xmlns:a="http://schemas.openxmlformats.org/drawingml/2006/main" xmlns:r="http://schemas.openxmlformats.org/officeDocument/2006/relationships" xmlns:p="http://schemas.openxmlformats.org/presentationml/2006/main">
+  <p:cSld>
+    <p:bg>
+      <p:bgPr>
+        <a:solidFill>
+          <a:schemeClr val="lt1"/>
+        </a:solidFill>
+        <a:effectLst/>
+      </p:bgPr>
+    </p:bg>
+    <p:spTree>
+      <p:nvGrpSpPr>
+        <p:cNvPr id="1" name="Shape 45">
+          <a:extLst>
+            <a:ext uri="{FF2B5EF4-FFF2-40B4-BE49-F238E27FC236}">
+              <a16:creationId xmlns:a16="http://schemas.microsoft.com/office/drawing/2014/main" id="{079B5B5D-E41A-9220-6532-5EF890E4B8B1}"/>
+            </a:ext>
+          </a:extLst>
+        </p:cNvPr>
+        <p:cNvGrpSpPr/>
+        <p:nvPr/>
+      </p:nvGrpSpPr>
+      <p:grpSpPr>
+        <a:xfrm>
+          <a:off x="0" y="0"/>
+          <a:ext cx="0" cy="0"/>
+          <a:chOff x="0" y="0"/>
+          <a:chExt cx="0" cy="0"/>
+        </a:xfrm>
+      </p:grpSpPr>
+      <p:sp>
+        <p:nvSpPr>
+          <p:cNvPr id="46" name="Google Shape;46;p2">
+            <a:extLst>
+              <a:ext uri="{FF2B5EF4-FFF2-40B4-BE49-F238E27FC236}">
+                <a16:creationId xmlns:a16="http://schemas.microsoft.com/office/drawing/2014/main" id="{51EF87CF-EC99-B6E5-E566-146B034AFE48}"/>
+              </a:ext>
+            </a:extLst>
+          </p:cNvPr>
+          <p:cNvSpPr txBox="1">
+            <a:spLocks noGrp="1"/>
+          </p:cNvSpPr>
+          <p:nvPr>
+            <p:ph type="title"/>
+          </p:nvPr>
+        </p:nvSpPr>
+        <p:spPr>
+          <a:xfrm>
+            <a:off x="0" y="-146050"/>
+            <a:ext cx="7166610" cy="984250"/>
+          </a:xfrm>
+          <a:prstGeom prst="rect">
+            <a:avLst/>
+          </a:prstGeom>
+          <a:noFill/>
+          <a:ln w="9525" cap="flat" cmpd="sng">
+            <a:noFill/>
+            <a:prstDash val="solid"/>
+            <a:miter lim="800000"/>
+            <a:headEnd type="none" w="sm" len="sm"/>
+            <a:tailEnd type="none" w="sm" len="sm"/>
+          </a:ln>
+        </p:spPr>
+        <p:txBody>
+          <a:bodyPr spcFirstLastPara="1" wrap="square" lIns="91425" tIns="45700" rIns="91425" bIns="45700" anchor="ctr" anchorCtr="0">
+            <a:noAutofit/>
+          </a:bodyPr>
+          <a:lstStyle/>
+          <a:p>
+            <a:pPr marL="0" lvl="0" indent="0" algn="l" rtl="0">
+              <a:spcBef>
+                <a:spcPts val="0"/>
+              </a:spcBef>
+              <a:spcAft>
+                <a:spcPts val="0"/>
+              </a:spcAft>
+              <a:buClr>
+                <a:schemeClr val="lt1"/>
+              </a:buClr>
+              <a:buSzPts val="4000"/>
+              <a:buFont typeface="Calibri"/>
+              <a:buNone/>
+            </a:pPr>
+            <a:r>
+              <a:rPr lang="en-US" sz="2400" dirty="0">
+                <a:solidFill>
+                  <a:schemeClr val="lt1"/>
+                </a:solidFill>
+                <a:latin typeface="Times New Roman" panose="02020603050405020304" pitchFamily="18" charset="0"/>
+                <a:cs typeface="Times New Roman" panose="02020603050405020304" pitchFamily="18" charset="0"/>
+              </a:rPr>
+              <a:t>PERANCANGNA DATABASE</a:t>
+            </a:r>
+            <a:endParaRPr sz="2400" dirty="0">
+              <a:solidFill>
+                <a:schemeClr val="lt1"/>
+              </a:solidFill>
+              <a:latin typeface="Times New Roman" panose="02020603050405020304" pitchFamily="18" charset="0"/>
+              <a:cs typeface="Times New Roman" panose="02020603050405020304" pitchFamily="18" charset="0"/>
+            </a:endParaRPr>
+          </a:p>
+        </p:txBody>
+      </p:sp>
+      <p:pic>
+        <p:nvPicPr>
+          <p:cNvPr id="6" name="Gambar 5">
+            <a:extLst>
+              <a:ext uri="{FF2B5EF4-FFF2-40B4-BE49-F238E27FC236}">
+                <a16:creationId xmlns:a16="http://schemas.microsoft.com/office/drawing/2014/main" id="{5354EA57-6315-34C9-F5EA-E5FC6FAF8687}"/>
+              </a:ext>
+            </a:extLst>
+          </p:cNvPr>
+          <p:cNvPicPr>
+            <a:picLocks noChangeAspect="1"/>
+          </p:cNvPicPr>
+          <p:nvPr/>
+        </p:nvPicPr>
+        <p:blipFill>
+          <a:blip r:embed="rId3" cstate="print">
+            <a:extLst>
+              <a:ext uri="{28A0092B-C50C-407E-A947-70E740481C1C}">
+                <a14:useLocalDpi xmlns:a14="http://schemas.microsoft.com/office/drawing/2010/main" val="0"/>
+              </a:ext>
+            </a:extLst>
+          </a:blip>
+          <a:stretch>
+            <a:fillRect/>
+          </a:stretch>
+        </p:blipFill>
+        <p:spPr>
+          <a:xfrm>
+            <a:off x="1097211" y="928776"/>
+            <a:ext cx="4649434" cy="5000448"/>
+          </a:xfrm>
+          <a:prstGeom prst="rect">
+            <a:avLst/>
+          </a:prstGeom>
+          <a:ln w="3175">
+            <a:solidFill>
+              <a:schemeClr val="tx1"/>
+            </a:solidFill>
+          </a:ln>
+        </p:spPr>
+      </p:pic>
+    </p:spTree>
+    <p:extLst>
+      <p:ext uri="{BB962C8B-B14F-4D97-AF65-F5344CB8AC3E}">
+        <p14:creationId xmlns:p14="http://schemas.microsoft.com/office/powerpoint/2010/main" val="1479423743"/>
+      </p:ext>
+    </p:extLst>
+  </p:cSld>
+  <p:clrMapOvr>
+    <a:masterClrMapping/>
+  </p:clrMapOvr>
+</p:sld>
+</file>
+
+<file path=ppt/slides/slide15.xml><?xml version="1.0" encoding="utf-8"?>
+<p:sld xmlns:a="http://schemas.openxmlformats.org/drawingml/2006/main" xmlns:r="http://schemas.openxmlformats.org/officeDocument/2006/relationships" xmlns:p="http://schemas.openxmlformats.org/presentationml/2006/main">
+  <p:cSld>
+    <p:bg>
+      <p:bgPr>
+        <a:solidFill>
+          <a:schemeClr val="lt1"/>
+        </a:solidFill>
+        <a:effectLst/>
+      </p:bgPr>
+    </p:bg>
+    <p:spTree>
+      <p:nvGrpSpPr>
+        <p:cNvPr id="1" name="Shape 45">
+          <a:extLst>
+            <a:ext uri="{FF2B5EF4-FFF2-40B4-BE49-F238E27FC236}">
+              <a16:creationId xmlns:a16="http://schemas.microsoft.com/office/drawing/2014/main" id="{1F4EE412-D4C9-F0FE-AEAC-797BBA4A80B6}"/>
+            </a:ext>
+          </a:extLst>
+        </p:cNvPr>
+        <p:cNvGrpSpPr/>
+        <p:nvPr/>
+      </p:nvGrpSpPr>
+      <p:grpSpPr>
+        <a:xfrm>
+          <a:off x="0" y="0"/>
+          <a:ext cx="0" cy="0"/>
+          <a:chOff x="0" y="0"/>
+          <a:chExt cx="0" cy="0"/>
+        </a:xfrm>
+      </p:grpSpPr>
+      <p:sp>
+        <p:nvSpPr>
+          <p:cNvPr id="46" name="Google Shape;46;p2">
+            <a:extLst>
+              <a:ext uri="{FF2B5EF4-FFF2-40B4-BE49-F238E27FC236}">
+                <a16:creationId xmlns:a16="http://schemas.microsoft.com/office/drawing/2014/main" id="{63B30F9F-1CFF-4881-C447-D3C6FAC89133}"/>
+              </a:ext>
+            </a:extLst>
+          </p:cNvPr>
+          <p:cNvSpPr txBox="1">
+            <a:spLocks noGrp="1"/>
+          </p:cNvSpPr>
+          <p:nvPr>
+            <p:ph type="title"/>
+          </p:nvPr>
+        </p:nvSpPr>
+        <p:spPr>
+          <a:xfrm>
+            <a:off x="0" y="-146050"/>
+            <a:ext cx="7166610" cy="984250"/>
+          </a:xfrm>
+          <a:prstGeom prst="rect">
+            <a:avLst/>
+          </a:prstGeom>
+          <a:noFill/>
+          <a:ln w="9525" cap="flat" cmpd="sng">
+            <a:noFill/>
+            <a:prstDash val="solid"/>
+            <a:miter lim="800000"/>
+            <a:headEnd type="none" w="sm" len="sm"/>
+            <a:tailEnd type="none" w="sm" len="sm"/>
+          </a:ln>
+        </p:spPr>
+        <p:txBody>
+          <a:bodyPr spcFirstLastPara="1" wrap="square" lIns="91425" tIns="45700" rIns="91425" bIns="45700" anchor="ctr" anchorCtr="0">
+            <a:noAutofit/>
+          </a:bodyPr>
+          <a:lstStyle/>
+          <a:p>
+            <a:pPr marL="0" lvl="0" indent="0" algn="l" rtl="0">
+              <a:spcBef>
+                <a:spcPts val="0"/>
+              </a:spcBef>
+              <a:spcAft>
+                <a:spcPts val="0"/>
+              </a:spcAft>
+              <a:buClr>
+                <a:schemeClr val="lt1"/>
+              </a:buClr>
+              <a:buSzPts val="4000"/>
+              <a:buFont typeface="Calibri"/>
+              <a:buNone/>
+            </a:pPr>
+            <a:r>
+              <a:rPr lang="en-US" sz="2400" dirty="0">
+                <a:solidFill>
+                  <a:schemeClr val="lt1"/>
+                </a:solidFill>
+                <a:latin typeface="Times New Roman" panose="02020603050405020304" pitchFamily="18" charset="0"/>
+                <a:cs typeface="Times New Roman" panose="02020603050405020304" pitchFamily="18" charset="0"/>
+              </a:rPr>
+              <a:t>KESIMPULAN </a:t>
+            </a:r>
+            <a:endParaRPr sz="2400" dirty="0">
+              <a:solidFill>
+                <a:schemeClr val="lt1"/>
+              </a:solidFill>
+              <a:latin typeface="Times New Roman" panose="02020603050405020304" pitchFamily="18" charset="0"/>
+              <a:cs typeface="Times New Roman" panose="02020603050405020304" pitchFamily="18" charset="0"/>
+            </a:endParaRPr>
+          </a:p>
+        </p:txBody>
+      </p:sp>
+    </p:spTree>
+    <p:extLst>
+      <p:ext uri="{BB962C8B-B14F-4D97-AF65-F5344CB8AC3E}">
+        <p14:creationId xmlns:p14="http://schemas.microsoft.com/office/powerpoint/2010/main" val="3392890554"/>
+      </p:ext>
+    </p:extLst>
+  </p:cSld>
+  <p:clrMapOvr>
+    <a:masterClrMapping/>
+  </p:clrMapOvr>
+</p:sld>
+</file>
+
+<file path=ppt/slides/slide16.xml><?xml version="1.0" encoding="utf-8"?>
+<p:sld xmlns:a="http://schemas.openxmlformats.org/drawingml/2006/main" xmlns:r="http://schemas.openxmlformats.org/officeDocument/2006/relationships" xmlns:p="http://schemas.openxmlformats.org/presentationml/2006/main">
+  <p:cSld>
+    <p:bg>
+      <p:bgPr>
+        <a:solidFill>
+          <a:schemeClr val="lt1"/>
+        </a:solidFill>
+        <a:effectLst/>
+      </p:bgPr>
+    </p:bg>
+    <p:spTree>
+      <p:nvGrpSpPr>
+        <p:cNvPr id="1" name="Shape 45">
+          <a:extLst>
+            <a:ext uri="{FF2B5EF4-FFF2-40B4-BE49-F238E27FC236}">
+              <a16:creationId xmlns:a16="http://schemas.microsoft.com/office/drawing/2014/main" id="{3D749930-7BFA-FCBB-AF55-18949E5419AB}"/>
+            </a:ext>
+          </a:extLst>
+        </p:cNvPr>
+        <p:cNvGrpSpPr/>
+        <p:nvPr/>
+      </p:nvGrpSpPr>
+      <p:grpSpPr>
+        <a:xfrm>
+          <a:off x="0" y="0"/>
+          <a:ext cx="0" cy="0"/>
+          <a:chOff x="0" y="0"/>
+          <a:chExt cx="0" cy="0"/>
+        </a:xfrm>
+      </p:grpSpPr>
+      <p:sp>
+        <p:nvSpPr>
+          <p:cNvPr id="46" name="Google Shape;46;p2">
+            <a:extLst>
+              <a:ext uri="{FF2B5EF4-FFF2-40B4-BE49-F238E27FC236}">
+                <a16:creationId xmlns:a16="http://schemas.microsoft.com/office/drawing/2014/main" id="{1634E1DE-C2D2-FFA9-3993-B7F57A8942D1}"/>
+              </a:ext>
+            </a:extLst>
+          </p:cNvPr>
+          <p:cNvSpPr txBox="1">
+            <a:spLocks noGrp="1"/>
+          </p:cNvSpPr>
+          <p:nvPr>
+            <p:ph type="title"/>
+          </p:nvPr>
+        </p:nvSpPr>
+        <p:spPr>
+          <a:xfrm>
+            <a:off x="0" y="-146050"/>
+            <a:ext cx="7166610" cy="984250"/>
+          </a:xfrm>
+          <a:prstGeom prst="rect">
+            <a:avLst/>
+          </a:prstGeom>
+          <a:noFill/>
+          <a:ln w="9525" cap="flat" cmpd="sng">
+            <a:noFill/>
+            <a:prstDash val="solid"/>
+            <a:miter lim="800000"/>
+            <a:headEnd type="none" w="sm" len="sm"/>
+            <a:tailEnd type="none" w="sm" len="sm"/>
+          </a:ln>
+        </p:spPr>
+        <p:txBody>
+          <a:bodyPr spcFirstLastPara="1" wrap="square" lIns="91425" tIns="45700" rIns="91425" bIns="45700" anchor="ctr" anchorCtr="0">
+            <a:noAutofit/>
+          </a:bodyPr>
+          <a:lstStyle/>
+          <a:p>
+            <a:pPr marL="0" lvl="0" indent="0" algn="l" rtl="0">
+              <a:spcBef>
+                <a:spcPts val="0"/>
+              </a:spcBef>
+              <a:spcAft>
+                <a:spcPts val="0"/>
+              </a:spcAft>
+              <a:buClr>
+                <a:schemeClr val="lt1"/>
+              </a:buClr>
+              <a:buSzPts val="4000"/>
+              <a:buFont typeface="Calibri"/>
+              <a:buNone/>
+            </a:pPr>
+            <a:r>
+              <a:rPr lang="en-US" sz="2400" dirty="0">
+                <a:solidFill>
+                  <a:schemeClr val="lt1"/>
+                </a:solidFill>
+                <a:latin typeface="Times New Roman" panose="02020603050405020304" pitchFamily="18" charset="0"/>
+                <a:cs typeface="Times New Roman" panose="02020603050405020304" pitchFamily="18" charset="0"/>
+              </a:rPr>
+              <a:t>SARAN </a:t>
+            </a:r>
+            <a:endParaRPr sz="2400" dirty="0">
+              <a:solidFill>
+                <a:schemeClr val="lt1"/>
+              </a:solidFill>
+              <a:latin typeface="Times New Roman" panose="02020603050405020304" pitchFamily="18" charset="0"/>
+              <a:cs typeface="Times New Roman" panose="02020603050405020304" pitchFamily="18" charset="0"/>
+            </a:endParaRPr>
+          </a:p>
+        </p:txBody>
+      </p:sp>
+    </p:spTree>
+    <p:extLst>
+      <p:ext uri="{BB962C8B-B14F-4D97-AF65-F5344CB8AC3E}">
+        <p14:creationId xmlns:p14="http://schemas.microsoft.com/office/powerpoint/2010/main" val="3913371751"/>
+      </p:ext>
+    </p:extLst>
+  </p:cSld>
+  <p:clrMapOvr>
+    <a:masterClrMapping/>
+  </p:clrMapOvr>
+</p:sld>
+</file>
+
 <file path=ppt/slides/slide2.xml><?xml version="1.0" encoding="utf-8"?>
 <p:sld xmlns:a="http://schemas.openxmlformats.org/drawingml/2006/main" xmlns:r="http://schemas.openxmlformats.org/officeDocument/2006/relationships" xmlns:p="http://schemas.openxmlformats.org/presentationml/2006/main">
   <p:cSld>
@@ -7858,9 +11522,7 @@
           </a:prstGeom>
           <a:noFill/>
           <a:ln w="9525" cap="flat" cmpd="sng">
-            <a:solidFill>
-              <a:srgbClr val="000000"/>
-            </a:solidFill>
+            <a:noFill/>
             <a:prstDash val="solid"/>
             <a:miter lim="800000"/>
             <a:headEnd type="none" w="sm" len="sm"/>
@@ -7936,29 +11598,108 @@
           </a:bodyPr>
           <a:lstStyle/>
           <a:p>
-            <a:pPr marL="342900" marR="0" lvl="0" indent="-139700" algn="l" rtl="0">
-              <a:spcBef>
-                <a:spcPts val="0"/>
-              </a:spcBef>
-              <a:spcAft>
-                <a:spcPts val="0"/>
-              </a:spcAft>
-              <a:buClr>
-                <a:schemeClr val="dk1"/>
-              </a:buClr>
-              <a:buSzPts val="3200"/>
-              <a:buFont typeface="Arial"/>
+            <a:pPr>
               <a:buNone/>
             </a:pPr>
-            <a:endParaRPr sz="3200" dirty="0">
-              <a:solidFill>
-                <a:schemeClr val="dk1"/>
-              </a:solidFill>
-              <a:latin typeface="Calibri"/>
-              <a:ea typeface="Calibri"/>
-              <a:cs typeface="Calibri"/>
-              <a:sym typeface="Calibri"/>
-            </a:endParaRPr>
+            <a:r>
+              <a:rPr lang="id-ID" sz="1600" dirty="0"/>
+              <a:t>		Perkembangan teknologi informasi, khususnya internet, mendorong pertumbuhan pasar mobil bekas di Indonesia. Mobil bekas menjadi pilihan ekonomis karena harga mobil baru yang tinggi.</a:t>
+            </a:r>
+          </a:p>
+          <a:p>
+            <a:pPr>
+              <a:buNone/>
+            </a:pPr>
+            <a:r>
+              <a:rPr lang="id-ID" sz="1600" dirty="0"/>
+              <a:t>		Namun, transaksi mobil bekas masih menghadapi masalah seperti kurangnya transparansi kondisi kendaraan, informasi harga yang tidak akurat, dan risiko penipuan. Hal ini membuat banyak pembeli ragu dan kurang percaya terhadap informasi yang diberikan.</a:t>
+            </a:r>
+          </a:p>
+          <a:p>
+            <a:pPr>
+              <a:buNone/>
+            </a:pPr>
+            <a:endParaRPr lang="id-ID" sz="1600" dirty="0"/>
+          </a:p>
+          <a:p>
+            <a:pPr>
+              <a:buNone/>
+            </a:pPr>
+            <a:r>
+              <a:rPr lang="id-ID" sz="1600" dirty="0"/>
+              <a:t>	Penelitian ini mengembangkan aplikasi berbasis </a:t>
+            </a:r>
+            <a:r>
+              <a:rPr lang="id-ID" sz="1600" dirty="0" err="1"/>
+              <a:t>website</a:t>
+            </a:r>
+            <a:r>
+              <a:rPr lang="id-ID" sz="1600" dirty="0"/>
+              <a:t> Yono </a:t>
+            </a:r>
+            <a:r>
+              <a:rPr lang="id-ID" sz="1600" dirty="0" err="1"/>
+              <a:t>Mobilindo</a:t>
+            </a:r>
+            <a:r>
+              <a:rPr lang="id-ID" sz="1600" dirty="0"/>
+              <a:t> dengan fitur:</a:t>
+            </a:r>
+          </a:p>
+          <a:p>
+            <a:pPr lvl="1">
+              <a:buFont typeface="+mj-lt"/>
+              <a:buAutoNum type="arabicPeriod"/>
+            </a:pPr>
+            <a:r>
+              <a:rPr lang="id-ID" sz="1600" dirty="0"/>
+              <a:t>Pencarian mobil</a:t>
+            </a:r>
+          </a:p>
+          <a:p>
+            <a:pPr lvl="1">
+              <a:buFont typeface="+mj-lt"/>
+              <a:buAutoNum type="arabicPeriod"/>
+            </a:pPr>
+            <a:r>
+              <a:rPr lang="id-ID" sz="1600" dirty="0"/>
+              <a:t>Ulasan pembeli</a:t>
+            </a:r>
+          </a:p>
+          <a:p>
+            <a:pPr lvl="1">
+              <a:buFont typeface="+mj-lt"/>
+              <a:buAutoNum type="arabicPeriod"/>
+            </a:pPr>
+            <a:r>
+              <a:rPr lang="id-ID" sz="1600" dirty="0"/>
+              <a:t>Simulasi DP </a:t>
+            </a:r>
+          </a:p>
+          <a:p>
+            <a:pPr lvl="1">
+              <a:buFont typeface="+mj-lt"/>
+              <a:buAutoNum type="arabicPeriod"/>
+            </a:pPr>
+            <a:r>
+              <a:rPr lang="id-ID" sz="1600" dirty="0"/>
+              <a:t>Fitur jual mobil</a:t>
+            </a:r>
+          </a:p>
+          <a:p>
+            <a:pPr marL="571500" lvl="1" indent="0">
+              <a:buNone/>
+            </a:pPr>
+            <a:endParaRPr lang="id-ID" sz="1600" dirty="0"/>
+          </a:p>
+          <a:p>
+            <a:pPr marL="571500" lvl="1" indent="0">
+              <a:buNone/>
+            </a:pPr>
+            <a:r>
+              <a:rPr lang="id-ID" sz="1600" dirty="0"/>
+              <a:t>Tujuannya adalah meningkatkan transparansi, kepercayaan, dan efisiensi dalam proses jual beli mobil bekas.</a:t>
+            </a:r>
           </a:p>
         </p:txBody>
       </p:sp>
@@ -8027,9 +11768,7 @@
           </a:prstGeom>
           <a:noFill/>
           <a:ln w="9525" cap="flat" cmpd="sng">
-            <a:solidFill>
-              <a:srgbClr val="000000"/>
-            </a:solidFill>
+            <a:noFill/>
             <a:prstDash val="solid"/>
             <a:miter lim="800000"/>
             <a:headEnd type="none" w="sm" len="sm"/>
@@ -8095,7 +11834,7 @@
         <p:spPr>
           <a:xfrm>
             <a:off x="228600" y="1143000"/>
-            <a:ext cx="8610600" cy="4800600"/>
+            <a:ext cx="8610600" cy="4494229"/>
           </a:xfrm>
           <a:prstGeom prst="rect">
             <a:avLst/>
@@ -8111,29 +11850,149 @@
           </a:bodyPr>
           <a:lstStyle/>
           <a:p>
-            <a:pPr marL="342900" marR="0" lvl="0" indent="-139700" algn="l" rtl="0">
-              <a:spcBef>
-                <a:spcPts val="0"/>
-              </a:spcBef>
-              <a:spcAft>
-                <a:spcPts val="0"/>
-              </a:spcAft>
-              <a:buClr>
-                <a:schemeClr val="dk1"/>
-              </a:buClr>
-              <a:buSzPts val="3200"/>
-              <a:buFont typeface="Arial"/>
+            <a:pPr marL="114300" indent="0">
               <a:buNone/>
             </a:pPr>
-            <a:endParaRPr sz="3200" dirty="0">
-              <a:solidFill>
-                <a:schemeClr val="dk1"/>
-              </a:solidFill>
-              <a:latin typeface="Calibri"/>
-              <a:ea typeface="Calibri"/>
-              <a:cs typeface="Calibri"/>
-              <a:sym typeface="Calibri"/>
-            </a:endParaRPr>
+            <a:r>
+              <a:rPr lang="id-ID" sz="1400" dirty="0"/>
+              <a:t>BATASAN MASALAH</a:t>
+            </a:r>
+          </a:p>
+          <a:p>
+            <a:pPr>
+              <a:buFont typeface="+mj-lt"/>
+              <a:buAutoNum type="arabicPeriod"/>
+            </a:pPr>
+            <a:r>
+              <a:rPr lang="id-ID" sz="1400" dirty="0"/>
+              <a:t>Aplikasi hanya untuk jual beli mobil bekas.</a:t>
+            </a:r>
+          </a:p>
+          <a:p>
+            <a:pPr>
+              <a:buFont typeface="+mj-lt"/>
+              <a:buAutoNum type="arabicPeriod"/>
+            </a:pPr>
+            <a:r>
+              <a:rPr lang="id-ID" sz="1400" dirty="0"/>
+              <a:t>Pembayaran dibatasi melalui metode DP (</a:t>
+            </a:r>
+            <a:r>
+              <a:rPr lang="id-ID" sz="1400" dirty="0" err="1"/>
+              <a:t>Down</a:t>
+            </a:r>
+            <a:r>
+              <a:rPr lang="id-ID" sz="1400" dirty="0"/>
+              <a:t> </a:t>
+            </a:r>
+            <a:r>
+              <a:rPr lang="id-ID" sz="1400" dirty="0" err="1"/>
+              <a:t>Payment</a:t>
+            </a:r>
+            <a:r>
+              <a:rPr lang="id-ID" sz="1400" dirty="0"/>
+              <a:t>).</a:t>
+            </a:r>
+          </a:p>
+          <a:p>
+            <a:pPr>
+              <a:buFont typeface="+mj-lt"/>
+              <a:buAutoNum type="arabicPeriod"/>
+            </a:pPr>
+            <a:r>
+              <a:rPr lang="id-ID" sz="1400" dirty="0"/>
+              <a:t>Tersedia fitur pencarian berdasarkan kriteria pengguna.</a:t>
+            </a:r>
+          </a:p>
+          <a:p>
+            <a:pPr>
+              <a:buFont typeface="+mj-lt"/>
+              <a:buAutoNum type="arabicPeriod"/>
+            </a:pPr>
+            <a:r>
+              <a:rPr lang="id-ID" sz="1400" dirty="0"/>
+              <a:t>Menyediakan informasi lengkap: kondisi, harga, dan riwayat servis mobil.</a:t>
+            </a:r>
+          </a:p>
+          <a:p>
+            <a:pPr>
+              <a:buFont typeface="+mj-lt"/>
+              <a:buAutoNum type="arabicPeriod"/>
+            </a:pPr>
+            <a:r>
+              <a:rPr lang="id-ID" sz="1400" dirty="0"/>
+              <a:t>Ulasan pembeli hanya muncul setelah transaksi selesai.</a:t>
+            </a:r>
+          </a:p>
+          <a:p>
+            <a:pPr>
+              <a:buFont typeface="+mj-lt"/>
+              <a:buAutoNum type="arabicPeriod"/>
+            </a:pPr>
+            <a:r>
+              <a:rPr lang="id-ID" sz="1400" dirty="0"/>
+              <a:t>Transaksi dibatasi di wilayah Jabodetabek saja.</a:t>
+            </a:r>
+          </a:p>
+          <a:p>
+            <a:pPr>
+              <a:buFont typeface="+mj-lt"/>
+              <a:buAutoNum type="arabicPeriod"/>
+            </a:pPr>
+            <a:endParaRPr lang="id-ID" sz="1400" dirty="0"/>
+          </a:p>
+          <a:p>
+            <a:pPr>
+              <a:buFont typeface="+mj-lt"/>
+              <a:buAutoNum type="arabicPeriod"/>
+            </a:pPr>
+            <a:endParaRPr lang="id-ID" sz="1400" dirty="0"/>
+          </a:p>
+          <a:p>
+            <a:pPr marL="114300" indent="0">
+              <a:buNone/>
+            </a:pPr>
+            <a:r>
+              <a:rPr lang="id-ID" sz="1400" dirty="0"/>
+              <a:t>TUJUAN</a:t>
+            </a:r>
+          </a:p>
+          <a:p>
+            <a:pPr>
+              <a:buFont typeface="+mj-lt"/>
+              <a:buAutoNum type="arabicPeriod"/>
+            </a:pPr>
+            <a:r>
+              <a:rPr lang="id-ID" sz="1400" dirty="0"/>
+              <a:t>Mengembangkan aplikasi jual beli mobil bekas berbasis web dengan fitur pencarian, ulasan, DP, jual mobil, dan informasi detail kendaraan.</a:t>
+            </a:r>
+          </a:p>
+          <a:p>
+            <a:pPr>
+              <a:buFont typeface="+mj-lt"/>
+              <a:buAutoNum type="arabicPeriod"/>
+            </a:pPr>
+            <a:r>
+              <a:rPr lang="id-ID" sz="1400" dirty="0"/>
+              <a:t>Mengatasi masalah transparansi informasi dan meminimalkan potensi penipuan dalam transaksi mobil bekas.</a:t>
+            </a:r>
+          </a:p>
+          <a:p>
+            <a:pPr>
+              <a:buFont typeface="+mj-lt"/>
+              <a:buAutoNum type="arabicPeriod"/>
+            </a:pPr>
+            <a:r>
+              <a:rPr lang="id-ID" sz="1400" dirty="0"/>
+              <a:t>Memberikan wawasan tentang efektivitas fitur DP dan ulasan dalam meningkatkan keamanan dan kepercayaan pengguna.</a:t>
+            </a:r>
+          </a:p>
+          <a:p>
+            <a:pPr>
+              <a:buFont typeface="+mj-lt"/>
+              <a:buAutoNum type="arabicPeriod"/>
+            </a:pPr>
+            <a:endParaRPr lang="id-ID" sz="1400" dirty="0"/>
           </a:p>
         </p:txBody>
       </p:sp>
@@ -8207,9 +12066,7 @@
           </a:prstGeom>
           <a:noFill/>
           <a:ln w="9525" cap="flat" cmpd="sng">
-            <a:solidFill>
-              <a:srgbClr val="000000"/>
-            </a:solidFill>
+            <a:noFill/>
             <a:prstDash val="solid"/>
             <a:miter lim="800000"/>
             <a:headEnd type="none" w="sm" len="sm"/>
@@ -8274,8 +12131,8 @@
         </p:nvSpPr>
         <p:spPr>
           <a:xfrm>
-            <a:off x="228600" y="1143000"/>
-            <a:ext cx="8610600" cy="4800600"/>
+            <a:off x="826417" y="3917619"/>
+            <a:ext cx="7491166" cy="2558596"/>
           </a:xfrm>
           <a:prstGeom prst="rect">
             <a:avLst/>
@@ -8291,29 +12148,312 @@
           </a:bodyPr>
           <a:lstStyle/>
           <a:p>
-            <a:pPr marL="342900" marR="0" lvl="0" indent="-139700" algn="l" rtl="0">
-              <a:spcBef>
-                <a:spcPts val="0"/>
-              </a:spcBef>
-              <a:spcAft>
-                <a:spcPts val="0"/>
-              </a:spcAft>
-              <a:buClr>
-                <a:schemeClr val="dk1"/>
-              </a:buClr>
-              <a:buSzPts val="3200"/>
-              <a:buFont typeface="Arial"/>
+            <a:pPr marL="114300" indent="0">
               <a:buNone/>
             </a:pPr>
-            <a:endParaRPr sz="3200" dirty="0">
-              <a:solidFill>
-                <a:schemeClr val="dk1"/>
-              </a:solidFill>
-              <a:latin typeface="Calibri"/>
-              <a:ea typeface="Calibri"/>
-              <a:cs typeface="Calibri"/>
-              <a:sym typeface="Calibri"/>
+            <a:r>
+              <a:rPr lang="en-US" sz="1400" dirty="0" err="1">
+                <a:effectLst/>
+                <a:latin typeface="Calibri" panose="020F0502020204030204" pitchFamily="34" charset="0"/>
+                <a:ea typeface="Calibri" panose="020F0502020204030204" pitchFamily="34" charset="0"/>
+                <a:cs typeface="Calibri" panose="020F0502020204030204" pitchFamily="34" charset="0"/>
+              </a:rPr>
+              <a:t>Penelitian</a:t>
+            </a:r>
+            <a:r>
+              <a:rPr lang="en-US" sz="1400" dirty="0">
+                <a:effectLst/>
+                <a:latin typeface="Calibri" panose="020F0502020204030204" pitchFamily="34" charset="0"/>
+                <a:ea typeface="Calibri" panose="020F0502020204030204" pitchFamily="34" charset="0"/>
+                <a:cs typeface="Calibri" panose="020F0502020204030204" pitchFamily="34" charset="0"/>
+              </a:rPr>
+              <a:t> </a:t>
+            </a:r>
+            <a:r>
+              <a:rPr lang="en-US" sz="1400" dirty="0" err="1">
+                <a:effectLst/>
+                <a:latin typeface="Calibri" panose="020F0502020204030204" pitchFamily="34" charset="0"/>
+                <a:ea typeface="Calibri" panose="020F0502020204030204" pitchFamily="34" charset="0"/>
+                <a:cs typeface="Calibri" panose="020F0502020204030204" pitchFamily="34" charset="0"/>
+              </a:rPr>
+              <a:t>ini</a:t>
+            </a:r>
+            <a:r>
+              <a:rPr lang="en-US" sz="1400" dirty="0">
+                <a:effectLst/>
+                <a:latin typeface="Calibri" panose="020F0502020204030204" pitchFamily="34" charset="0"/>
+                <a:ea typeface="Calibri" panose="020F0502020204030204" pitchFamily="34" charset="0"/>
+                <a:cs typeface="Calibri" panose="020F0502020204030204" pitchFamily="34" charset="0"/>
+              </a:rPr>
+              <a:t> </a:t>
+            </a:r>
+            <a:r>
+              <a:rPr lang="en-US" sz="1400" dirty="0" err="1">
+                <a:effectLst/>
+                <a:latin typeface="Calibri" panose="020F0502020204030204" pitchFamily="34" charset="0"/>
+                <a:ea typeface="Calibri" panose="020F0502020204030204" pitchFamily="34" charset="0"/>
+                <a:cs typeface="Calibri" panose="020F0502020204030204" pitchFamily="34" charset="0"/>
+              </a:rPr>
+              <a:t>menerapkan</a:t>
+            </a:r>
+            <a:r>
+              <a:rPr lang="en-US" sz="1400" dirty="0">
+                <a:effectLst/>
+                <a:latin typeface="Calibri" panose="020F0502020204030204" pitchFamily="34" charset="0"/>
+                <a:ea typeface="Calibri" panose="020F0502020204030204" pitchFamily="34" charset="0"/>
+                <a:cs typeface="Calibri" panose="020F0502020204030204" pitchFamily="34" charset="0"/>
+              </a:rPr>
+              <a:t> </a:t>
+            </a:r>
+            <a:r>
+              <a:rPr lang="en-US" sz="1400" dirty="0" err="1">
+                <a:effectLst/>
+                <a:latin typeface="Calibri" panose="020F0502020204030204" pitchFamily="34" charset="0"/>
+                <a:ea typeface="Calibri" panose="020F0502020204030204" pitchFamily="34" charset="0"/>
+                <a:cs typeface="Calibri" panose="020F0502020204030204" pitchFamily="34" charset="0"/>
+              </a:rPr>
+              <a:t>pengembangan</a:t>
+            </a:r>
+            <a:r>
+              <a:rPr lang="en-US" sz="1400" dirty="0">
+                <a:effectLst/>
+                <a:latin typeface="Calibri" panose="020F0502020204030204" pitchFamily="34" charset="0"/>
+                <a:ea typeface="Calibri" panose="020F0502020204030204" pitchFamily="34" charset="0"/>
+                <a:cs typeface="Calibri" panose="020F0502020204030204" pitchFamily="34" charset="0"/>
+              </a:rPr>
+              <a:t> </a:t>
+            </a:r>
+            <a:r>
+              <a:rPr lang="en-US" sz="1400" dirty="0" err="1">
+                <a:effectLst/>
+                <a:latin typeface="Calibri" panose="020F0502020204030204" pitchFamily="34" charset="0"/>
+                <a:ea typeface="Calibri" panose="020F0502020204030204" pitchFamily="34" charset="0"/>
+                <a:cs typeface="Calibri" panose="020F0502020204030204" pitchFamily="34" charset="0"/>
+              </a:rPr>
+              <a:t>perangkat</a:t>
+            </a:r>
+            <a:r>
+              <a:rPr lang="en-US" sz="1400" dirty="0">
+                <a:effectLst/>
+                <a:latin typeface="Calibri" panose="020F0502020204030204" pitchFamily="34" charset="0"/>
+                <a:ea typeface="Calibri" panose="020F0502020204030204" pitchFamily="34" charset="0"/>
+                <a:cs typeface="Calibri" panose="020F0502020204030204" pitchFamily="34" charset="0"/>
+              </a:rPr>
+              <a:t> </a:t>
+            </a:r>
+            <a:r>
+              <a:rPr lang="en-US" sz="1400" dirty="0" err="1">
+                <a:effectLst/>
+                <a:latin typeface="Calibri" panose="020F0502020204030204" pitchFamily="34" charset="0"/>
+                <a:ea typeface="Calibri" panose="020F0502020204030204" pitchFamily="34" charset="0"/>
+                <a:cs typeface="Calibri" panose="020F0502020204030204" pitchFamily="34" charset="0"/>
+              </a:rPr>
+              <a:t>lunak</a:t>
+            </a:r>
+            <a:r>
+              <a:rPr lang="en-US" sz="1400" dirty="0">
+                <a:effectLst/>
+                <a:latin typeface="Calibri" panose="020F0502020204030204" pitchFamily="34" charset="0"/>
+                <a:ea typeface="Calibri" panose="020F0502020204030204" pitchFamily="34" charset="0"/>
+                <a:cs typeface="Calibri" panose="020F0502020204030204" pitchFamily="34" charset="0"/>
+              </a:rPr>
+              <a:t> </a:t>
+            </a:r>
+            <a:r>
+              <a:rPr lang="en-US" sz="1400" i="1" dirty="0">
+                <a:effectLst/>
+                <a:latin typeface="Calibri" panose="020F0502020204030204" pitchFamily="34" charset="0"/>
+                <a:ea typeface="Calibri" panose="020F0502020204030204" pitchFamily="34" charset="0"/>
+                <a:cs typeface="Calibri" panose="020F0502020204030204" pitchFamily="34" charset="0"/>
+              </a:rPr>
+              <a:t>System Development Life Cycle</a:t>
+            </a:r>
+            <a:r>
+              <a:rPr lang="en-US" sz="1400" dirty="0">
+                <a:effectLst/>
+                <a:latin typeface="Calibri" panose="020F0502020204030204" pitchFamily="34" charset="0"/>
+                <a:ea typeface="Calibri" panose="020F0502020204030204" pitchFamily="34" charset="0"/>
+                <a:cs typeface="Calibri" panose="020F0502020204030204" pitchFamily="34" charset="0"/>
+              </a:rPr>
+              <a:t> (SDLC) </a:t>
+            </a:r>
+            <a:r>
+              <a:rPr lang="en-US" sz="1400" dirty="0" err="1">
+                <a:effectLst/>
+                <a:latin typeface="Calibri" panose="020F0502020204030204" pitchFamily="34" charset="0"/>
+                <a:ea typeface="Calibri" panose="020F0502020204030204" pitchFamily="34" charset="0"/>
+                <a:cs typeface="Calibri" panose="020F0502020204030204" pitchFamily="34" charset="0"/>
+              </a:rPr>
+              <a:t>tipe</a:t>
+            </a:r>
+            <a:r>
+              <a:rPr lang="en-US" sz="1400" dirty="0">
+                <a:effectLst/>
+                <a:latin typeface="Calibri" panose="020F0502020204030204" pitchFamily="34" charset="0"/>
+                <a:ea typeface="Calibri" panose="020F0502020204030204" pitchFamily="34" charset="0"/>
+                <a:cs typeface="Calibri" panose="020F0502020204030204" pitchFamily="34" charset="0"/>
+              </a:rPr>
+              <a:t> </a:t>
+            </a:r>
+            <a:r>
+              <a:rPr lang="en-US" sz="1400" i="1" dirty="0">
+                <a:effectLst/>
+                <a:latin typeface="Calibri" panose="020F0502020204030204" pitchFamily="34" charset="0"/>
+                <a:ea typeface="Calibri" panose="020F0502020204030204" pitchFamily="34" charset="0"/>
+                <a:cs typeface="Calibri" panose="020F0502020204030204" pitchFamily="34" charset="0"/>
+              </a:rPr>
+              <a:t>waterfall</a:t>
+            </a:r>
+            <a:r>
+              <a:rPr lang="id-ID" sz="1400" dirty="0">
+                <a:effectLst/>
+                <a:latin typeface="Calibri" panose="020F0502020204030204" pitchFamily="34" charset="0"/>
+                <a:cs typeface="Calibri" panose="020F0502020204030204" pitchFamily="34" charset="0"/>
+              </a:rPr>
+              <a:t> </a:t>
+            </a:r>
+            <a:endParaRPr lang="id-ID" sz="1400" dirty="0">
+              <a:latin typeface="Calibri" panose="020F0502020204030204" pitchFamily="34" charset="0"/>
+              <a:cs typeface="Calibri" panose="020F0502020204030204" pitchFamily="34" charset="0"/>
             </a:endParaRPr>
+          </a:p>
+          <a:p>
+            <a:pPr>
+              <a:buFont typeface="+mj-lt"/>
+              <a:buAutoNum type="arabicPeriod"/>
+            </a:pPr>
+            <a:r>
+              <a:rPr lang="id-ID" sz="1400" dirty="0">
+                <a:latin typeface="Calibri" panose="020F0502020204030204" pitchFamily="34" charset="0"/>
+                <a:cs typeface="Calibri" panose="020F0502020204030204" pitchFamily="34" charset="0"/>
+              </a:rPr>
+              <a:t>Menentukan fitur, batasan, dan tujuan sistem melalui konsultasi dengan pengguna.</a:t>
+            </a:r>
+          </a:p>
+          <a:p>
+            <a:pPr>
+              <a:buFont typeface="+mj-lt"/>
+              <a:buAutoNum type="arabicPeriod"/>
+            </a:pPr>
+            <a:r>
+              <a:rPr lang="id-ID" sz="1400" dirty="0">
+                <a:latin typeface="Calibri" panose="020F0502020204030204" pitchFamily="34" charset="0"/>
+                <a:cs typeface="Calibri" panose="020F0502020204030204" pitchFamily="34" charset="0"/>
+              </a:rPr>
+              <a:t>Mengembangkan arsitektur sistem berdasarkan kebutuhan.</a:t>
+            </a:r>
+          </a:p>
+          <a:p>
+            <a:pPr>
+              <a:buFont typeface="+mj-lt"/>
+              <a:buAutoNum type="arabicPeriod"/>
+            </a:pPr>
+            <a:r>
+              <a:rPr lang="id-ID" sz="1400" dirty="0">
+                <a:latin typeface="Calibri" panose="020F0502020204030204" pitchFamily="34" charset="0"/>
+                <a:cs typeface="Calibri" panose="020F0502020204030204" pitchFamily="34" charset="0"/>
+              </a:rPr>
+              <a:t>Merealisasikan desain dalam bentuk unit program dan melakukan pengujian.</a:t>
+            </a:r>
+          </a:p>
+          <a:p>
+            <a:pPr>
+              <a:buFont typeface="+mj-lt"/>
+              <a:buAutoNum type="arabicPeriod"/>
+            </a:pPr>
+            <a:r>
+              <a:rPr lang="id-ID" sz="1400" dirty="0">
+                <a:latin typeface="Calibri" panose="020F0502020204030204" pitchFamily="34" charset="0"/>
+                <a:cs typeface="Calibri" panose="020F0502020204030204" pitchFamily="34" charset="0"/>
+              </a:rPr>
+              <a:t>Mengintegrasikan seluruh unit dan menguji sistem secara menyeluruh.</a:t>
+            </a:r>
+          </a:p>
+          <a:p>
+            <a:pPr>
+              <a:buFont typeface="+mj-lt"/>
+              <a:buAutoNum type="arabicPeriod"/>
+            </a:pPr>
+            <a:r>
+              <a:rPr lang="id-ID" sz="1400" dirty="0">
+                <a:latin typeface="Calibri" panose="020F0502020204030204" pitchFamily="34" charset="0"/>
+                <a:cs typeface="Calibri" panose="020F0502020204030204" pitchFamily="34" charset="0"/>
+              </a:rPr>
+              <a:t>Memasang sistem dan mulai digunakan oleh pengguna.</a:t>
+            </a:r>
+          </a:p>
+        </p:txBody>
+      </p:sp>
+      <p:pic>
+        <p:nvPicPr>
+          <p:cNvPr id="2" name="Picture 1">
+            <a:extLst>
+              <a:ext uri="{FF2B5EF4-FFF2-40B4-BE49-F238E27FC236}">
+                <a16:creationId xmlns:a16="http://schemas.microsoft.com/office/drawing/2014/main" id="{5733AB33-73F5-6183-FBBD-DE99C490BFDB}"/>
+              </a:ext>
+            </a:extLst>
+          </p:cNvPr>
+          <p:cNvPicPr>
+            <a:picLocks noChangeAspect="1"/>
+          </p:cNvPicPr>
+          <p:nvPr/>
+        </p:nvPicPr>
+        <p:blipFill>
+          <a:blip r:embed="rId3" cstate="print">
+            <a:extLst>
+              <a:ext uri="{28A0092B-C50C-407E-A947-70E740481C1C}">
+                <a14:useLocalDpi xmlns:a14="http://schemas.microsoft.com/office/drawing/2010/main" val="0"/>
+              </a:ext>
+            </a:extLst>
+          </a:blip>
+          <a:srcRect/>
+          <a:stretch>
+            <a:fillRect/>
+          </a:stretch>
+        </p:blipFill>
+        <p:spPr bwMode="auto">
+          <a:xfrm>
+            <a:off x="2037081" y="934390"/>
+            <a:ext cx="5069837" cy="2887039"/>
+          </a:xfrm>
+          <a:prstGeom prst="rect">
+            <a:avLst/>
+          </a:prstGeom>
+          <a:noFill/>
+          <a:ln>
+            <a:noFill/>
+          </a:ln>
+        </p:spPr>
+      </p:pic>
+      <p:sp>
+        <p:nvSpPr>
+          <p:cNvPr id="3" name="Kotak Teks 2">
+            <a:extLst>
+              <a:ext uri="{FF2B5EF4-FFF2-40B4-BE49-F238E27FC236}">
+                <a16:creationId xmlns:a16="http://schemas.microsoft.com/office/drawing/2014/main" id="{685BF1E5-ECA2-FB8A-C742-691786A80D18}"/>
+              </a:ext>
+            </a:extLst>
+          </p:cNvPr>
+          <p:cNvSpPr txBox="1"/>
+          <p:nvPr/>
+        </p:nvSpPr>
+        <p:spPr>
+          <a:xfrm>
+            <a:off x="329940" y="1414021"/>
+            <a:ext cx="6353666" cy="307777"/>
+          </a:xfrm>
+          <a:prstGeom prst="rect">
+            <a:avLst/>
+          </a:prstGeom>
+          <a:noFill/>
+        </p:spPr>
+        <p:txBody>
+          <a:bodyPr wrap="square" rtlCol="0">
+            <a:spAutoFit/>
+          </a:bodyPr>
+          <a:lstStyle/>
+          <a:p>
+            <a:endParaRPr lang="id-ID" dirty="0"/>
           </a:p>
         </p:txBody>
       </p:sp>
@@ -8387,9 +12527,7 @@
           </a:prstGeom>
           <a:noFill/>
           <a:ln w="9525" cap="flat" cmpd="sng">
-            <a:solidFill>
-              <a:srgbClr val="000000"/>
-            </a:solidFill>
+            <a:noFill/>
             <a:prstDash val="solid"/>
             <a:miter lim="800000"/>
             <a:headEnd type="none" w="sm" len="sm"/>
@@ -8464,8 +12602,8 @@
         </p:blipFill>
         <p:spPr>
           <a:xfrm>
-            <a:off x="534352" y="1248410"/>
-            <a:ext cx="1433731" cy="984250"/>
+            <a:off x="821457" y="2234662"/>
+            <a:ext cx="1634604" cy="1122149"/>
           </a:xfrm>
           <a:prstGeom prst="rect">
             <a:avLst/>
@@ -8500,8 +12638,8 @@
         </p:blipFill>
         <p:spPr>
           <a:xfrm>
-            <a:off x="2818649" y="1161297"/>
-            <a:ext cx="1120642" cy="1165860"/>
+            <a:off x="3878862" y="2234662"/>
+            <a:ext cx="1386276" cy="1442212"/>
           </a:xfrm>
           <a:prstGeom prst="rect">
             <a:avLst/>
@@ -8536,8 +12674,8 @@
         </p:blipFill>
         <p:spPr>
           <a:xfrm>
-            <a:off x="4651037" y="1193541"/>
-            <a:ext cx="1799532" cy="929640"/>
+            <a:off x="6206477" y="2249155"/>
+            <a:ext cx="2116066" cy="1093161"/>
           </a:xfrm>
           <a:prstGeom prst="rect">
             <a:avLst/>
@@ -8615,10 +12753,10 @@
       </p:sp>
       <p:pic>
         <p:nvPicPr>
-          <p:cNvPr id="1030" name="Picture 6">
+          <p:cNvPr id="1032" name="Picture 8" descr="XAMPP - Wikipedia">
             <a:extLst>
               <a:ext uri="{FF2B5EF4-FFF2-40B4-BE49-F238E27FC236}">
-                <a16:creationId xmlns:a16="http://schemas.microsoft.com/office/drawing/2014/main" id="{EE79513C-4736-F867-7F2A-C65DB6586A90}"/>
+                <a16:creationId xmlns:a16="http://schemas.microsoft.com/office/drawing/2014/main" id="{1C29FBB0-0138-48AD-0608-6FB097910972}"/>
               </a:ext>
             </a:extLst>
           </p:cNvPr>
@@ -8642,8 +12780,8 @@
         </p:blipFill>
         <p:spPr bwMode="auto">
           <a:xfrm>
-            <a:off x="6450569" y="2665811"/>
-            <a:ext cx="2264711" cy="1275080"/>
+            <a:off x="5177876" y="4032091"/>
+            <a:ext cx="1386276" cy="1401524"/>
           </a:xfrm>
           <a:prstGeom prst="rect">
             <a:avLst/>
@@ -8662,10 +12800,486 @@
       </p:pic>
       <p:pic>
         <p:nvPicPr>
+          <p:cNvPr id="15" name="Picture 6">
+            <a:extLst>
+              <a:ext uri="{FF2B5EF4-FFF2-40B4-BE49-F238E27FC236}">
+                <a16:creationId xmlns:a16="http://schemas.microsoft.com/office/drawing/2014/main" id="{B0051ED0-99B2-92D1-9450-5C43E957F476}"/>
+              </a:ext>
+            </a:extLst>
+          </p:cNvPr>
+          <p:cNvPicPr>
+            <a:picLocks noChangeAspect="1" noChangeArrowheads="1"/>
+          </p:cNvPicPr>
+          <p:nvPr/>
+        </p:nvPicPr>
+        <p:blipFill rotWithShape="1">
+          <a:blip r:embed="rId7">
+            <a:extLst>
+              <a:ext uri="{28A0092B-C50C-407E-A947-70E740481C1C}">
+                <a14:useLocalDpi xmlns:a14="http://schemas.microsoft.com/office/drawing/2010/main" val="0"/>
+              </a:ext>
+            </a:extLst>
+          </a:blip>
+          <a:srcRect l="4683" t="13879" r="8184" b="24316"/>
+          <a:stretch/>
+        </p:blipFill>
+        <p:spPr bwMode="auto">
+          <a:xfrm>
+            <a:off x="945996" y="4129776"/>
+            <a:ext cx="3020130" cy="1206154"/>
+          </a:xfrm>
+          <a:prstGeom prst="rect">
+            <a:avLst/>
+          </a:prstGeom>
+          <a:noFill/>
+          <a:extLst>
+            <a:ext uri="{909E8E84-426E-40DD-AFC4-6F175D3DCCD1}">
+              <a14:hiddenFill xmlns:a14="http://schemas.microsoft.com/office/drawing/2010/main">
+                <a:solidFill>
+                  <a:srgbClr val="FFFFFF"/>
+                </a:solidFill>
+              </a14:hiddenFill>
+            </a:ext>
+          </a:extLst>
+        </p:spPr>
+      </p:pic>
+      <p:sp>
+        <p:nvSpPr>
+          <p:cNvPr id="17" name="Google Shape;47;p2">
+            <a:extLst>
+              <a:ext uri="{FF2B5EF4-FFF2-40B4-BE49-F238E27FC236}">
+                <a16:creationId xmlns:a16="http://schemas.microsoft.com/office/drawing/2014/main" id="{84C15CDF-4775-9A55-0438-034B3F444BAC}"/>
+              </a:ext>
+            </a:extLst>
+          </p:cNvPr>
+          <p:cNvSpPr txBox="1">
+            <a:spLocks noGrp="1"/>
+          </p:cNvSpPr>
+          <p:nvPr>
+            <p:ph type="body" idx="1"/>
+          </p:nvPr>
+        </p:nvSpPr>
+        <p:spPr>
+          <a:xfrm>
+            <a:off x="228600" y="1143001"/>
+            <a:ext cx="8610600" cy="833986"/>
+          </a:xfrm>
+          <a:prstGeom prst="rect">
+            <a:avLst/>
+          </a:prstGeom>
+          <a:noFill/>
+          <a:ln>
+            <a:noFill/>
+          </a:ln>
+        </p:spPr>
+        <p:txBody>
+          <a:bodyPr spcFirstLastPara="1" wrap="square" lIns="91425" tIns="45700" rIns="91425" bIns="45700" anchor="t" anchorCtr="0">
+            <a:noAutofit/>
+          </a:bodyPr>
+          <a:lstStyle/>
+          <a:p>
+            <a:pPr marL="342900" marR="0" lvl="0" indent="-139700" algn="l" rtl="0">
+              <a:spcBef>
+                <a:spcPts val="0"/>
+              </a:spcBef>
+              <a:spcAft>
+                <a:spcPts val="0"/>
+              </a:spcAft>
+              <a:buClr>
+                <a:schemeClr val="dk1"/>
+              </a:buClr>
+              <a:buSzPts val="3200"/>
+              <a:buFont typeface="Arial"/>
+              <a:buNone/>
+            </a:pPr>
+            <a:r>
+              <a:rPr lang="en-US" sz="2000" dirty="0">
+                <a:solidFill>
+                  <a:schemeClr val="dk1"/>
+                </a:solidFill>
+                <a:latin typeface="Calibri"/>
+                <a:ea typeface="Calibri"/>
+                <a:cs typeface="Calibri"/>
+                <a:sym typeface="Calibri"/>
+              </a:rPr>
+              <a:t>Bahasa </a:t>
+            </a:r>
+            <a:r>
+              <a:rPr lang="en-US" sz="2000" dirty="0" err="1">
+                <a:solidFill>
+                  <a:schemeClr val="dk1"/>
+                </a:solidFill>
+                <a:latin typeface="Calibri"/>
+                <a:ea typeface="Calibri"/>
+                <a:cs typeface="Calibri"/>
+                <a:sym typeface="Calibri"/>
+              </a:rPr>
+              <a:t>pemograman</a:t>
+            </a:r>
+            <a:r>
+              <a:rPr lang="en-US" sz="2000" dirty="0">
+                <a:solidFill>
+                  <a:schemeClr val="dk1"/>
+                </a:solidFill>
+                <a:latin typeface="Calibri"/>
+                <a:ea typeface="Calibri"/>
+                <a:cs typeface="Calibri"/>
+                <a:sym typeface="Calibri"/>
+              </a:rPr>
+              <a:t> dan tools backend</a:t>
+            </a:r>
+            <a:endParaRPr sz="2000" dirty="0">
+              <a:solidFill>
+                <a:schemeClr val="dk1"/>
+              </a:solidFill>
+              <a:latin typeface="Calibri"/>
+              <a:ea typeface="Calibri"/>
+              <a:cs typeface="Calibri"/>
+              <a:sym typeface="Calibri"/>
+            </a:endParaRPr>
+          </a:p>
+        </p:txBody>
+      </p:sp>
+    </p:spTree>
+    <p:extLst>
+      <p:ext uri="{BB962C8B-B14F-4D97-AF65-F5344CB8AC3E}">
+        <p14:creationId xmlns:p14="http://schemas.microsoft.com/office/powerpoint/2010/main" val="1654267797"/>
+      </p:ext>
+    </p:extLst>
+  </p:cSld>
+  <p:clrMapOvr>
+    <a:masterClrMapping/>
+  </p:clrMapOvr>
+</p:sld>
+</file>
+
+<file path=ppt/slides/slide6.xml><?xml version="1.0" encoding="utf-8"?>
+<p:sld xmlns:a="http://schemas.openxmlformats.org/drawingml/2006/main" xmlns:r="http://schemas.openxmlformats.org/officeDocument/2006/relationships" xmlns:p="http://schemas.openxmlformats.org/presentationml/2006/main">
+  <p:cSld>
+    <p:bg>
+      <p:bgPr>
+        <a:solidFill>
+          <a:schemeClr val="lt1"/>
+        </a:solidFill>
+        <a:effectLst/>
+      </p:bgPr>
+    </p:bg>
+    <p:spTree>
+      <p:nvGrpSpPr>
+        <p:cNvPr id="1" name="Shape 45">
+          <a:extLst>
+            <a:ext uri="{FF2B5EF4-FFF2-40B4-BE49-F238E27FC236}">
+              <a16:creationId xmlns:a16="http://schemas.microsoft.com/office/drawing/2014/main" id="{7A7D27BD-9B56-4560-1C4C-3BE132890F9C}"/>
+            </a:ext>
+          </a:extLst>
+        </p:cNvPr>
+        <p:cNvGrpSpPr/>
+        <p:nvPr/>
+      </p:nvGrpSpPr>
+      <p:grpSpPr>
+        <a:xfrm>
+          <a:off x="0" y="0"/>
+          <a:ext cx="0" cy="0"/>
+          <a:chOff x="0" y="0"/>
+          <a:chExt cx="0" cy="0"/>
+        </a:xfrm>
+      </p:grpSpPr>
+      <p:sp>
+        <p:nvSpPr>
+          <p:cNvPr id="46" name="Google Shape;46;p2">
+            <a:extLst>
+              <a:ext uri="{FF2B5EF4-FFF2-40B4-BE49-F238E27FC236}">
+                <a16:creationId xmlns:a16="http://schemas.microsoft.com/office/drawing/2014/main" id="{382D853E-3945-168C-93E5-622AA541BF95}"/>
+              </a:ext>
+            </a:extLst>
+          </p:cNvPr>
+          <p:cNvSpPr txBox="1">
+            <a:spLocks noGrp="1"/>
+          </p:cNvSpPr>
+          <p:nvPr>
+            <p:ph type="title"/>
+          </p:nvPr>
+        </p:nvSpPr>
+        <p:spPr>
+          <a:xfrm>
+            <a:off x="0" y="-146050"/>
+            <a:ext cx="7166610" cy="984250"/>
+          </a:xfrm>
+          <a:prstGeom prst="rect">
+            <a:avLst/>
+          </a:prstGeom>
+          <a:noFill/>
+          <a:ln w="9525" cap="flat" cmpd="sng">
+            <a:noFill/>
+            <a:prstDash val="solid"/>
+            <a:miter lim="800000"/>
+            <a:headEnd type="none" w="sm" len="sm"/>
+            <a:tailEnd type="none" w="sm" len="sm"/>
+          </a:ln>
+        </p:spPr>
+        <p:txBody>
+          <a:bodyPr spcFirstLastPara="1" wrap="square" lIns="91425" tIns="45700" rIns="91425" bIns="45700" anchor="ctr" anchorCtr="0">
+            <a:noAutofit/>
+          </a:bodyPr>
+          <a:lstStyle/>
+          <a:p>
+            <a:pPr marL="0" lvl="0" indent="0" algn="l" rtl="0">
+              <a:spcBef>
+                <a:spcPts val="0"/>
+              </a:spcBef>
+              <a:spcAft>
+                <a:spcPts val="0"/>
+              </a:spcAft>
+              <a:buClr>
+                <a:schemeClr val="lt1"/>
+              </a:buClr>
+              <a:buSzPts val="4000"/>
+              <a:buFont typeface="Calibri"/>
+              <a:buNone/>
+            </a:pPr>
+            <a:r>
+              <a:rPr lang="en-US" sz="2400" dirty="0">
+                <a:solidFill>
+                  <a:schemeClr val="lt1"/>
+                </a:solidFill>
+                <a:latin typeface="Times New Roman" panose="02020603050405020304" pitchFamily="18" charset="0"/>
+                <a:cs typeface="Times New Roman" panose="02020603050405020304" pitchFamily="18" charset="0"/>
+              </a:rPr>
+              <a:t>TEKNOLOGI PENGEMBANGAN SYSTEM</a:t>
+            </a:r>
+            <a:endParaRPr sz="2400" dirty="0">
+              <a:solidFill>
+                <a:schemeClr val="lt1"/>
+              </a:solidFill>
+              <a:latin typeface="Times New Roman" panose="02020603050405020304" pitchFamily="18" charset="0"/>
+              <a:cs typeface="Times New Roman" panose="02020603050405020304" pitchFamily="18" charset="0"/>
+            </a:endParaRPr>
+          </a:p>
+        </p:txBody>
+      </p:sp>
+      <p:sp>
+        <p:nvSpPr>
+          <p:cNvPr id="5" name="Rectangle 2">
+            <a:extLst>
+              <a:ext uri="{FF2B5EF4-FFF2-40B4-BE49-F238E27FC236}">
+                <a16:creationId xmlns:a16="http://schemas.microsoft.com/office/drawing/2014/main" id="{970BFB6D-8C1C-3A59-F695-8A26296A31D0}"/>
+              </a:ext>
+            </a:extLst>
+          </p:cNvPr>
+          <p:cNvSpPr>
+            <a:spLocks noChangeArrowheads="1"/>
+          </p:cNvSpPr>
+          <p:nvPr/>
+        </p:nvSpPr>
+        <p:spPr bwMode="auto">
+          <a:xfrm>
+            <a:off x="0" y="0"/>
+            <a:ext cx="9144000" cy="0"/>
+          </a:xfrm>
+          <a:prstGeom prst="rect">
+            <a:avLst/>
+          </a:prstGeom>
+          <a:noFill/>
+          <a:ln>
+            <a:noFill/>
+          </a:ln>
+          <a:effectLst/>
+          <a:extLst>
+            <a:ext uri="{909E8E84-426E-40DD-AFC4-6F175D3DCCD1}">
+              <a14:hiddenFill xmlns:a14="http://schemas.microsoft.com/office/drawing/2010/main">
+                <a:solidFill>
+                  <a:schemeClr val="accent1"/>
+                </a:solidFill>
+              </a14:hiddenFill>
+            </a:ext>
+            <a:ext uri="{91240B29-F687-4F45-9708-019B960494DF}">
+              <a14:hiddenLine xmlns:a14="http://schemas.microsoft.com/office/drawing/2010/main" w="9525">
+                <a:solidFill>
+                  <a:schemeClr val="tx1"/>
+                </a:solidFill>
+                <a:miter lim="800000"/>
+                <a:headEnd/>
+                <a:tailEnd/>
+              </a14:hiddenLine>
+            </a:ext>
+            <a:ext uri="{AF507438-7753-43E0-B8FC-AC1667EBCBE1}">
+              <a14:hiddenEffects xmlns:a14="http://schemas.microsoft.com/office/drawing/2010/main">
+                <a:effectLst>
+                  <a:outerShdw dist="35921" dir="2700000" algn="ctr" rotWithShape="0">
+                    <a:schemeClr val="bg2"/>
+                  </a:outerShdw>
+                </a:effectLst>
+              </a14:hiddenEffects>
+            </a:ext>
+          </a:extLst>
+        </p:spPr>
+        <p:txBody>
+          <a:bodyPr vert="horz" wrap="none" lIns="91440" tIns="45720" rIns="91440" bIns="45720" numCol="1" anchor="ctr" anchorCtr="0" compatLnSpc="1">
+            <a:prstTxWarp prst="textNoShape">
+              <a:avLst/>
+            </a:prstTxWarp>
+            <a:spAutoFit/>
+          </a:bodyPr>
+          <a:lstStyle/>
+          <a:p>
+            <a:endParaRPr lang="id-ID"/>
+          </a:p>
+        </p:txBody>
+      </p:sp>
+      <p:pic>
+        <p:nvPicPr>
           <p:cNvPr id="7" name="Picture 4">
             <a:extLst>
               <a:ext uri="{FF2B5EF4-FFF2-40B4-BE49-F238E27FC236}">
-                <a16:creationId xmlns:a16="http://schemas.microsoft.com/office/drawing/2014/main" id="{71307EED-A20A-7AD3-1434-9EE6B9ECFFE9}"/>
+                <a16:creationId xmlns:a16="http://schemas.microsoft.com/office/drawing/2014/main" id="{FBDF69C1-8633-FA40-4DC1-5DFC7AB9263B}"/>
+              </a:ext>
+            </a:extLst>
+          </p:cNvPr>
+          <p:cNvPicPr>
+            <a:picLocks noChangeAspect="1"/>
+          </p:cNvPicPr>
+          <p:nvPr/>
+        </p:nvPicPr>
+        <p:blipFill>
+          <a:blip r:embed="rId3" cstate="print">
+            <a:extLst>
+              <a:ext uri="{28A0092B-C50C-407E-A947-70E740481C1C}">
+                <a14:useLocalDpi xmlns:a14="http://schemas.microsoft.com/office/drawing/2010/main" val="0"/>
+              </a:ext>
+            </a:extLst>
+          </a:blip>
+          <a:stretch>
+            <a:fillRect/>
+          </a:stretch>
+        </p:blipFill>
+        <p:spPr>
+          <a:xfrm>
+            <a:off x="3313441" y="2169041"/>
+            <a:ext cx="1380294" cy="1380294"/>
+          </a:xfrm>
+          <a:prstGeom prst="rect">
+            <a:avLst/>
+          </a:prstGeom>
+        </p:spPr>
+      </p:pic>
+      <p:pic>
+        <p:nvPicPr>
+          <p:cNvPr id="8" name="Picture 5">
+            <a:extLst>
+              <a:ext uri="{FF2B5EF4-FFF2-40B4-BE49-F238E27FC236}">
+                <a16:creationId xmlns:a16="http://schemas.microsoft.com/office/drawing/2014/main" id="{4958C267-67FE-B7AF-A971-602E88940666}"/>
+              </a:ext>
+            </a:extLst>
+          </p:cNvPr>
+          <p:cNvPicPr>
+            <a:picLocks noChangeAspect="1"/>
+          </p:cNvPicPr>
+          <p:nvPr/>
+        </p:nvPicPr>
+        <p:blipFill>
+          <a:blip r:embed="rId4" cstate="print">
+            <a:extLst>
+              <a:ext uri="{28A0092B-C50C-407E-A947-70E740481C1C}">
+                <a14:useLocalDpi xmlns:a14="http://schemas.microsoft.com/office/drawing/2010/main" val="0"/>
+              </a:ext>
+            </a:extLst>
+          </a:blip>
+          <a:srcRect l="29974" r="28167"/>
+          <a:stretch/>
+        </p:blipFill>
+        <p:spPr>
+          <a:xfrm>
+            <a:off x="6476463" y="1920530"/>
+            <a:ext cx="1090942" cy="1628806"/>
+          </a:xfrm>
+          <a:prstGeom prst="rect">
+            <a:avLst/>
+          </a:prstGeom>
+        </p:spPr>
+      </p:pic>
+      <p:pic>
+        <p:nvPicPr>
+          <p:cNvPr id="9" name="Picture 6">
+            <a:extLst>
+              <a:ext uri="{FF2B5EF4-FFF2-40B4-BE49-F238E27FC236}">
+                <a16:creationId xmlns:a16="http://schemas.microsoft.com/office/drawing/2014/main" id="{F11E3A97-82C7-165A-BAA7-8650FD9020DC}"/>
+              </a:ext>
+            </a:extLst>
+          </p:cNvPr>
+          <p:cNvPicPr>
+            <a:picLocks noChangeAspect="1"/>
+          </p:cNvPicPr>
+          <p:nvPr/>
+        </p:nvPicPr>
+        <p:blipFill>
+          <a:blip r:embed="rId5" cstate="print">
+            <a:extLst>
+              <a:ext uri="{28A0092B-C50C-407E-A947-70E740481C1C}">
+                <a14:useLocalDpi xmlns:a14="http://schemas.microsoft.com/office/drawing/2010/main" val="0"/>
+              </a:ext>
+            </a:extLst>
+          </a:blip>
+          <a:stretch>
+            <a:fillRect/>
+          </a:stretch>
+        </p:blipFill>
+        <p:spPr>
+          <a:xfrm>
+            <a:off x="718086" y="2302984"/>
+            <a:ext cx="1295909" cy="1295909"/>
+          </a:xfrm>
+          <a:prstGeom prst="rect">
+            <a:avLst/>
+          </a:prstGeom>
+        </p:spPr>
+      </p:pic>
+      <p:pic>
+        <p:nvPicPr>
+          <p:cNvPr id="10" name="Gambar 9">
+            <a:extLst>
+              <a:ext uri="{FF2B5EF4-FFF2-40B4-BE49-F238E27FC236}">
+                <a16:creationId xmlns:a16="http://schemas.microsoft.com/office/drawing/2014/main" id="{1319DE4E-E5EE-FD71-A47A-4CAFC5DE3F30}"/>
+              </a:ext>
+            </a:extLst>
+          </p:cNvPr>
+          <p:cNvPicPr>
+            <a:picLocks/>
+          </p:cNvPicPr>
+          <p:nvPr/>
+        </p:nvPicPr>
+        <p:blipFill>
+          <a:blip r:embed="rId6" cstate="print">
+            <a:extLst>
+              <a:ext uri="{28A0092B-C50C-407E-A947-70E740481C1C}">
+                <a14:useLocalDpi xmlns:a14="http://schemas.microsoft.com/office/drawing/2010/main" val="0"/>
+              </a:ext>
+            </a:extLst>
+          </a:blip>
+          <a:srcRect/>
+          <a:stretch>
+            <a:fillRect/>
+          </a:stretch>
+        </p:blipFill>
+        <p:spPr bwMode="auto">
+          <a:xfrm>
+            <a:off x="3583305" y="4207890"/>
+            <a:ext cx="1380294" cy="1096555"/>
+          </a:xfrm>
+          <a:prstGeom prst="rect">
+            <a:avLst/>
+          </a:prstGeom>
+          <a:noFill/>
+          <a:ln>
+            <a:noFill/>
+          </a:ln>
+        </p:spPr>
+      </p:pic>
+      <p:pic>
+        <p:nvPicPr>
+          <p:cNvPr id="11" name="Picture 7">
+            <a:extLst>
+              <a:ext uri="{FF2B5EF4-FFF2-40B4-BE49-F238E27FC236}">
+                <a16:creationId xmlns:a16="http://schemas.microsoft.com/office/drawing/2014/main" id="{DAFF5469-FED4-6FD9-A33F-9462293D011D}"/>
               </a:ext>
             </a:extLst>
           </p:cNvPr>
@@ -8688,20 +13302,97 @@
         </p:blipFill>
         <p:spPr>
           <a:xfrm>
-            <a:off x="2725872" y="2615964"/>
-            <a:ext cx="1306195" cy="1306195"/>
+            <a:off x="873965" y="4129639"/>
+            <a:ext cx="1380294" cy="1380294"/>
           </a:xfrm>
           <a:prstGeom prst="rect">
             <a:avLst/>
           </a:prstGeom>
         </p:spPr>
       </p:pic>
+      <p:sp>
+        <p:nvSpPr>
+          <p:cNvPr id="15" name="Google Shape;47;p2">
+            <a:extLst>
+              <a:ext uri="{FF2B5EF4-FFF2-40B4-BE49-F238E27FC236}">
+                <a16:creationId xmlns:a16="http://schemas.microsoft.com/office/drawing/2014/main" id="{BE0FF5BB-8960-478E-8EEB-CBAFC147C797}"/>
+              </a:ext>
+            </a:extLst>
+          </p:cNvPr>
+          <p:cNvSpPr txBox="1">
+            <a:spLocks noGrp="1"/>
+          </p:cNvSpPr>
+          <p:nvPr>
+            <p:ph type="body" idx="1"/>
+          </p:nvPr>
+        </p:nvSpPr>
+        <p:spPr>
+          <a:xfrm>
+            <a:off x="228600" y="1143001"/>
+            <a:ext cx="8610600" cy="833986"/>
+          </a:xfrm>
+          <a:prstGeom prst="rect">
+            <a:avLst/>
+          </a:prstGeom>
+          <a:noFill/>
+          <a:ln>
+            <a:noFill/>
+          </a:ln>
+        </p:spPr>
+        <p:txBody>
+          <a:bodyPr spcFirstLastPara="1" wrap="square" lIns="91425" tIns="45700" rIns="91425" bIns="45700" anchor="t" anchorCtr="0">
+            <a:noAutofit/>
+          </a:bodyPr>
+          <a:lstStyle/>
+          <a:p>
+            <a:pPr marL="342900" marR="0" lvl="0" indent="-139700" algn="l" rtl="0">
+              <a:spcBef>
+                <a:spcPts val="0"/>
+              </a:spcBef>
+              <a:spcAft>
+                <a:spcPts val="0"/>
+              </a:spcAft>
+              <a:buClr>
+                <a:schemeClr val="dk1"/>
+              </a:buClr>
+              <a:buSzPts val="3200"/>
+              <a:buFont typeface="Arial"/>
+              <a:buNone/>
+            </a:pPr>
+            <a:r>
+              <a:rPr lang="en-US" sz="2000" dirty="0"/>
+              <a:t>Tools</a:t>
+            </a:r>
+            <a:r>
+              <a:rPr lang="en-US" sz="2000" dirty="0">
+                <a:solidFill>
+                  <a:schemeClr val="dk1"/>
+                </a:solidFill>
+                <a:latin typeface="Calibri"/>
+                <a:ea typeface="Calibri"/>
+                <a:cs typeface="Calibri"/>
+                <a:sym typeface="Calibri"/>
+              </a:rPr>
+              <a:t> Frontend</a:t>
+            </a:r>
+            <a:endParaRPr sz="2000" dirty="0">
+              <a:solidFill>
+                <a:schemeClr val="dk1"/>
+              </a:solidFill>
+              <a:latin typeface="Calibri"/>
+              <a:ea typeface="Calibri"/>
+              <a:cs typeface="Calibri"/>
+              <a:sym typeface="Calibri"/>
+            </a:endParaRPr>
+          </a:p>
+        </p:txBody>
+      </p:sp>
       <p:pic>
         <p:nvPicPr>
-          <p:cNvPr id="8" name="Picture 5">
+          <p:cNvPr id="16" name="Picture 11">
             <a:extLst>
               <a:ext uri="{FF2B5EF4-FFF2-40B4-BE49-F238E27FC236}">
-                <a16:creationId xmlns:a16="http://schemas.microsoft.com/office/drawing/2014/main" id="{E97D3CFF-5B97-EF43-B5BB-94D70E34CEE0}"/>
+                <a16:creationId xmlns:a16="http://schemas.microsoft.com/office/drawing/2014/main" id="{987DDFA8-DF5F-10D3-6CAA-AA4D6C7CE0F6}"/>
               </a:ext>
             </a:extLst>
           </p:cNvPr>
@@ -8711,68 +13402,248 @@
           <p:nvPr/>
         </p:nvPicPr>
         <p:blipFill>
-          <a:blip r:embed="rId8" cstate="print">
-            <a:extLst>
-              <a:ext uri="{28A0092B-C50C-407E-A947-70E740481C1C}">
-                <a14:useLocalDpi xmlns:a14="http://schemas.microsoft.com/office/drawing/2010/main" val="0"/>
-              </a:ext>
-            </a:extLst>
-          </a:blip>
-          <a:srcRect l="29974" r="28167"/>
-          <a:stretch/>
+          <a:blip r:embed="rId8"/>
+          <a:stretch>
+            <a:fillRect/>
+          </a:stretch>
         </p:blipFill>
         <p:spPr>
           <a:xfrm>
-            <a:off x="4929891" y="2529486"/>
-            <a:ext cx="1036638" cy="1547730"/>
+            <a:off x="5994537" y="4045975"/>
+            <a:ext cx="2511799" cy="1258470"/>
           </a:xfrm>
           <a:prstGeom prst="rect">
             <a:avLst/>
           </a:prstGeom>
         </p:spPr>
       </p:pic>
-      <p:pic>
-        <p:nvPicPr>
-          <p:cNvPr id="9" name="Picture 6">
+      <p:sp>
+        <p:nvSpPr>
+          <p:cNvPr id="17" name="Kotak Teks 16">
             <a:extLst>
               <a:ext uri="{FF2B5EF4-FFF2-40B4-BE49-F238E27FC236}">
-                <a16:creationId xmlns:a16="http://schemas.microsoft.com/office/drawing/2014/main" id="{EB8F1CBE-2789-2CAF-39A2-BAB6ECF0BC8E}"/>
+                <a16:creationId xmlns:a16="http://schemas.microsoft.com/office/drawing/2014/main" id="{E8854EBB-8064-F5D4-CCC9-9C19F3BF1B65}"/>
               </a:ext>
             </a:extLst>
           </p:cNvPr>
-          <p:cNvPicPr>
-            <a:picLocks noChangeAspect="1"/>
-          </p:cNvPicPr>
+          <p:cNvSpPr txBox="1"/>
           <p:nvPr/>
-        </p:nvPicPr>
-        <p:blipFill>
-          <a:blip r:embed="rId9" cstate="print">
-            <a:extLst>
-              <a:ext uri="{28A0092B-C50C-407E-A947-70E740481C1C}">
-                <a14:useLocalDpi xmlns:a14="http://schemas.microsoft.com/office/drawing/2010/main" val="0"/>
-              </a:ext>
-            </a:extLst>
-          </a:blip>
-          <a:stretch>
-            <a:fillRect/>
-          </a:stretch>
-        </p:blipFill>
+        </p:nvSpPr>
         <p:spPr>
           <a:xfrm>
-            <a:off x="602989" y="2720421"/>
-            <a:ext cx="1165860" cy="1165860"/>
+            <a:off x="6729438" y="3688896"/>
+            <a:ext cx="1071127" cy="307777"/>
           </a:xfrm>
           <a:prstGeom prst="rect">
             <a:avLst/>
           </a:prstGeom>
+          <a:noFill/>
         </p:spPr>
-      </p:pic>
+        <p:txBody>
+          <a:bodyPr wrap="none" rtlCol="0">
+            <a:spAutoFit/>
+          </a:bodyPr>
+          <a:lstStyle/>
+          <a:p>
+            <a:r>
+              <a:rPr lang="id-ID" dirty="0"/>
+              <a:t>Admin LTE</a:t>
+            </a:r>
+          </a:p>
+        </p:txBody>
+      </p:sp>
+    </p:spTree>
+    <p:extLst>
+      <p:ext uri="{BB962C8B-B14F-4D97-AF65-F5344CB8AC3E}">
+        <p14:creationId xmlns:p14="http://schemas.microsoft.com/office/powerpoint/2010/main" val="4044856106"/>
+      </p:ext>
+    </p:extLst>
+  </p:cSld>
+  <p:clrMapOvr>
+    <a:masterClrMapping/>
+  </p:clrMapOvr>
+</p:sld>
+</file>
+
+<file path=ppt/slides/slide7.xml><?xml version="1.0" encoding="utf-8"?>
+<p:sld xmlns:a="http://schemas.openxmlformats.org/drawingml/2006/main" xmlns:r="http://schemas.openxmlformats.org/officeDocument/2006/relationships" xmlns:p="http://schemas.openxmlformats.org/presentationml/2006/main">
+  <p:cSld>
+    <p:bg>
+      <p:bgPr>
+        <a:solidFill>
+          <a:schemeClr val="lt1"/>
+        </a:solidFill>
+        <a:effectLst/>
+      </p:bgPr>
+    </p:bg>
+    <p:spTree>
+      <p:nvGrpSpPr>
+        <p:cNvPr id="1" name="Shape 45">
+          <a:extLst>
+            <a:ext uri="{FF2B5EF4-FFF2-40B4-BE49-F238E27FC236}">
+              <a16:creationId xmlns:a16="http://schemas.microsoft.com/office/drawing/2014/main" id="{6937D3D4-6A17-70DB-0BB7-00BA79246372}"/>
+            </a:ext>
+          </a:extLst>
+        </p:cNvPr>
+        <p:cNvGrpSpPr/>
+        <p:nvPr/>
+      </p:nvGrpSpPr>
+      <p:grpSpPr>
+        <a:xfrm>
+          <a:off x="0" y="0"/>
+          <a:ext cx="0" cy="0"/>
+          <a:chOff x="0" y="0"/>
+          <a:chExt cx="0" cy="0"/>
+        </a:xfrm>
+      </p:grpSpPr>
+      <p:sp>
+        <p:nvSpPr>
+          <p:cNvPr id="46" name="Google Shape;46;p2">
+            <a:extLst>
+              <a:ext uri="{FF2B5EF4-FFF2-40B4-BE49-F238E27FC236}">
+                <a16:creationId xmlns:a16="http://schemas.microsoft.com/office/drawing/2014/main" id="{1FF0544C-BCE4-B9D0-02E2-E27663F77C1E}"/>
+              </a:ext>
+            </a:extLst>
+          </p:cNvPr>
+          <p:cNvSpPr txBox="1">
+            <a:spLocks noGrp="1"/>
+          </p:cNvSpPr>
+          <p:nvPr>
+            <p:ph type="title"/>
+          </p:nvPr>
+        </p:nvSpPr>
+        <p:spPr>
+          <a:xfrm>
+            <a:off x="0" y="-146050"/>
+            <a:ext cx="7166610" cy="984250"/>
+          </a:xfrm>
+          <a:prstGeom prst="rect">
+            <a:avLst/>
+          </a:prstGeom>
+          <a:noFill/>
+          <a:ln w="9525" cap="flat" cmpd="sng">
+            <a:noFill/>
+            <a:prstDash val="solid"/>
+            <a:miter lim="800000"/>
+            <a:headEnd type="none" w="sm" len="sm"/>
+            <a:tailEnd type="none" w="sm" len="sm"/>
+          </a:ln>
+        </p:spPr>
+        <p:txBody>
+          <a:bodyPr spcFirstLastPara="1" wrap="square" lIns="91425" tIns="45700" rIns="91425" bIns="45700" anchor="ctr" anchorCtr="0">
+            <a:noAutofit/>
+          </a:bodyPr>
+          <a:lstStyle/>
+          <a:p>
+            <a:pPr marL="0" lvl="0" indent="0" algn="l" rtl="0">
+              <a:spcBef>
+                <a:spcPts val="0"/>
+              </a:spcBef>
+              <a:spcAft>
+                <a:spcPts val="0"/>
+              </a:spcAft>
+              <a:buClr>
+                <a:schemeClr val="lt1"/>
+              </a:buClr>
+              <a:buSzPts val="4000"/>
+              <a:buFont typeface="Calibri"/>
+              <a:buNone/>
+            </a:pPr>
+            <a:r>
+              <a:rPr lang="en-US" sz="2400" dirty="0">
+                <a:solidFill>
+                  <a:schemeClr val="lt1"/>
+                </a:solidFill>
+                <a:latin typeface="Times New Roman" panose="02020603050405020304" pitchFamily="18" charset="0"/>
+                <a:cs typeface="Times New Roman" panose="02020603050405020304" pitchFamily="18" charset="0"/>
+              </a:rPr>
+              <a:t>TEKNOLOGI PENGEMBANGAN SYSTEM</a:t>
+            </a:r>
+            <a:endParaRPr sz="2400" dirty="0">
+              <a:solidFill>
+                <a:schemeClr val="lt1"/>
+              </a:solidFill>
+              <a:latin typeface="Times New Roman" panose="02020603050405020304" pitchFamily="18" charset="0"/>
+              <a:cs typeface="Times New Roman" panose="02020603050405020304" pitchFamily="18" charset="0"/>
+            </a:endParaRPr>
+          </a:p>
+        </p:txBody>
+      </p:sp>
+      <p:sp>
+        <p:nvSpPr>
+          <p:cNvPr id="5" name="Rectangle 2">
+            <a:extLst>
+              <a:ext uri="{FF2B5EF4-FFF2-40B4-BE49-F238E27FC236}">
+                <a16:creationId xmlns:a16="http://schemas.microsoft.com/office/drawing/2014/main" id="{BFFD93FE-7734-929A-E01D-D549A36F8EAF}"/>
+              </a:ext>
+            </a:extLst>
+          </p:cNvPr>
+          <p:cNvSpPr>
+            <a:spLocks noChangeArrowheads="1"/>
+          </p:cNvSpPr>
+          <p:nvPr/>
+        </p:nvSpPr>
+        <p:spPr bwMode="auto">
+          <a:xfrm>
+            <a:off x="0" y="0"/>
+            <a:ext cx="9144000" cy="0"/>
+          </a:xfrm>
+          <a:prstGeom prst="rect">
+            <a:avLst/>
+          </a:prstGeom>
+          <a:noFill/>
+          <a:ln>
+            <a:noFill/>
+          </a:ln>
+          <a:effectLst/>
+          <a:extLst>
+            <a:ext uri="{909E8E84-426E-40DD-AFC4-6F175D3DCCD1}">
+              <a14:hiddenFill xmlns:a14="http://schemas.microsoft.com/office/drawing/2010/main">
+                <a:solidFill>
+                  <a:schemeClr val="accent1"/>
+                </a:solidFill>
+              </a14:hiddenFill>
+            </a:ext>
+            <a:ext uri="{91240B29-F687-4F45-9708-019B960494DF}">
+              <a14:hiddenLine xmlns:a14="http://schemas.microsoft.com/office/drawing/2010/main" w="9525">
+                <a:solidFill>
+                  <a:schemeClr val="tx1"/>
+                </a:solidFill>
+                <a:miter lim="800000"/>
+                <a:headEnd/>
+                <a:tailEnd/>
+              </a14:hiddenLine>
+            </a:ext>
+            <a:ext uri="{AF507438-7753-43E0-B8FC-AC1667EBCBE1}">
+              <a14:hiddenEffects xmlns:a14="http://schemas.microsoft.com/office/drawing/2010/main">
+                <a:effectLst>
+                  <a:outerShdw dist="35921" dir="2700000" algn="ctr" rotWithShape="0">
+                    <a:schemeClr val="bg2"/>
+                  </a:outerShdw>
+                </a:effectLst>
+              </a14:hiddenEffects>
+            </a:ext>
+          </a:extLst>
+        </p:spPr>
+        <p:txBody>
+          <a:bodyPr vert="horz" wrap="none" lIns="91440" tIns="45720" rIns="91440" bIns="45720" numCol="1" anchor="ctr" anchorCtr="0" compatLnSpc="1">
+            <a:prstTxWarp prst="textNoShape">
+              <a:avLst/>
+            </a:prstTxWarp>
+            <a:spAutoFit/>
+          </a:bodyPr>
+          <a:lstStyle/>
+          <a:p>
+            <a:endParaRPr lang="id-ID"/>
+          </a:p>
+        </p:txBody>
+      </p:sp>
       <p:pic>
         <p:nvPicPr>
-          <p:cNvPr id="10" name="Gambar 9">
+          <p:cNvPr id="6" name="Gambar 5">
             <a:extLst>
               <a:ext uri="{FF2B5EF4-FFF2-40B4-BE49-F238E27FC236}">
-                <a16:creationId xmlns:a16="http://schemas.microsoft.com/office/drawing/2014/main" id="{28BBB88A-8700-6DC1-3533-98597C555EC5}"/>
+                <a16:creationId xmlns:a16="http://schemas.microsoft.com/office/drawing/2014/main" id="{C17095EF-5DE1-EC44-CB42-8BC3C25AB59A}"/>
               </a:ext>
             </a:extLst>
           </p:cNvPr>
@@ -8782,7 +13653,7 @@
           <p:nvPr/>
         </p:nvPicPr>
         <p:blipFill>
-          <a:blip r:embed="rId10" cstate="print">
+          <a:blip r:embed="rId3" cstate="print">
             <a:extLst>
               <a:ext uri="{28A0092B-C50C-407E-A947-70E740481C1C}">
                 <a14:useLocalDpi xmlns:a14="http://schemas.microsoft.com/office/drawing/2010/main" val="0"/>
@@ -8796,8 +13667,8 @@
         </p:blipFill>
         <p:spPr bwMode="auto">
           <a:xfrm>
-            <a:off x="602989" y="4513580"/>
-            <a:ext cx="1008641" cy="801301"/>
+            <a:off x="3374947" y="2157261"/>
+            <a:ext cx="1544295" cy="1543929"/>
           </a:xfrm>
           <a:prstGeom prst="rect">
             <a:avLst/>
@@ -8810,10 +13681,10 @@
       </p:pic>
       <p:pic>
         <p:nvPicPr>
-          <p:cNvPr id="11" name="Picture 7">
+          <p:cNvPr id="14" name="Picture 8">
             <a:extLst>
               <a:ext uri="{FF2B5EF4-FFF2-40B4-BE49-F238E27FC236}">
-                <a16:creationId xmlns:a16="http://schemas.microsoft.com/office/drawing/2014/main" id="{D99BFF51-D5E3-9AB8-94F2-289D289C4A36}"/>
+                <a16:creationId xmlns:a16="http://schemas.microsoft.com/office/drawing/2014/main" id="{380FC0A8-24CB-1CDE-9379-81C89AB40667}"/>
               </a:ext>
             </a:extLst>
           </p:cNvPr>
@@ -8823,7 +13694,7 @@
           <p:nvPr/>
         </p:nvPicPr>
         <p:blipFill>
-          <a:blip r:embed="rId11" cstate="print">
+          <a:blip r:embed="rId4" cstate="print">
             <a:extLst>
               <a:ext uri="{28A0092B-C50C-407E-A947-70E740481C1C}">
                 <a14:useLocalDpi xmlns:a14="http://schemas.microsoft.com/office/drawing/2010/main" val="0"/>
@@ -8836,50 +13707,133 @@
         </p:blipFill>
         <p:spPr>
           <a:xfrm>
-            <a:off x="2391728" y="4337803"/>
-            <a:ext cx="1080018" cy="1080018"/>
+            <a:off x="5158440" y="4078411"/>
+            <a:ext cx="3133223" cy="833986"/>
           </a:xfrm>
           <a:prstGeom prst="rect">
             <a:avLst/>
           </a:prstGeom>
         </p:spPr>
       </p:pic>
-      <p:pic>
-        <p:nvPicPr>
-          <p:cNvPr id="12" name="Picture 11">
+      <p:sp>
+        <p:nvSpPr>
+          <p:cNvPr id="15" name="Google Shape;47;p2">
             <a:extLst>
               <a:ext uri="{FF2B5EF4-FFF2-40B4-BE49-F238E27FC236}">
-                <a16:creationId xmlns:a16="http://schemas.microsoft.com/office/drawing/2014/main" id="{965A2FD1-ADB6-DEA8-5912-3ED8B0D3CD2F}"/>
+                <a16:creationId xmlns:a16="http://schemas.microsoft.com/office/drawing/2014/main" id="{6F416F82-C328-3B11-B651-75028EB894C6}"/>
               </a:ext>
             </a:extLst>
           </p:cNvPr>
-          <p:cNvPicPr>
-            <a:picLocks noChangeAspect="1"/>
-          </p:cNvPicPr>
-          <p:nvPr/>
-        </p:nvPicPr>
-        <p:blipFill>
-          <a:blip r:embed="rId12"/>
-          <a:stretch>
-            <a:fillRect/>
-          </a:stretch>
-        </p:blipFill>
+          <p:cNvSpPr txBox="1">
+            <a:spLocks noGrp="1"/>
+          </p:cNvSpPr>
+          <p:nvPr>
+            <p:ph type="body" idx="1"/>
+          </p:nvPr>
+        </p:nvSpPr>
         <p:spPr>
           <a:xfrm>
-            <a:off x="3843280" y="4330700"/>
-            <a:ext cx="2511799" cy="1258470"/>
+            <a:off x="228600" y="1143001"/>
+            <a:ext cx="8610600" cy="833986"/>
           </a:xfrm>
           <a:prstGeom prst="rect">
             <a:avLst/>
           </a:prstGeom>
+          <a:noFill/>
+          <a:ln>
+            <a:noFill/>
+          </a:ln>
         </p:spPr>
-      </p:pic>
+        <p:txBody>
+          <a:bodyPr spcFirstLastPara="1" wrap="square" lIns="91425" tIns="45700" rIns="91425" bIns="45700" anchor="t" anchorCtr="0">
+            <a:noAutofit/>
+          </a:bodyPr>
+          <a:lstStyle/>
+          <a:p>
+            <a:pPr marL="342900" marR="0" lvl="0" indent="-139700" algn="l" rtl="0">
+              <a:spcBef>
+                <a:spcPts val="0"/>
+              </a:spcBef>
+              <a:spcAft>
+                <a:spcPts val="0"/>
+              </a:spcAft>
+              <a:buClr>
+                <a:schemeClr val="dk1"/>
+              </a:buClr>
+              <a:buSzPts val="3200"/>
+              <a:buFont typeface="Arial"/>
+              <a:buNone/>
+            </a:pPr>
+            <a:r>
+              <a:rPr lang="en-US" sz="2000" dirty="0"/>
+              <a:t>Tools</a:t>
+            </a:r>
+            <a:r>
+              <a:rPr lang="en-US" sz="2000" dirty="0">
+                <a:solidFill>
+                  <a:schemeClr val="dk1"/>
+                </a:solidFill>
+                <a:latin typeface="Calibri"/>
+                <a:ea typeface="Calibri"/>
+                <a:cs typeface="Calibri"/>
+                <a:sym typeface="Calibri"/>
+              </a:rPr>
+              <a:t> </a:t>
+            </a:r>
+            <a:r>
+              <a:rPr lang="en-US" sz="2000" dirty="0" err="1">
+                <a:solidFill>
+                  <a:schemeClr val="dk1"/>
+                </a:solidFill>
+                <a:latin typeface="Calibri"/>
+                <a:ea typeface="Calibri"/>
+                <a:cs typeface="Calibri"/>
+                <a:sym typeface="Calibri"/>
+              </a:rPr>
+              <a:t>Pengembangan</a:t>
+            </a:r>
+            <a:r>
+              <a:rPr lang="en-US" sz="2000" dirty="0">
+                <a:solidFill>
+                  <a:schemeClr val="dk1"/>
+                </a:solidFill>
+                <a:latin typeface="Calibri"/>
+                <a:ea typeface="Calibri"/>
+                <a:cs typeface="Calibri"/>
+                <a:sym typeface="Calibri"/>
+              </a:rPr>
+              <a:t> dan </a:t>
+            </a:r>
+            <a:r>
+              <a:rPr lang="en-US" sz="2000" dirty="0" err="1">
+                <a:solidFill>
+                  <a:schemeClr val="dk1"/>
+                </a:solidFill>
+                <a:latin typeface="Calibri"/>
+                <a:ea typeface="Calibri"/>
+                <a:cs typeface="Calibri"/>
+                <a:sym typeface="Calibri"/>
+              </a:rPr>
+              <a:t>Pengujian</a:t>
+            </a:r>
+            <a:endParaRPr sz="2000" dirty="0">
+              <a:solidFill>
+                <a:schemeClr val="dk1"/>
+              </a:solidFill>
+              <a:latin typeface="Calibri"/>
+              <a:ea typeface="Calibri"/>
+              <a:cs typeface="Calibri"/>
+              <a:sym typeface="Calibri"/>
+            </a:endParaRPr>
+          </a:p>
+        </p:txBody>
+      </p:sp>
       <p:pic>
         <p:nvPicPr>
-          <p:cNvPr id="1032" name="Picture 8" descr="XAMPP - Wikipedia">
+          <p:cNvPr id="1026" name="Picture 2" descr="Hostinger | Drupal.org">
             <a:extLst>
               <a:ext uri="{FF2B5EF4-FFF2-40B4-BE49-F238E27FC236}">
-                <a16:creationId xmlns:a16="http://schemas.microsoft.com/office/drawing/2014/main" id="{1C29FBB0-0138-48AD-0608-6FB097910972}"/>
+                <a16:creationId xmlns:a16="http://schemas.microsoft.com/office/drawing/2014/main" id="{DA3F6471-D712-D1A0-AA2C-882E92E3E983}"/>
               </a:ext>
             </a:extLst>
           </p:cNvPr>
@@ -8889,7 +13843,7 @@
           <p:nvPr/>
         </p:nvPicPr>
         <p:blipFill>
-          <a:blip r:embed="rId13">
+          <a:blip r:embed="rId5">
             <a:extLst>
               <a:ext uri="{28A0092B-C50C-407E-A947-70E740481C1C}">
                 <a14:useLocalDpi xmlns:a14="http://schemas.microsoft.com/office/drawing/2010/main" val="0"/>
@@ -8903,8 +13857,8 @@
         </p:blipFill>
         <p:spPr bwMode="auto">
           <a:xfrm>
-            <a:off x="7046626" y="1213250"/>
-            <a:ext cx="1153176" cy="1165860"/>
+            <a:off x="654910" y="4068013"/>
+            <a:ext cx="2928395" cy="965455"/>
           </a:xfrm>
           <a:prstGeom prst="rect">
             <a:avLst/>
@@ -8921,45 +13875,829 @@
           </a:extLst>
         </p:spPr>
       </p:pic>
+    </p:spTree>
+    <p:extLst>
+      <p:ext uri="{BB962C8B-B14F-4D97-AF65-F5344CB8AC3E}">
+        <p14:creationId xmlns:p14="http://schemas.microsoft.com/office/powerpoint/2010/main" val="280765373"/>
+      </p:ext>
+    </p:extLst>
+  </p:cSld>
+  <p:clrMapOvr>
+    <a:masterClrMapping/>
+  </p:clrMapOvr>
+</p:sld>
+</file>
+
+<file path=ppt/slides/slide8.xml><?xml version="1.0" encoding="utf-8"?>
+<p:sld xmlns:a="http://schemas.openxmlformats.org/drawingml/2006/main" xmlns:r="http://schemas.openxmlformats.org/officeDocument/2006/relationships" xmlns:p="http://schemas.openxmlformats.org/presentationml/2006/main">
+  <p:cSld>
+    <p:bg>
+      <p:bgPr>
+        <a:solidFill>
+          <a:schemeClr val="lt1"/>
+        </a:solidFill>
+        <a:effectLst/>
+      </p:bgPr>
+    </p:bg>
+    <p:spTree>
+      <p:nvGrpSpPr>
+        <p:cNvPr id="1" name="Shape 45">
+          <a:extLst>
+            <a:ext uri="{FF2B5EF4-FFF2-40B4-BE49-F238E27FC236}">
+              <a16:creationId xmlns:a16="http://schemas.microsoft.com/office/drawing/2014/main" id="{11D94C28-7F45-8AF5-1233-5278911A0488}"/>
+            </a:ext>
+          </a:extLst>
+        </p:cNvPr>
+        <p:cNvGrpSpPr/>
+        <p:nvPr/>
+      </p:nvGrpSpPr>
+      <p:grpSpPr>
+        <a:xfrm>
+          <a:off x="0" y="0"/>
+          <a:ext cx="0" cy="0"/>
+          <a:chOff x="0" y="0"/>
+          <a:chExt cx="0" cy="0"/>
+        </a:xfrm>
+      </p:grpSpPr>
       <p:sp>
         <p:nvSpPr>
-          <p:cNvPr id="13" name="Kotak Teks 12">
+          <p:cNvPr id="46" name="Google Shape;46;p2">
             <a:extLst>
               <a:ext uri="{FF2B5EF4-FFF2-40B4-BE49-F238E27FC236}">
-                <a16:creationId xmlns:a16="http://schemas.microsoft.com/office/drawing/2014/main" id="{D65BC395-8B7A-32F9-932A-D47B5FD6C974}"/>
+                <a16:creationId xmlns:a16="http://schemas.microsoft.com/office/drawing/2014/main" id="{12655373-0855-DC4A-7C64-42235AF9C495}"/>
               </a:ext>
             </a:extLst>
           </p:cNvPr>
-          <p:cNvSpPr txBox="1"/>
-          <p:nvPr/>
+          <p:cNvSpPr txBox="1">
+            <a:spLocks noGrp="1"/>
+          </p:cNvSpPr>
+          <p:nvPr>
+            <p:ph type="title"/>
+          </p:nvPr>
         </p:nvSpPr>
         <p:spPr>
           <a:xfrm>
-            <a:off x="4691507" y="4033042"/>
-            <a:ext cx="1071127" cy="307777"/>
+            <a:off x="0" y="-146050"/>
+            <a:ext cx="7166610" cy="984250"/>
           </a:xfrm>
           <a:prstGeom prst="rect">
             <a:avLst/>
           </a:prstGeom>
           <a:noFill/>
+          <a:ln w="9525" cap="flat" cmpd="sng">
+            <a:noFill/>
+            <a:prstDash val="solid"/>
+            <a:miter lim="800000"/>
+            <a:headEnd type="none" w="sm" len="sm"/>
+            <a:tailEnd type="none" w="sm" len="sm"/>
+          </a:ln>
         </p:spPr>
         <p:txBody>
-          <a:bodyPr wrap="none" rtlCol="0">
-            <a:spAutoFit/>
+          <a:bodyPr spcFirstLastPara="1" wrap="square" lIns="91425" tIns="45700" rIns="91425" bIns="45700" anchor="ctr" anchorCtr="0">
+            <a:noAutofit/>
           </a:bodyPr>
           <a:lstStyle/>
           <a:p>
-            <a:r>
-              <a:rPr lang="id-ID" dirty="0"/>
-              <a:t>Admin LTE</a:t>
+            <a:pPr marL="0" lvl="0" indent="0" algn="l" rtl="0">
+              <a:spcBef>
+                <a:spcPts val="0"/>
+              </a:spcBef>
+              <a:spcAft>
+                <a:spcPts val="0"/>
+              </a:spcAft>
+              <a:buClr>
+                <a:schemeClr val="lt1"/>
+              </a:buClr>
+              <a:buSzPts val="4000"/>
+              <a:buFont typeface="Calibri"/>
+              <a:buNone/>
+            </a:pPr>
+            <a:r>
+              <a:rPr lang="en-US" sz="2400" dirty="0">
+                <a:solidFill>
+                  <a:schemeClr val="lt1"/>
+                </a:solidFill>
+                <a:latin typeface="Times New Roman" panose="02020603050405020304" pitchFamily="18" charset="0"/>
+                <a:cs typeface="Times New Roman" panose="02020603050405020304" pitchFamily="18" charset="0"/>
+              </a:rPr>
+              <a:t>USE CASE DIAGRAM USER</a:t>
             </a:r>
           </a:p>
         </p:txBody>
       </p:sp>
+      <p:sp>
+        <p:nvSpPr>
+          <p:cNvPr id="47" name="Google Shape;47;p2">
+            <a:extLst>
+              <a:ext uri="{FF2B5EF4-FFF2-40B4-BE49-F238E27FC236}">
+                <a16:creationId xmlns:a16="http://schemas.microsoft.com/office/drawing/2014/main" id="{71095A81-A9E3-5852-22D4-45B6B637F1E9}"/>
+              </a:ext>
+            </a:extLst>
+          </p:cNvPr>
+          <p:cNvSpPr txBox="1">
+            <a:spLocks noGrp="1"/>
+          </p:cNvSpPr>
+          <p:nvPr>
+            <p:ph type="body" idx="1"/>
+          </p:nvPr>
+        </p:nvSpPr>
+        <p:spPr>
+          <a:xfrm>
+            <a:off x="4765504" y="1145894"/>
+            <a:ext cx="4073696" cy="3819645"/>
+          </a:xfrm>
+          <a:prstGeom prst="rect">
+            <a:avLst/>
+          </a:prstGeom>
+          <a:noFill/>
+          <a:ln>
+            <a:noFill/>
+          </a:ln>
+        </p:spPr>
+        <p:txBody>
+          <a:bodyPr spcFirstLastPara="1" wrap="square" lIns="91425" tIns="45700" rIns="91425" bIns="45700" anchor="t" anchorCtr="0">
+            <a:noAutofit/>
+          </a:bodyPr>
+          <a:lstStyle/>
+          <a:p>
+            <a:pPr marL="342900" indent="-139700">
+              <a:spcBef>
+                <a:spcPts val="0"/>
+              </a:spcBef>
+              <a:buSzPts val="3200"/>
+              <a:buNone/>
+            </a:pPr>
+            <a:r>
+              <a:rPr lang="en-US" sz="2000" dirty="0">
+                <a:effectLst/>
+                <a:latin typeface="Calibri" panose="020F0502020204030204" pitchFamily="34" charset="0"/>
+                <a:ea typeface="Calibri" panose="020F0502020204030204" pitchFamily="34" charset="0"/>
+                <a:cs typeface="Calibri" panose="020F0502020204030204" pitchFamily="34" charset="0"/>
+              </a:rPr>
+              <a:t>	Use case diagram user </a:t>
+            </a:r>
+            <a:r>
+              <a:rPr lang="en-US" sz="2000" dirty="0" err="1">
+                <a:effectLst/>
+                <a:latin typeface="Calibri" panose="020F0502020204030204" pitchFamily="34" charset="0"/>
+                <a:ea typeface="Calibri" panose="020F0502020204030204" pitchFamily="34" charset="0"/>
+                <a:cs typeface="Calibri" panose="020F0502020204030204" pitchFamily="34" charset="0"/>
+              </a:rPr>
+              <a:t>menggambarkan</a:t>
+            </a:r>
+            <a:r>
+              <a:rPr lang="en-US" sz="2000" dirty="0">
+                <a:effectLst/>
+                <a:latin typeface="Calibri" panose="020F0502020204030204" pitchFamily="34" charset="0"/>
+                <a:ea typeface="Calibri" panose="020F0502020204030204" pitchFamily="34" charset="0"/>
+                <a:cs typeface="Calibri" panose="020F0502020204030204" pitchFamily="34" charset="0"/>
+              </a:rPr>
+              <a:t> </a:t>
+            </a:r>
+            <a:r>
+              <a:rPr lang="en-US" sz="2000" dirty="0" err="1">
+                <a:effectLst/>
+                <a:latin typeface="Calibri" panose="020F0502020204030204" pitchFamily="34" charset="0"/>
+                <a:ea typeface="Calibri" panose="020F0502020204030204" pitchFamily="34" charset="0"/>
+                <a:cs typeface="Calibri" panose="020F0502020204030204" pitchFamily="34" charset="0"/>
+              </a:rPr>
+              <a:t>alur</a:t>
+            </a:r>
+            <a:r>
+              <a:rPr lang="en-US" sz="2000" dirty="0">
+                <a:latin typeface="Calibri" panose="020F0502020204030204" pitchFamily="34" charset="0"/>
+                <a:ea typeface="Calibri" panose="020F0502020204030204" pitchFamily="34" charset="0"/>
+                <a:cs typeface="Calibri" panose="020F0502020204030204" pitchFamily="34" charset="0"/>
+              </a:rPr>
+              <a:t> </a:t>
+            </a:r>
+            <a:r>
+              <a:rPr lang="en-US" sz="2000" dirty="0" err="1">
+                <a:effectLst/>
+                <a:latin typeface="Calibri" panose="020F0502020204030204" pitchFamily="34" charset="0"/>
+                <a:ea typeface="Calibri" panose="020F0502020204030204" pitchFamily="34" charset="0"/>
+                <a:cs typeface="Calibri" panose="020F0502020204030204" pitchFamily="34" charset="0"/>
+              </a:rPr>
+              <a:t>interaksi</a:t>
+            </a:r>
+            <a:r>
+              <a:rPr lang="en-US" sz="2000" dirty="0">
+                <a:effectLst/>
+                <a:latin typeface="Calibri" panose="020F0502020204030204" pitchFamily="34" charset="0"/>
+                <a:ea typeface="Calibri" panose="020F0502020204030204" pitchFamily="34" charset="0"/>
+                <a:cs typeface="Calibri" panose="020F0502020204030204" pitchFamily="34" charset="0"/>
+              </a:rPr>
+              <a:t> </a:t>
+            </a:r>
+            <a:r>
+              <a:rPr lang="en-US" sz="2000" dirty="0" err="1">
+                <a:effectLst/>
+                <a:latin typeface="Calibri" panose="020F0502020204030204" pitchFamily="34" charset="0"/>
+                <a:ea typeface="Calibri" panose="020F0502020204030204" pitchFamily="34" charset="0"/>
+                <a:cs typeface="Calibri" panose="020F0502020204030204" pitchFamily="34" charset="0"/>
+              </a:rPr>
+              <a:t>antara</a:t>
+            </a:r>
+            <a:r>
+              <a:rPr lang="en-US" sz="2000" dirty="0">
+                <a:effectLst/>
+                <a:latin typeface="Calibri" panose="020F0502020204030204" pitchFamily="34" charset="0"/>
+                <a:ea typeface="Calibri" panose="020F0502020204030204" pitchFamily="34" charset="0"/>
+                <a:cs typeface="Calibri" panose="020F0502020204030204" pitchFamily="34" charset="0"/>
+              </a:rPr>
+              <a:t> user dan </a:t>
+            </a:r>
+            <a:r>
+              <a:rPr lang="en-US" sz="2000" dirty="0" err="1">
+                <a:effectLst/>
+                <a:latin typeface="Calibri" panose="020F0502020204030204" pitchFamily="34" charset="0"/>
+                <a:ea typeface="Calibri" panose="020F0502020204030204" pitchFamily="34" charset="0"/>
+                <a:cs typeface="Calibri" panose="020F0502020204030204" pitchFamily="34" charset="0"/>
+              </a:rPr>
+              <a:t>berbagai</a:t>
+            </a:r>
+            <a:r>
+              <a:rPr lang="en-US" sz="2000" dirty="0">
+                <a:effectLst/>
+                <a:latin typeface="Calibri" panose="020F0502020204030204" pitchFamily="34" charset="0"/>
+                <a:ea typeface="Calibri" panose="020F0502020204030204" pitchFamily="34" charset="0"/>
+                <a:cs typeface="Calibri" panose="020F0502020204030204" pitchFamily="34" charset="0"/>
+              </a:rPr>
+              <a:t> </a:t>
+            </a:r>
+            <a:r>
+              <a:rPr lang="en-US" sz="2000" dirty="0" err="1">
+                <a:effectLst/>
+                <a:latin typeface="Calibri" panose="020F0502020204030204" pitchFamily="34" charset="0"/>
+                <a:ea typeface="Calibri" panose="020F0502020204030204" pitchFamily="34" charset="0"/>
+                <a:cs typeface="Calibri" panose="020F0502020204030204" pitchFamily="34" charset="0"/>
+              </a:rPr>
+              <a:t>fitur</a:t>
+            </a:r>
+            <a:r>
+              <a:rPr lang="en-US" sz="2000" dirty="0">
+                <a:latin typeface="Calibri" panose="020F0502020204030204" pitchFamily="34" charset="0"/>
+                <a:ea typeface="Calibri" panose="020F0502020204030204" pitchFamily="34" charset="0"/>
+                <a:cs typeface="Calibri" panose="020F0502020204030204" pitchFamily="34" charset="0"/>
+              </a:rPr>
+              <a:t> </a:t>
+            </a:r>
+            <a:r>
+              <a:rPr lang="en-US" sz="2000" dirty="0" err="1">
+                <a:effectLst/>
+                <a:latin typeface="Calibri" panose="020F0502020204030204" pitchFamily="34" charset="0"/>
+                <a:ea typeface="Calibri" panose="020F0502020204030204" pitchFamily="34" charset="0"/>
+                <a:cs typeface="Calibri" panose="020F0502020204030204" pitchFamily="34" charset="0"/>
+              </a:rPr>
+              <a:t>dalam</a:t>
+            </a:r>
+            <a:r>
+              <a:rPr lang="en-US" sz="2000" dirty="0">
+                <a:effectLst/>
+                <a:latin typeface="Calibri" panose="020F0502020204030204" pitchFamily="34" charset="0"/>
+                <a:ea typeface="Calibri" panose="020F0502020204030204" pitchFamily="34" charset="0"/>
+                <a:cs typeface="Calibri" panose="020F0502020204030204" pitchFamily="34" charset="0"/>
+              </a:rPr>
+              <a:t> </a:t>
+            </a:r>
+            <a:r>
+              <a:rPr lang="en-US" sz="2000" dirty="0" err="1">
+                <a:effectLst/>
+                <a:latin typeface="Calibri" panose="020F0502020204030204" pitchFamily="34" charset="0"/>
+                <a:ea typeface="Calibri" panose="020F0502020204030204" pitchFamily="34" charset="0"/>
+                <a:cs typeface="Calibri" panose="020F0502020204030204" pitchFamily="34" charset="0"/>
+              </a:rPr>
+              <a:t>sistem</a:t>
+            </a:r>
+            <a:r>
+              <a:rPr lang="en-US" sz="2000" dirty="0">
+                <a:effectLst/>
+                <a:latin typeface="Calibri" panose="020F0502020204030204" pitchFamily="34" charset="0"/>
+                <a:ea typeface="Calibri" panose="020F0502020204030204" pitchFamily="34" charset="0"/>
+                <a:cs typeface="Calibri" panose="020F0502020204030204" pitchFamily="34" charset="0"/>
+              </a:rPr>
+              <a:t> showroom </a:t>
+            </a:r>
+            <a:r>
+              <a:rPr lang="en-US" sz="2000" dirty="0" err="1">
+                <a:effectLst/>
+                <a:latin typeface="Calibri" panose="020F0502020204030204" pitchFamily="34" charset="0"/>
+                <a:ea typeface="Calibri" panose="020F0502020204030204" pitchFamily="34" charset="0"/>
+                <a:cs typeface="Calibri" panose="020F0502020204030204" pitchFamily="34" charset="0"/>
+              </a:rPr>
+              <a:t>mobil</a:t>
+            </a:r>
+            <a:r>
+              <a:rPr lang="en-US" sz="2000" dirty="0">
+                <a:effectLst/>
+                <a:latin typeface="Calibri" panose="020F0502020204030204" pitchFamily="34" charset="0"/>
+                <a:ea typeface="Calibri" panose="020F0502020204030204" pitchFamily="34" charset="0"/>
+                <a:cs typeface="Calibri" panose="020F0502020204030204" pitchFamily="34" charset="0"/>
+              </a:rPr>
+              <a:t>. </a:t>
+            </a:r>
+            <a:endParaRPr lang="en-US" sz="2000" dirty="0">
+              <a:solidFill>
+                <a:schemeClr val="dk1"/>
+              </a:solidFill>
+              <a:latin typeface="Calibri" panose="020F0502020204030204" pitchFamily="34" charset="0"/>
+              <a:cs typeface="Calibri" panose="020F0502020204030204" pitchFamily="34" charset="0"/>
+              <a:sym typeface="Calibri"/>
+            </a:endParaRPr>
+          </a:p>
+          <a:p>
+            <a:pPr marL="342900" marR="0" lvl="0" indent="-139700" algn="l" rtl="0">
+              <a:spcBef>
+                <a:spcPts val="0"/>
+              </a:spcBef>
+              <a:spcAft>
+                <a:spcPts val="0"/>
+              </a:spcAft>
+              <a:buClr>
+                <a:schemeClr val="dk1"/>
+              </a:buClr>
+              <a:buSzPts val="3200"/>
+              <a:buFont typeface="Arial"/>
+              <a:buNone/>
+            </a:pPr>
+            <a:endParaRPr lang="en-US" sz="2000" dirty="0">
+              <a:solidFill>
+                <a:schemeClr val="dk1"/>
+              </a:solidFill>
+              <a:latin typeface="Calibri" panose="020F0502020204030204" pitchFamily="34" charset="0"/>
+              <a:cs typeface="Calibri" panose="020F0502020204030204" pitchFamily="34" charset="0"/>
+              <a:sym typeface="Calibri"/>
+            </a:endParaRPr>
+          </a:p>
+        </p:txBody>
+      </p:sp>
+      <p:pic>
+        <p:nvPicPr>
+          <p:cNvPr id="2" name="Gambar 1">
+            <a:extLst>
+              <a:ext uri="{FF2B5EF4-FFF2-40B4-BE49-F238E27FC236}">
+                <a16:creationId xmlns:a16="http://schemas.microsoft.com/office/drawing/2014/main" id="{8DDCAA18-CD6A-76E6-B18B-20DF0E8067FF}"/>
+              </a:ext>
+            </a:extLst>
+          </p:cNvPr>
+          <p:cNvPicPr>
+            <a:picLocks noChangeAspect="1"/>
+          </p:cNvPicPr>
+          <p:nvPr/>
+        </p:nvPicPr>
+        <p:blipFill>
+          <a:blip r:embed="rId3" cstate="print">
+            <a:extLst>
+              <a:ext uri="{28A0092B-C50C-407E-A947-70E740481C1C}">
+                <a14:useLocalDpi xmlns:a14="http://schemas.microsoft.com/office/drawing/2010/main" val="0"/>
+              </a:ext>
+            </a:extLst>
+          </a:blip>
+          <a:srcRect/>
+          <a:stretch>
+            <a:fillRect/>
+          </a:stretch>
+        </p:blipFill>
+        <p:spPr bwMode="auto">
+          <a:xfrm>
+            <a:off x="821803" y="1011403"/>
+            <a:ext cx="3556695" cy="4932197"/>
+          </a:xfrm>
+          <a:prstGeom prst="rect">
+            <a:avLst/>
+          </a:prstGeom>
+          <a:noFill/>
+          <a:ln w="3175">
+            <a:solidFill>
+              <a:schemeClr val="tx1"/>
+            </a:solidFill>
+          </a:ln>
+        </p:spPr>
+      </p:pic>
     </p:spTree>
     <p:extLst>
       <p:ext uri="{BB962C8B-B14F-4D97-AF65-F5344CB8AC3E}">
-        <p14:creationId xmlns:p14="http://schemas.microsoft.com/office/powerpoint/2010/main" val="1654267797"/>
+        <p14:creationId xmlns:p14="http://schemas.microsoft.com/office/powerpoint/2010/main" val="2197717128"/>
+      </p:ext>
+    </p:extLst>
+  </p:cSld>
+  <p:clrMapOvr>
+    <a:masterClrMapping/>
+  </p:clrMapOvr>
+</p:sld>
+</file>
+
+<file path=ppt/slides/slide9.xml><?xml version="1.0" encoding="utf-8"?>
+<p:sld xmlns:a="http://schemas.openxmlformats.org/drawingml/2006/main" xmlns:r="http://schemas.openxmlformats.org/officeDocument/2006/relationships" xmlns:p="http://schemas.openxmlformats.org/presentationml/2006/main">
+  <p:cSld>
+    <p:bg>
+      <p:bgPr>
+        <a:solidFill>
+          <a:schemeClr val="lt1"/>
+        </a:solidFill>
+        <a:effectLst/>
+      </p:bgPr>
+    </p:bg>
+    <p:spTree>
+      <p:nvGrpSpPr>
+        <p:cNvPr id="1" name="Shape 45">
+          <a:extLst>
+            <a:ext uri="{FF2B5EF4-FFF2-40B4-BE49-F238E27FC236}">
+              <a16:creationId xmlns:a16="http://schemas.microsoft.com/office/drawing/2014/main" id="{E0394608-B39E-DB63-D354-FC784B4769A4}"/>
+            </a:ext>
+          </a:extLst>
+        </p:cNvPr>
+        <p:cNvGrpSpPr/>
+        <p:nvPr/>
+      </p:nvGrpSpPr>
+      <p:grpSpPr>
+        <a:xfrm>
+          <a:off x="0" y="0"/>
+          <a:ext cx="0" cy="0"/>
+          <a:chOff x="0" y="0"/>
+          <a:chExt cx="0" cy="0"/>
+        </a:xfrm>
+      </p:grpSpPr>
+      <p:sp>
+        <p:nvSpPr>
+          <p:cNvPr id="46" name="Google Shape;46;p2">
+            <a:extLst>
+              <a:ext uri="{FF2B5EF4-FFF2-40B4-BE49-F238E27FC236}">
+                <a16:creationId xmlns:a16="http://schemas.microsoft.com/office/drawing/2014/main" id="{048E35CD-4033-0506-40A0-E6111E3C0675}"/>
+              </a:ext>
+            </a:extLst>
+          </p:cNvPr>
+          <p:cNvSpPr txBox="1">
+            <a:spLocks noGrp="1"/>
+          </p:cNvSpPr>
+          <p:nvPr>
+            <p:ph type="title"/>
+          </p:nvPr>
+        </p:nvSpPr>
+        <p:spPr>
+          <a:xfrm>
+            <a:off x="0" y="-146050"/>
+            <a:ext cx="7166610" cy="984250"/>
+          </a:xfrm>
+          <a:prstGeom prst="rect">
+            <a:avLst/>
+          </a:prstGeom>
+          <a:noFill/>
+          <a:ln w="9525" cap="flat" cmpd="sng">
+            <a:noFill/>
+            <a:prstDash val="solid"/>
+            <a:miter lim="800000"/>
+            <a:headEnd type="none" w="sm" len="sm"/>
+            <a:tailEnd type="none" w="sm" len="sm"/>
+          </a:ln>
+        </p:spPr>
+        <p:txBody>
+          <a:bodyPr spcFirstLastPara="1" wrap="square" lIns="91425" tIns="45700" rIns="91425" bIns="45700" anchor="ctr" anchorCtr="0">
+            <a:noAutofit/>
+          </a:bodyPr>
+          <a:lstStyle/>
+          <a:p>
+            <a:pPr marL="0" lvl="0" indent="0" algn="l" rtl="0">
+              <a:spcBef>
+                <a:spcPts val="0"/>
+              </a:spcBef>
+              <a:spcAft>
+                <a:spcPts val="0"/>
+              </a:spcAft>
+              <a:buClr>
+                <a:schemeClr val="lt1"/>
+              </a:buClr>
+              <a:buSzPts val="4000"/>
+              <a:buFont typeface="Calibri"/>
+              <a:buNone/>
+            </a:pPr>
+            <a:r>
+              <a:rPr lang="en-US" sz="2400" dirty="0">
+                <a:solidFill>
+                  <a:schemeClr val="lt1"/>
+                </a:solidFill>
+                <a:latin typeface="Times New Roman" panose="02020603050405020304" pitchFamily="18" charset="0"/>
+                <a:cs typeface="Times New Roman" panose="02020603050405020304" pitchFamily="18" charset="0"/>
+              </a:rPr>
+              <a:t>USE CASE DIAGRAM ADMIN</a:t>
+            </a:r>
+            <a:endParaRPr sz="2400" dirty="0">
+              <a:solidFill>
+                <a:schemeClr val="lt1"/>
+              </a:solidFill>
+              <a:latin typeface="Times New Roman" panose="02020603050405020304" pitchFamily="18" charset="0"/>
+              <a:cs typeface="Times New Roman" panose="02020603050405020304" pitchFamily="18" charset="0"/>
+            </a:endParaRPr>
+          </a:p>
+        </p:txBody>
+      </p:sp>
+      <p:sp>
+        <p:nvSpPr>
+          <p:cNvPr id="47" name="Google Shape;47;p2">
+            <a:extLst>
+              <a:ext uri="{FF2B5EF4-FFF2-40B4-BE49-F238E27FC236}">
+                <a16:creationId xmlns:a16="http://schemas.microsoft.com/office/drawing/2014/main" id="{364C7A54-7832-D789-16FB-737E5BDE420B}"/>
+              </a:ext>
+            </a:extLst>
+          </p:cNvPr>
+          <p:cNvSpPr txBox="1">
+            <a:spLocks noGrp="1"/>
+          </p:cNvSpPr>
+          <p:nvPr>
+            <p:ph type="body" idx="1"/>
+          </p:nvPr>
+        </p:nvSpPr>
+        <p:spPr>
+          <a:xfrm>
+            <a:off x="4765504" y="1145894"/>
+            <a:ext cx="4073696" cy="3819645"/>
+          </a:xfrm>
+          <a:prstGeom prst="rect">
+            <a:avLst/>
+          </a:prstGeom>
+          <a:noFill/>
+          <a:ln>
+            <a:noFill/>
+          </a:ln>
+        </p:spPr>
+        <p:txBody>
+          <a:bodyPr spcFirstLastPara="1" wrap="square" lIns="91425" tIns="45700" rIns="91425" bIns="45700" anchor="t" anchorCtr="0">
+            <a:noAutofit/>
+          </a:bodyPr>
+          <a:lstStyle/>
+          <a:p>
+            <a:pPr marL="342900" indent="-139700">
+              <a:spcBef>
+                <a:spcPts val="0"/>
+              </a:spcBef>
+              <a:buSzPts val="3200"/>
+              <a:buNone/>
+            </a:pPr>
+            <a:r>
+              <a:rPr lang="en-US" sz="2000" dirty="0">
+                <a:effectLst/>
+                <a:latin typeface="Calibri" panose="020F0502020204030204" pitchFamily="34" charset="0"/>
+                <a:ea typeface="Calibri" panose="020F0502020204030204" pitchFamily="34" charset="0"/>
+                <a:cs typeface="Calibri" panose="020F0502020204030204" pitchFamily="34" charset="0"/>
+              </a:rPr>
+              <a:t>	Use case diagram role admin </a:t>
+            </a:r>
+            <a:r>
+              <a:rPr lang="en-US" sz="2000" dirty="0" err="1">
+                <a:effectLst/>
+                <a:latin typeface="Calibri" panose="020F0502020204030204" pitchFamily="34" charset="0"/>
+                <a:ea typeface="Calibri" panose="020F0502020204030204" pitchFamily="34" charset="0"/>
+                <a:cs typeface="Calibri" panose="020F0502020204030204" pitchFamily="34" charset="0"/>
+              </a:rPr>
+              <a:t>menggambarkan</a:t>
+            </a:r>
+            <a:r>
+              <a:rPr lang="en-US" sz="2000" dirty="0">
+                <a:effectLst/>
+                <a:latin typeface="Calibri" panose="020F0502020204030204" pitchFamily="34" charset="0"/>
+                <a:ea typeface="Calibri" panose="020F0502020204030204" pitchFamily="34" charset="0"/>
+                <a:cs typeface="Calibri" panose="020F0502020204030204" pitchFamily="34" charset="0"/>
+              </a:rPr>
+              <a:t> </a:t>
+            </a:r>
+            <a:r>
+              <a:rPr lang="en-US" sz="2000" dirty="0" err="1">
+                <a:effectLst/>
+                <a:latin typeface="Calibri" panose="020F0502020204030204" pitchFamily="34" charset="0"/>
+                <a:ea typeface="Calibri" panose="020F0502020204030204" pitchFamily="34" charset="0"/>
+                <a:cs typeface="Calibri" panose="020F0502020204030204" pitchFamily="34" charset="0"/>
+              </a:rPr>
+              <a:t>interaksi</a:t>
+            </a:r>
+            <a:r>
+              <a:rPr lang="en-US" sz="2000" dirty="0">
+                <a:effectLst/>
+                <a:latin typeface="Calibri" panose="020F0502020204030204" pitchFamily="34" charset="0"/>
+                <a:ea typeface="Calibri" panose="020F0502020204030204" pitchFamily="34" charset="0"/>
+                <a:cs typeface="Calibri" panose="020F0502020204030204" pitchFamily="34" charset="0"/>
+              </a:rPr>
+              <a:t> </a:t>
+            </a:r>
+            <a:r>
+              <a:rPr lang="en-US" sz="2000" dirty="0" err="1">
+                <a:effectLst/>
+                <a:latin typeface="Calibri" panose="020F0502020204030204" pitchFamily="34" charset="0"/>
+                <a:ea typeface="Calibri" panose="020F0502020204030204" pitchFamily="34" charset="0"/>
+                <a:cs typeface="Calibri" panose="020F0502020204030204" pitchFamily="34" charset="0"/>
+              </a:rPr>
+              <a:t>antara</a:t>
+            </a:r>
+            <a:r>
+              <a:rPr lang="en-US" sz="2000" dirty="0">
+                <a:effectLst/>
+                <a:latin typeface="Calibri" panose="020F0502020204030204" pitchFamily="34" charset="0"/>
+                <a:ea typeface="Calibri" panose="020F0502020204030204" pitchFamily="34" charset="0"/>
+                <a:cs typeface="Calibri" panose="020F0502020204030204" pitchFamily="34" charset="0"/>
+              </a:rPr>
+              <a:t> admin dan </a:t>
+            </a:r>
+            <a:r>
+              <a:rPr lang="en-US" sz="2000" dirty="0" err="1">
+                <a:effectLst/>
+                <a:latin typeface="Calibri" panose="020F0502020204030204" pitchFamily="34" charset="0"/>
+                <a:ea typeface="Calibri" panose="020F0502020204030204" pitchFamily="34" charset="0"/>
+                <a:cs typeface="Calibri" panose="020F0502020204030204" pitchFamily="34" charset="0"/>
+              </a:rPr>
+              <a:t>fitur-fitur</a:t>
+            </a:r>
+            <a:r>
+              <a:rPr lang="en-US" sz="2000" dirty="0">
+                <a:effectLst/>
+                <a:latin typeface="Calibri" panose="020F0502020204030204" pitchFamily="34" charset="0"/>
+                <a:ea typeface="Calibri" panose="020F0502020204030204" pitchFamily="34" charset="0"/>
+                <a:cs typeface="Calibri" panose="020F0502020204030204" pitchFamily="34" charset="0"/>
+              </a:rPr>
+              <a:t> </a:t>
+            </a:r>
+            <a:r>
+              <a:rPr lang="en-US" sz="2000" dirty="0" err="1">
+                <a:effectLst/>
+                <a:latin typeface="Calibri" panose="020F0502020204030204" pitchFamily="34" charset="0"/>
+                <a:ea typeface="Calibri" panose="020F0502020204030204" pitchFamily="34" charset="0"/>
+                <a:cs typeface="Calibri" panose="020F0502020204030204" pitchFamily="34" charset="0"/>
+              </a:rPr>
+              <a:t>dalam</a:t>
+            </a:r>
+            <a:r>
+              <a:rPr lang="en-US" sz="2000" dirty="0">
+                <a:effectLst/>
+                <a:latin typeface="Calibri" panose="020F0502020204030204" pitchFamily="34" charset="0"/>
+                <a:ea typeface="Calibri" panose="020F0502020204030204" pitchFamily="34" charset="0"/>
+                <a:cs typeface="Calibri" panose="020F0502020204030204" pitchFamily="34" charset="0"/>
+              </a:rPr>
+              <a:t> </a:t>
+            </a:r>
+            <a:r>
+              <a:rPr lang="en-US" sz="2000" dirty="0" err="1">
+                <a:effectLst/>
+                <a:latin typeface="Calibri" panose="020F0502020204030204" pitchFamily="34" charset="0"/>
+                <a:ea typeface="Calibri" panose="020F0502020204030204" pitchFamily="34" charset="0"/>
+                <a:cs typeface="Calibri" panose="020F0502020204030204" pitchFamily="34" charset="0"/>
+              </a:rPr>
+              <a:t>sistem</a:t>
+            </a:r>
+            <a:r>
+              <a:rPr lang="en-US" sz="2000" dirty="0">
+                <a:effectLst/>
+                <a:latin typeface="Calibri" panose="020F0502020204030204" pitchFamily="34" charset="0"/>
+                <a:ea typeface="Calibri" panose="020F0502020204030204" pitchFamily="34" charset="0"/>
+                <a:cs typeface="Calibri" panose="020F0502020204030204" pitchFamily="34" charset="0"/>
+              </a:rPr>
+              <a:t>. Admin </a:t>
+            </a:r>
+            <a:r>
+              <a:rPr lang="en-US" sz="2000" dirty="0" err="1">
+                <a:effectLst/>
+                <a:latin typeface="Calibri" panose="020F0502020204030204" pitchFamily="34" charset="0"/>
+                <a:ea typeface="Calibri" panose="020F0502020204030204" pitchFamily="34" charset="0"/>
+                <a:cs typeface="Calibri" panose="020F0502020204030204" pitchFamily="34" charset="0"/>
+              </a:rPr>
+              <a:t>dapat</a:t>
+            </a:r>
+            <a:r>
+              <a:rPr lang="en-US" sz="2000" dirty="0">
+                <a:effectLst/>
+                <a:latin typeface="Calibri" panose="020F0502020204030204" pitchFamily="34" charset="0"/>
+                <a:ea typeface="Calibri" panose="020F0502020204030204" pitchFamily="34" charset="0"/>
+                <a:cs typeface="Calibri" panose="020F0502020204030204" pitchFamily="34" charset="0"/>
+              </a:rPr>
+              <a:t> login </a:t>
+            </a:r>
+            <a:r>
+              <a:rPr lang="en-US" sz="2000" dirty="0" err="1">
+                <a:effectLst/>
+                <a:latin typeface="Calibri" panose="020F0502020204030204" pitchFamily="34" charset="0"/>
+                <a:ea typeface="Calibri" panose="020F0502020204030204" pitchFamily="34" charset="0"/>
+                <a:cs typeface="Calibri" panose="020F0502020204030204" pitchFamily="34" charset="0"/>
+              </a:rPr>
+              <a:t>ke</a:t>
+            </a:r>
+            <a:r>
+              <a:rPr lang="en-US" sz="2000" dirty="0">
+                <a:effectLst/>
+                <a:latin typeface="Calibri" panose="020F0502020204030204" pitchFamily="34" charset="0"/>
+                <a:ea typeface="Calibri" panose="020F0502020204030204" pitchFamily="34" charset="0"/>
+                <a:cs typeface="Calibri" panose="020F0502020204030204" pitchFamily="34" charset="0"/>
+              </a:rPr>
+              <a:t> </a:t>
+            </a:r>
+            <a:r>
+              <a:rPr lang="en-US" sz="2000" dirty="0" err="1">
+                <a:effectLst/>
+                <a:latin typeface="Calibri" panose="020F0502020204030204" pitchFamily="34" charset="0"/>
+                <a:ea typeface="Calibri" panose="020F0502020204030204" pitchFamily="34" charset="0"/>
+                <a:cs typeface="Calibri" panose="020F0502020204030204" pitchFamily="34" charset="0"/>
+              </a:rPr>
+              <a:t>sistem</a:t>
+            </a:r>
+            <a:r>
+              <a:rPr lang="en-US" sz="2000" dirty="0">
+                <a:effectLst/>
+                <a:latin typeface="Calibri" panose="020F0502020204030204" pitchFamily="34" charset="0"/>
+                <a:ea typeface="Calibri" panose="020F0502020204030204" pitchFamily="34" charset="0"/>
+                <a:cs typeface="Calibri" panose="020F0502020204030204" pitchFamily="34" charset="0"/>
+              </a:rPr>
+              <a:t> dan </a:t>
+            </a:r>
+            <a:r>
+              <a:rPr lang="en-US" sz="2000" dirty="0" err="1">
+                <a:effectLst/>
+                <a:latin typeface="Calibri" panose="020F0502020204030204" pitchFamily="34" charset="0"/>
+                <a:ea typeface="Calibri" panose="020F0502020204030204" pitchFamily="34" charset="0"/>
+                <a:cs typeface="Calibri" panose="020F0502020204030204" pitchFamily="34" charset="0"/>
+              </a:rPr>
+              <a:t>mengelola</a:t>
+            </a:r>
+            <a:r>
+              <a:rPr lang="en-US" sz="2000" dirty="0">
+                <a:effectLst/>
+                <a:latin typeface="Calibri" panose="020F0502020204030204" pitchFamily="34" charset="0"/>
+                <a:ea typeface="Calibri" panose="020F0502020204030204" pitchFamily="34" charset="0"/>
+                <a:cs typeface="Calibri" panose="020F0502020204030204" pitchFamily="34" charset="0"/>
+              </a:rPr>
+              <a:t> </a:t>
+            </a:r>
+            <a:r>
+              <a:rPr lang="en-US" sz="2000" dirty="0" err="1">
+                <a:effectLst/>
+                <a:latin typeface="Calibri" panose="020F0502020204030204" pitchFamily="34" charset="0"/>
+                <a:ea typeface="Calibri" panose="020F0502020204030204" pitchFamily="34" charset="0"/>
+                <a:cs typeface="Calibri" panose="020F0502020204030204" pitchFamily="34" charset="0"/>
+              </a:rPr>
+              <a:t>berbagai</a:t>
+            </a:r>
+            <a:r>
+              <a:rPr lang="en-US" sz="2000" dirty="0">
+                <a:effectLst/>
+                <a:latin typeface="Calibri" panose="020F0502020204030204" pitchFamily="34" charset="0"/>
+                <a:ea typeface="Calibri" panose="020F0502020204030204" pitchFamily="34" charset="0"/>
+                <a:cs typeface="Calibri" panose="020F0502020204030204" pitchFamily="34" charset="0"/>
+              </a:rPr>
+              <a:t> data.</a:t>
+            </a:r>
+            <a:endParaRPr lang="en-US" sz="2400" dirty="0">
+              <a:solidFill>
+                <a:schemeClr val="dk1"/>
+              </a:solidFill>
+              <a:latin typeface="Calibri" panose="020F0502020204030204" pitchFamily="34" charset="0"/>
+              <a:cs typeface="Calibri" panose="020F0502020204030204" pitchFamily="34" charset="0"/>
+              <a:sym typeface="Calibri"/>
+            </a:endParaRPr>
+          </a:p>
+        </p:txBody>
+      </p:sp>
+      <p:pic>
+        <p:nvPicPr>
+          <p:cNvPr id="3" name="Gambar 2" descr="Sebuah gambar berisi diagram, teks, garis, gambar&#10;&#10;Konten yang dihasilkan AI mungkin salah.">
+            <a:extLst>
+              <a:ext uri="{FF2B5EF4-FFF2-40B4-BE49-F238E27FC236}">
+                <a16:creationId xmlns:a16="http://schemas.microsoft.com/office/drawing/2014/main" id="{1FC69F67-8B97-BCDF-7FD9-3CA36D989A0A}"/>
+              </a:ext>
+            </a:extLst>
+          </p:cNvPr>
+          <p:cNvPicPr>
+            <a:picLocks noChangeAspect="1"/>
+          </p:cNvPicPr>
+          <p:nvPr/>
+        </p:nvPicPr>
+        <p:blipFill>
+          <a:blip r:embed="rId3" cstate="print">
+            <a:extLst>
+              <a:ext uri="{28A0092B-C50C-407E-A947-70E740481C1C}">
+                <a14:useLocalDpi xmlns:a14="http://schemas.microsoft.com/office/drawing/2010/main" val="0"/>
+              </a:ext>
+            </a:extLst>
+          </a:blip>
+          <a:srcRect/>
+          <a:stretch>
+            <a:fillRect/>
+          </a:stretch>
+        </p:blipFill>
+        <p:spPr bwMode="auto">
+          <a:xfrm>
+            <a:off x="778047" y="1027747"/>
+            <a:ext cx="3600450" cy="4802505"/>
+          </a:xfrm>
+          <a:prstGeom prst="rect">
+            <a:avLst/>
+          </a:prstGeom>
+          <a:noFill/>
+          <a:ln w="3175">
+            <a:solidFill>
+              <a:schemeClr val="tx1"/>
+            </a:solidFill>
+          </a:ln>
+        </p:spPr>
+      </p:pic>
+    </p:spTree>
+    <p:extLst>
+      <p:ext uri="{BB962C8B-B14F-4D97-AF65-F5344CB8AC3E}">
+        <p14:creationId xmlns:p14="http://schemas.microsoft.com/office/powerpoint/2010/main" val="3990567980"/>
       </p:ext>
     </p:extLst>
   </p:cSld>

--- a/Penulisan Ilmiah/Sidang/Salinan dari Template Presentasi Sidang.pptx
+++ b/Penulisan Ilmiah/Sidang/Salinan dari Template Presentasi Sidang.pptx
@@ -8,7 +8,7 @@
     <p:sldMasterId id="2147483653" r:id="rId4"/>
   </p:sldMasterIdLst>
   <p:notesMasterIdLst>
-    <p:notesMasterId r:id="rId21"/>
+    <p:notesMasterId r:id="rId22"/>
   </p:notesMasterIdLst>
   <p:sldIdLst>
     <p:sldId id="256" r:id="rId5"/>
@@ -25,8 +25,9 @@
     <p:sldId id="268" r:id="rId16"/>
     <p:sldId id="269" r:id="rId17"/>
     <p:sldId id="270" r:id="rId18"/>
-    <p:sldId id="272" r:id="rId19"/>
-    <p:sldId id="273" r:id="rId20"/>
+    <p:sldId id="274" r:id="rId19"/>
+    <p:sldId id="272" r:id="rId20"/>
+    <p:sldId id="273" r:id="rId21"/>
   </p:sldIdLst>
   <p:sldSz cx="9144000" cy="6858000" type="screen4x3"/>
   <p:notesSz cx="6858000" cy="9144000"/>
@@ -275,7 +276,7 @@
       </p15:sldGuideLst>
     </p:ext>
     <p:ext uri="GoogleSlidesCustomDataVersion2">
-      <go:slidesCustomData xmlns:go="http://customooxmlschemas.google.com/" xmlns:ahyp="http://schemas.microsoft.com/office/drawing/2018/hyperlinkcolor" xmlns:p15="http://schemas.microsoft.com/office/powerpoint/2012/main" xmlns:p14="http://schemas.microsoft.com/office/powerpoint/2010/main" xmlns:com="http://schemas.openxmlformats.org/drawingml/2006/compatibility" xmlns:pvml="urn:schemas-microsoft-com:office:powerpoint" xmlns:v="urn:schemas-microsoft-com:vml" xmlns:o="urn:schemas-microsoft-com:office:office" xmlns:dgm="http://schemas.openxmlformats.org/drawingml/2006/diagram" xmlns:c="http://schemas.openxmlformats.org/drawingml/2006/chart" xmlns:mv="urn:schemas-microsoft-com:mac:vml" xmlns:mc="http://schemas.openxmlformats.org/markup-compatibility/2006" xmlns="" r:id="rId23" roundtripDataSignature="AMtx7miyOvQk19nL71uGzDuqJng56k48+g=="/>
+      <go:slidesCustomData xmlns="" xmlns:mc="http://schemas.openxmlformats.org/markup-compatibility/2006" xmlns:mv="urn:schemas-microsoft-com:mac:vml" xmlns:c="http://schemas.openxmlformats.org/drawingml/2006/chart" xmlns:dgm="http://schemas.openxmlformats.org/drawingml/2006/diagram" xmlns:o="urn:schemas-microsoft-com:office:office" xmlns:v="urn:schemas-microsoft-com:vml" xmlns:pvml="urn:schemas-microsoft-com:office:powerpoint" xmlns:com="http://schemas.openxmlformats.org/drawingml/2006/compatibility" xmlns:p14="http://schemas.microsoft.com/office/powerpoint/2010/main" xmlns:p15="http://schemas.microsoft.com/office/powerpoint/2012/main" xmlns:ahyp="http://schemas.microsoft.com/office/drawing/2018/hyperlinkcolor" xmlns:go="http://customooxmlschemas.google.com/" r:id="rId23" roundtripDataSignature="AMtx7miyOvQk19nL71uGzDuqJng56k48+g=="/>
     </p:ext>
   </p:extLst>
 </p:presentation>
@@ -1469,6 +1470,133 @@
         <p:cNvPr id="1" name="Shape 42">
           <a:extLst>
             <a:ext uri="{FF2B5EF4-FFF2-40B4-BE49-F238E27FC236}">
+              <a16:creationId xmlns:a16="http://schemas.microsoft.com/office/drawing/2014/main" id="{C6171D00-D61F-AA34-DDEA-00043CA807B9}"/>
+            </a:ext>
+          </a:extLst>
+        </p:cNvPr>
+        <p:cNvGrpSpPr/>
+        <p:nvPr/>
+      </p:nvGrpSpPr>
+      <p:grpSpPr>
+        <a:xfrm>
+          <a:off x="0" y="0"/>
+          <a:ext cx="0" cy="0"/>
+          <a:chOff x="0" y="0"/>
+          <a:chExt cx="0" cy="0"/>
+        </a:xfrm>
+      </p:grpSpPr>
+      <p:sp>
+        <p:nvSpPr>
+          <p:cNvPr id="43" name="Google Shape;43;p2:notes">
+            <a:extLst>
+              <a:ext uri="{FF2B5EF4-FFF2-40B4-BE49-F238E27FC236}">
+                <a16:creationId xmlns:a16="http://schemas.microsoft.com/office/drawing/2014/main" id="{B60EA053-631C-BC84-E931-13A5421A23E3}"/>
+              </a:ext>
+            </a:extLst>
+          </p:cNvPr>
+          <p:cNvSpPr txBox="1">
+            <a:spLocks noGrp="1"/>
+          </p:cNvSpPr>
+          <p:nvPr>
+            <p:ph type="body" idx="1"/>
+          </p:nvPr>
+        </p:nvSpPr>
+        <p:spPr>
+          <a:xfrm>
+            <a:off x="685800" y="4343400"/>
+            <a:ext cx="5486400" cy="4114800"/>
+          </a:xfrm>
+          <a:prstGeom prst="rect">
+            <a:avLst/>
+          </a:prstGeom>
+        </p:spPr>
+        <p:txBody>
+          <a:bodyPr spcFirstLastPara="1" wrap="square" lIns="91425" tIns="91425" rIns="91425" bIns="91425" anchor="t" anchorCtr="0">
+            <a:noAutofit/>
+          </a:bodyPr>
+          <a:lstStyle/>
+          <a:p>
+            <a:pPr marL="0" lvl="0" indent="0" algn="l" rtl="0">
+              <a:spcBef>
+                <a:spcPts val="0"/>
+              </a:spcBef>
+              <a:spcAft>
+                <a:spcPts val="0"/>
+              </a:spcAft>
+              <a:buNone/>
+            </a:pPr>
+            <a:endParaRPr/>
+          </a:p>
+        </p:txBody>
+      </p:sp>
+      <p:sp>
+        <p:nvSpPr>
+          <p:cNvPr id="44" name="Google Shape;44;p2:notes">
+            <a:extLst>
+              <a:ext uri="{FF2B5EF4-FFF2-40B4-BE49-F238E27FC236}">
+                <a16:creationId xmlns:a16="http://schemas.microsoft.com/office/drawing/2014/main" id="{BD2C16FD-38F1-8209-348D-10B12AE9DA68}"/>
+              </a:ext>
+            </a:extLst>
+          </p:cNvPr>
+          <p:cNvSpPr>
+            <a:spLocks noGrp="1" noRot="1" noChangeAspect="1"/>
+          </p:cNvSpPr>
+          <p:nvPr>
+            <p:ph type="sldImg" idx="2"/>
+          </p:nvPr>
+        </p:nvSpPr>
+        <p:spPr>
+          <a:xfrm>
+            <a:off x="1143000" y="685800"/>
+            <a:ext cx="4572000" cy="3429000"/>
+          </a:xfrm>
+          <a:custGeom>
+            <a:avLst/>
+            <a:gdLst/>
+            <a:ahLst/>
+            <a:cxnLst/>
+            <a:rect l="l" t="t" r="r" b="b"/>
+            <a:pathLst>
+              <a:path w="120000" h="120000" extrusionOk="0">
+                <a:moveTo>
+                  <a:pt x="0" y="0"/>
+                </a:moveTo>
+                <a:lnTo>
+                  <a:pt x="120000" y="0"/>
+                </a:lnTo>
+                <a:lnTo>
+                  <a:pt x="120000" y="120000"/>
+                </a:lnTo>
+                <a:lnTo>
+                  <a:pt x="0" y="120000"/>
+                </a:lnTo>
+                <a:close/>
+              </a:path>
+            </a:pathLst>
+          </a:custGeom>
+        </p:spPr>
+      </p:sp>
+    </p:spTree>
+    <p:extLst>
+      <p:ext uri="{BB962C8B-B14F-4D97-AF65-F5344CB8AC3E}">
+        <p14:creationId xmlns:p14="http://schemas.microsoft.com/office/powerpoint/2010/main" val="436201756"/>
+      </p:ext>
+    </p:extLst>
+  </p:cSld>
+  <p:clrMapOvr>
+    <a:masterClrMapping/>
+  </p:clrMapOvr>
+</p:notes>
+</file>
+
+<file path=ppt/notesSlides/notesSlide16.xml><?xml version="1.0" encoding="utf-8"?>
+<p:notes xmlns:a="http://schemas.openxmlformats.org/drawingml/2006/main" xmlns:r="http://schemas.openxmlformats.org/officeDocument/2006/relationships" xmlns:p="http://schemas.openxmlformats.org/presentationml/2006/main" showMasterSp="0" showMasterPhAnim="0">
+  <p:cSld>
+    <p:spTree>
+      <p:nvGrpSpPr>
+        <p:cNvPr id="1" name="Shape 42">
+          <a:extLst>
+            <a:ext uri="{FF2B5EF4-FFF2-40B4-BE49-F238E27FC236}">
               <a16:creationId xmlns:a16="http://schemas.microsoft.com/office/drawing/2014/main" id="{8F33CFB6-51FB-BE88-FB10-54C4CCE15F09}"/>
             </a:ext>
           </a:extLst>
@@ -1588,7 +1716,7 @@
 </p:notes>
 </file>
 
-<file path=ppt/notesSlides/notesSlide16.xml><?xml version="1.0" encoding="utf-8"?>
+<file path=ppt/notesSlides/notesSlide17.xml><?xml version="1.0" encoding="utf-8"?>
 <p:notes xmlns:a="http://schemas.openxmlformats.org/drawingml/2006/main" xmlns:r="http://schemas.openxmlformats.org/officeDocument/2006/relationships" xmlns:p="http://schemas.openxmlformats.org/presentationml/2006/main" showMasterSp="0" showMasterPhAnim="0">
   <p:cSld>
     <p:spTree>
@@ -8905,7 +9033,7 @@
           </a:bodyPr>
           <a:lstStyle/>
           <a:p>
-            <a:pPr marL="0" lvl="0" indent="0" algn="ctr" rtl="0">
+            <a:pPr marL="0" lvl="0" indent="0" rtl="0">
               <a:spcBef>
                 <a:spcPts val="0"/>
               </a:spcBef>
@@ -11259,6 +11387,156 @@
         <p:cNvPr id="1" name="Shape 45">
           <a:extLst>
             <a:ext uri="{FF2B5EF4-FFF2-40B4-BE49-F238E27FC236}">
+              <a16:creationId xmlns:a16="http://schemas.microsoft.com/office/drawing/2014/main" id="{8AB3B01A-F31F-75FC-FAAB-6DF1525C12E9}"/>
+            </a:ext>
+          </a:extLst>
+        </p:cNvPr>
+        <p:cNvGrpSpPr/>
+        <p:nvPr/>
+      </p:nvGrpSpPr>
+      <p:grpSpPr>
+        <a:xfrm>
+          <a:off x="0" y="0"/>
+          <a:ext cx="0" cy="0"/>
+          <a:chOff x="0" y="0"/>
+          <a:chExt cx="0" cy="0"/>
+        </a:xfrm>
+      </p:grpSpPr>
+      <p:sp>
+        <p:nvSpPr>
+          <p:cNvPr id="46" name="Google Shape;46;p2">
+            <a:extLst>
+              <a:ext uri="{FF2B5EF4-FFF2-40B4-BE49-F238E27FC236}">
+                <a16:creationId xmlns:a16="http://schemas.microsoft.com/office/drawing/2014/main" id="{496F82D9-16E7-EC33-ED62-65C4C464DC51}"/>
+              </a:ext>
+            </a:extLst>
+          </p:cNvPr>
+          <p:cNvSpPr txBox="1">
+            <a:spLocks noGrp="1"/>
+          </p:cNvSpPr>
+          <p:nvPr>
+            <p:ph type="title"/>
+          </p:nvPr>
+        </p:nvSpPr>
+        <p:spPr>
+          <a:xfrm>
+            <a:off x="0" y="-146050"/>
+            <a:ext cx="7166610" cy="984250"/>
+          </a:xfrm>
+          <a:prstGeom prst="rect">
+            <a:avLst/>
+          </a:prstGeom>
+          <a:noFill/>
+          <a:ln w="9525" cap="flat" cmpd="sng">
+            <a:noFill/>
+            <a:prstDash val="solid"/>
+            <a:miter lim="800000"/>
+            <a:headEnd type="none" w="sm" len="sm"/>
+            <a:tailEnd type="none" w="sm" len="sm"/>
+          </a:ln>
+        </p:spPr>
+        <p:txBody>
+          <a:bodyPr spcFirstLastPara="1" wrap="square" lIns="91425" tIns="45700" rIns="91425" bIns="45700" anchor="ctr" anchorCtr="0">
+            <a:noAutofit/>
+          </a:bodyPr>
+          <a:lstStyle/>
+          <a:p>
+            <a:pPr marL="0" lvl="0" indent="0" algn="l" rtl="0">
+              <a:spcBef>
+                <a:spcPts val="0"/>
+              </a:spcBef>
+              <a:spcAft>
+                <a:spcPts val="0"/>
+              </a:spcAft>
+              <a:buClr>
+                <a:schemeClr val="lt1"/>
+              </a:buClr>
+              <a:buSzPts val="4000"/>
+              <a:buFont typeface="Calibri"/>
+              <a:buNone/>
+            </a:pPr>
+            <a:r>
+              <a:rPr lang="en-US" sz="2400" dirty="0">
+                <a:latin typeface="Times New Roman" panose="02020603050405020304" pitchFamily="18" charset="0"/>
+                <a:cs typeface="Times New Roman" panose="02020603050405020304" pitchFamily="18" charset="0"/>
+              </a:rPr>
+              <a:t>LINK WEBSITE</a:t>
+            </a:r>
+            <a:endParaRPr sz="2400" dirty="0">
+              <a:solidFill>
+                <a:schemeClr val="lt1"/>
+              </a:solidFill>
+              <a:latin typeface="Times New Roman" panose="02020603050405020304" pitchFamily="18" charset="0"/>
+              <a:cs typeface="Times New Roman" panose="02020603050405020304" pitchFamily="18" charset="0"/>
+            </a:endParaRPr>
+          </a:p>
+        </p:txBody>
+      </p:sp>
+      <p:sp>
+        <p:nvSpPr>
+          <p:cNvPr id="2" name="Kotak Teks 1">
+            <a:extLst>
+              <a:ext uri="{FF2B5EF4-FFF2-40B4-BE49-F238E27FC236}">
+                <a16:creationId xmlns:a16="http://schemas.microsoft.com/office/drawing/2014/main" id="{66E07396-B75B-048F-DE73-E767129361F5}"/>
+              </a:ext>
+            </a:extLst>
+          </p:cNvPr>
+          <p:cNvSpPr txBox="1"/>
+          <p:nvPr/>
+        </p:nvSpPr>
+        <p:spPr>
+          <a:xfrm>
+            <a:off x="3341914" y="936172"/>
+            <a:ext cx="2460171" cy="369332"/>
+          </a:xfrm>
+          <a:prstGeom prst="rect">
+            <a:avLst/>
+          </a:prstGeom>
+          <a:noFill/>
+        </p:spPr>
+        <p:txBody>
+          <a:bodyPr wrap="square" rtlCol="0">
+            <a:spAutoFit/>
+          </a:bodyPr>
+          <a:lstStyle/>
+          <a:p>
+            <a:r>
+              <a:rPr lang="id-ID" sz="1800" dirty="0" err="1"/>
+              <a:t>yonomobilindo.online</a:t>
+            </a:r>
+            <a:endParaRPr lang="id-ID" sz="1800" dirty="0"/>
+          </a:p>
+        </p:txBody>
+      </p:sp>
+    </p:spTree>
+    <p:extLst>
+      <p:ext uri="{BB962C8B-B14F-4D97-AF65-F5344CB8AC3E}">
+        <p14:creationId xmlns:p14="http://schemas.microsoft.com/office/powerpoint/2010/main" val="3574545186"/>
+      </p:ext>
+    </p:extLst>
+  </p:cSld>
+  <p:clrMapOvr>
+    <a:masterClrMapping/>
+  </p:clrMapOvr>
+</p:sld>
+</file>
+
+<file path=ppt/slides/slide16.xml><?xml version="1.0" encoding="utf-8"?>
+<p:sld xmlns:a="http://schemas.openxmlformats.org/drawingml/2006/main" xmlns:r="http://schemas.openxmlformats.org/officeDocument/2006/relationships" xmlns:p="http://schemas.openxmlformats.org/presentationml/2006/main">
+  <p:cSld>
+    <p:bg>
+      <p:bgPr>
+        <a:solidFill>
+          <a:schemeClr val="lt1"/>
+        </a:solidFill>
+        <a:effectLst/>
+      </p:bgPr>
+    </p:bg>
+    <p:spTree>
+      <p:nvGrpSpPr>
+        <p:cNvPr id="1" name="Shape 45">
+          <a:extLst>
+            <a:ext uri="{FF2B5EF4-FFF2-40B4-BE49-F238E27FC236}">
               <a16:creationId xmlns:a16="http://schemas.microsoft.com/office/drawing/2014/main" id="{1F4EE412-D4C9-F0FE-AEAC-797BBA4A80B6}"/>
             </a:ext>
           </a:extLst>
@@ -11347,6 +11625,192 @@
           </a:p>
         </p:txBody>
       </p:sp>
+      <p:sp>
+        <p:nvSpPr>
+          <p:cNvPr id="2" name="Kotak Teks 1">
+            <a:extLst>
+              <a:ext uri="{FF2B5EF4-FFF2-40B4-BE49-F238E27FC236}">
+                <a16:creationId xmlns:a16="http://schemas.microsoft.com/office/drawing/2014/main" id="{7609ABF7-3232-16BF-CF91-644B38A3828A}"/>
+              </a:ext>
+            </a:extLst>
+          </p:cNvPr>
+          <p:cNvSpPr txBox="1"/>
+          <p:nvPr/>
+        </p:nvSpPr>
+        <p:spPr>
+          <a:xfrm>
+            <a:off x="650754" y="1613118"/>
+            <a:ext cx="7700766" cy="3477875"/>
+          </a:xfrm>
+          <a:prstGeom prst="rect">
+            <a:avLst/>
+          </a:prstGeom>
+          <a:noFill/>
+        </p:spPr>
+        <p:txBody>
+          <a:bodyPr wrap="square" rtlCol="0">
+            <a:spAutoFit/>
+          </a:bodyPr>
+          <a:lstStyle/>
+          <a:p>
+            <a:pPr marL="342900" indent="-342900" algn="just">
+              <a:buFont typeface="Arial" panose="020B0604020202020204" pitchFamily="34" charset="0"/>
+              <a:buChar char="•"/>
+            </a:pPr>
+            <a:r>
+              <a:rPr lang="id-ID" sz="2000" dirty="0">
+                <a:latin typeface="Calibri" panose="020F0502020204030204" pitchFamily="34" charset="0"/>
+                <a:cs typeface="Calibri" panose="020F0502020204030204" pitchFamily="34" charset="0"/>
+              </a:rPr>
+              <a:t>Sistem yang dikembangkan menyediakan fitur lengkap seperti pencarian kendaraan, ulasan pembeli, pembayaran DP, dan formulir penjualan mobil, guna mendukung transaksi yang efisien dan transparan.</a:t>
+            </a:r>
+          </a:p>
+          <a:p>
+            <a:pPr marL="342900" indent="-342900" algn="just">
+              <a:buFont typeface="Arial" panose="020B0604020202020204" pitchFamily="34" charset="0"/>
+              <a:buChar char="•"/>
+            </a:pPr>
+            <a:endParaRPr lang="id-ID" sz="2000" dirty="0">
+              <a:latin typeface="Calibri" panose="020F0502020204030204" pitchFamily="34" charset="0"/>
+              <a:cs typeface="Calibri" panose="020F0502020204030204" pitchFamily="34" charset="0"/>
+            </a:endParaRPr>
+          </a:p>
+          <a:p>
+            <a:pPr marL="342900" indent="-342900" algn="just">
+              <a:buFont typeface="Arial" panose="020B0604020202020204" pitchFamily="34" charset="0"/>
+              <a:buChar char="•"/>
+            </a:pPr>
+            <a:r>
+              <a:rPr lang="id-ID" sz="2000" dirty="0">
+                <a:latin typeface="Calibri" panose="020F0502020204030204" pitchFamily="34" charset="0"/>
+                <a:cs typeface="Calibri" panose="020F0502020204030204" pitchFamily="34" charset="0"/>
+              </a:rPr>
+              <a:t>Pengembangan dilakukan secara terstruktur menggunakan model SDLC </a:t>
+            </a:r>
+            <a:r>
+              <a:rPr lang="id-ID" sz="2000" dirty="0" err="1">
+                <a:latin typeface="Calibri" panose="020F0502020204030204" pitchFamily="34" charset="0"/>
+                <a:cs typeface="Calibri" panose="020F0502020204030204" pitchFamily="34" charset="0"/>
+              </a:rPr>
+              <a:t>waterfall</a:t>
+            </a:r>
+            <a:r>
+              <a:rPr lang="id-ID" sz="2000" dirty="0">
+                <a:latin typeface="Calibri" panose="020F0502020204030204" pitchFamily="34" charset="0"/>
+                <a:cs typeface="Calibri" panose="020F0502020204030204" pitchFamily="34" charset="0"/>
+              </a:rPr>
+              <a:t> dan teknologi PHP, </a:t>
+            </a:r>
+            <a:r>
+              <a:rPr lang="id-ID" sz="2000" dirty="0" err="1">
+                <a:latin typeface="Calibri" panose="020F0502020204030204" pitchFamily="34" charset="0"/>
+                <a:cs typeface="Calibri" panose="020F0502020204030204" pitchFamily="34" charset="0"/>
+              </a:rPr>
+              <a:t>Laravel</a:t>
+            </a:r>
+            <a:r>
+              <a:rPr lang="id-ID" sz="2000" dirty="0">
+                <a:latin typeface="Calibri" panose="020F0502020204030204" pitchFamily="34" charset="0"/>
+                <a:cs typeface="Calibri" panose="020F0502020204030204" pitchFamily="34" charset="0"/>
+              </a:rPr>
+              <a:t>, </a:t>
+            </a:r>
+            <a:r>
+              <a:rPr lang="id-ID" sz="2000" dirty="0" err="1">
+                <a:latin typeface="Calibri" panose="020F0502020204030204" pitchFamily="34" charset="0"/>
+                <a:cs typeface="Calibri" panose="020F0502020204030204" pitchFamily="34" charset="0"/>
+              </a:rPr>
+              <a:t>MySQL</a:t>
+            </a:r>
+            <a:r>
+              <a:rPr lang="id-ID" sz="2000" dirty="0">
+                <a:latin typeface="Calibri" panose="020F0502020204030204" pitchFamily="34" charset="0"/>
+                <a:cs typeface="Calibri" panose="020F0502020204030204" pitchFamily="34" charset="0"/>
+              </a:rPr>
+              <a:t>, </a:t>
+            </a:r>
+            <a:r>
+              <a:rPr lang="id-ID" sz="2000" dirty="0" err="1">
+                <a:latin typeface="Calibri" panose="020F0502020204030204" pitchFamily="34" charset="0"/>
+                <a:cs typeface="Calibri" panose="020F0502020204030204" pitchFamily="34" charset="0"/>
+              </a:rPr>
+              <a:t>Midtrans</a:t>
+            </a:r>
+            <a:r>
+              <a:rPr lang="id-ID" sz="2000" dirty="0">
+                <a:latin typeface="Calibri" panose="020F0502020204030204" pitchFamily="34" charset="0"/>
+                <a:cs typeface="Calibri" panose="020F0502020204030204" pitchFamily="34" charset="0"/>
+              </a:rPr>
+              <a:t>, serta </a:t>
+            </a:r>
+            <a:r>
+              <a:rPr lang="id-ID" sz="2000" dirty="0" err="1">
+                <a:latin typeface="Calibri" panose="020F0502020204030204" pitchFamily="34" charset="0"/>
+                <a:cs typeface="Calibri" panose="020F0502020204030204" pitchFamily="34" charset="0"/>
+              </a:rPr>
+              <a:t>Bootstrap</a:t>
+            </a:r>
+            <a:r>
+              <a:rPr lang="id-ID" sz="2000" dirty="0">
+                <a:latin typeface="Calibri" panose="020F0502020204030204" pitchFamily="34" charset="0"/>
+                <a:cs typeface="Calibri" panose="020F0502020204030204" pitchFamily="34" charset="0"/>
+              </a:rPr>
+              <a:t>.</a:t>
+            </a:r>
+          </a:p>
+          <a:p>
+            <a:pPr marL="342900" indent="-342900" algn="just">
+              <a:buFont typeface="Arial" panose="020B0604020202020204" pitchFamily="34" charset="0"/>
+              <a:buChar char="•"/>
+            </a:pPr>
+            <a:endParaRPr lang="id-ID" sz="2000" dirty="0">
+              <a:latin typeface="Calibri" panose="020F0502020204030204" pitchFamily="34" charset="0"/>
+              <a:cs typeface="Calibri" panose="020F0502020204030204" pitchFamily="34" charset="0"/>
+            </a:endParaRPr>
+          </a:p>
+          <a:p>
+            <a:pPr marL="342900" indent="-342900" algn="just">
+              <a:buFont typeface="Arial" panose="020B0604020202020204" pitchFamily="34" charset="0"/>
+              <a:buChar char="•"/>
+            </a:pPr>
+            <a:r>
+              <a:rPr lang="id-ID" sz="2000" dirty="0">
+                <a:latin typeface="Calibri" panose="020F0502020204030204" pitchFamily="34" charset="0"/>
+                <a:cs typeface="Calibri" panose="020F0502020204030204" pitchFamily="34" charset="0"/>
+              </a:rPr>
+              <a:t>Pengujian </a:t>
+            </a:r>
+            <a:r>
+              <a:rPr lang="id-ID" sz="2000" dirty="0" err="1">
+                <a:latin typeface="Calibri" panose="020F0502020204030204" pitchFamily="34" charset="0"/>
+                <a:cs typeface="Calibri" panose="020F0502020204030204" pitchFamily="34" charset="0"/>
+              </a:rPr>
+              <a:t>black</a:t>
+            </a:r>
+            <a:r>
+              <a:rPr lang="id-ID" sz="2000" dirty="0">
+                <a:latin typeface="Calibri" panose="020F0502020204030204" pitchFamily="34" charset="0"/>
+                <a:cs typeface="Calibri" panose="020F0502020204030204" pitchFamily="34" charset="0"/>
+              </a:rPr>
+              <a:t> </a:t>
+            </a:r>
+            <a:r>
+              <a:rPr lang="id-ID" sz="2000" dirty="0" err="1">
+                <a:latin typeface="Calibri" panose="020F0502020204030204" pitchFamily="34" charset="0"/>
+                <a:cs typeface="Calibri" panose="020F0502020204030204" pitchFamily="34" charset="0"/>
+              </a:rPr>
+              <a:t>box</a:t>
+            </a:r>
+            <a:r>
+              <a:rPr lang="id-ID" sz="2000" dirty="0">
+                <a:latin typeface="Calibri" panose="020F0502020204030204" pitchFamily="34" charset="0"/>
+                <a:cs typeface="Calibri" panose="020F0502020204030204" pitchFamily="34" charset="0"/>
+              </a:rPr>
+              <a:t> membuktikan bahwa sistem telah berfungsi sesuai kebutuhan pengguna.</a:t>
+            </a:r>
+          </a:p>
+        </p:txBody>
+      </p:sp>
     </p:spTree>
     <p:extLst>
       <p:ext uri="{BB962C8B-B14F-4D97-AF65-F5344CB8AC3E}">
@@ -11360,7 +11824,7 @@
 </p:sld>
 </file>
 
-<file path=ppt/slides/slide16.xml><?xml version="1.0" encoding="utf-8"?>
+<file path=ppt/slides/slide17.xml><?xml version="1.0" encoding="utf-8"?>
 <p:sld xmlns:a="http://schemas.openxmlformats.org/drawingml/2006/main" xmlns:r="http://schemas.openxmlformats.org/officeDocument/2006/relationships" xmlns:p="http://schemas.openxmlformats.org/presentationml/2006/main">
   <p:cSld>
     <p:bg>
@@ -11460,6 +11924,98 @@
               </a:solidFill>
               <a:latin typeface="Times New Roman" panose="02020603050405020304" pitchFamily="18" charset="0"/>
               <a:cs typeface="Times New Roman" panose="02020603050405020304" pitchFamily="18" charset="0"/>
+            </a:endParaRPr>
+          </a:p>
+        </p:txBody>
+      </p:sp>
+      <p:sp>
+        <p:nvSpPr>
+          <p:cNvPr id="2" name="Kotak Teks 1">
+            <a:extLst>
+              <a:ext uri="{FF2B5EF4-FFF2-40B4-BE49-F238E27FC236}">
+                <a16:creationId xmlns:a16="http://schemas.microsoft.com/office/drawing/2014/main" id="{77E2BA98-4F65-5FAA-A1D8-7347AD097ADD}"/>
+              </a:ext>
+            </a:extLst>
+          </p:cNvPr>
+          <p:cNvSpPr txBox="1"/>
+          <p:nvPr/>
+        </p:nvSpPr>
+        <p:spPr>
+          <a:xfrm>
+            <a:off x="794658" y="1513114"/>
+            <a:ext cx="7424056" cy="3785652"/>
+          </a:xfrm>
+          <a:prstGeom prst="rect">
+            <a:avLst/>
+          </a:prstGeom>
+          <a:noFill/>
+        </p:spPr>
+        <p:txBody>
+          <a:bodyPr wrap="square" rtlCol="0">
+            <a:spAutoFit/>
+          </a:bodyPr>
+          <a:lstStyle/>
+          <a:p>
+            <a:pPr marL="342900" indent="-342900" algn="just">
+              <a:buFont typeface="Arial" panose="020B0604020202020204" pitchFamily="34" charset="0"/>
+              <a:buChar char="•"/>
+            </a:pPr>
+            <a:r>
+              <a:rPr lang="id-ID" sz="2000" dirty="0">
+                <a:latin typeface="Calibri" panose="020F0502020204030204" pitchFamily="34" charset="0"/>
+                <a:cs typeface="Calibri" panose="020F0502020204030204" pitchFamily="34" charset="0"/>
+              </a:rPr>
+              <a:t>Tambahkan fitur notifikasi dan pengingat otomatis agar komunikasi antara pembeli dan penjual lebih efektif serta transaksi berjalan lancar.</a:t>
+            </a:r>
+          </a:p>
+          <a:p>
+            <a:pPr algn="just"/>
+            <a:endParaRPr lang="id-ID" sz="2000" dirty="0">
+              <a:latin typeface="Calibri" panose="020F0502020204030204" pitchFamily="34" charset="0"/>
+              <a:cs typeface="Calibri" panose="020F0502020204030204" pitchFamily="34" charset="0"/>
+            </a:endParaRPr>
+          </a:p>
+          <a:p>
+            <a:pPr marL="342900" indent="-342900" algn="just">
+              <a:buFont typeface="Arial" panose="020B0604020202020204" pitchFamily="34" charset="0"/>
+              <a:buChar char="•"/>
+            </a:pPr>
+            <a:r>
+              <a:rPr lang="id-ID" sz="2000" dirty="0">
+                <a:latin typeface="Calibri" panose="020F0502020204030204" pitchFamily="34" charset="0"/>
+                <a:cs typeface="Calibri" panose="020F0502020204030204" pitchFamily="34" charset="0"/>
+              </a:rPr>
+              <a:t>Kembangkan program loyalitas untuk mendorong transaksi berulang dan ulasan positif, sehingga meningkatkan retensi dan membangun komunitas pengguna.</a:t>
+            </a:r>
+          </a:p>
+          <a:p>
+            <a:pPr algn="just"/>
+            <a:endParaRPr lang="id-ID" sz="2000" dirty="0">
+              <a:latin typeface="Calibri" panose="020F0502020204030204" pitchFamily="34" charset="0"/>
+              <a:cs typeface="Calibri" panose="020F0502020204030204" pitchFamily="34" charset="0"/>
+            </a:endParaRPr>
+          </a:p>
+          <a:p>
+            <a:pPr marL="342900" indent="-342900" algn="just">
+              <a:buFont typeface="Arial" panose="020B0604020202020204" pitchFamily="34" charset="0"/>
+              <a:buChar char="•"/>
+            </a:pPr>
+            <a:r>
+              <a:rPr lang="id-ID" sz="2000" dirty="0">
+                <a:latin typeface="Calibri" panose="020F0502020204030204" pitchFamily="34" charset="0"/>
+                <a:cs typeface="Calibri" panose="020F0502020204030204" pitchFamily="34" charset="0"/>
+              </a:rPr>
+              <a:t>Perluas jangkauan layanan ke luar Jabodetabek dan tawarkan jenis kendaraan lain seperti sepeda motor atau kendaraan niaga untuk menarik lebih banyak pengguna.</a:t>
+            </a:r>
+          </a:p>
+          <a:p>
+            <a:pPr marL="342900" indent="-342900" algn="just">
+              <a:buFont typeface="Arial" panose="020B0604020202020204" pitchFamily="34" charset="0"/>
+              <a:buChar char="•"/>
+            </a:pPr>
+            <a:endParaRPr lang="id-ID" sz="2000" dirty="0">
+              <a:latin typeface="Calibri" panose="020F0502020204030204" pitchFamily="34" charset="0"/>
+              <a:cs typeface="Calibri" panose="020F0502020204030204" pitchFamily="34" charset="0"/>
             </a:endParaRPr>
           </a:p>
         </p:txBody>
@@ -11854,7 +12410,7 @@
               <a:buNone/>
             </a:pPr>
             <a:r>
-              <a:rPr lang="id-ID" sz="1400" dirty="0"/>
+              <a:rPr lang="id-ID" sz="1600" dirty="0"/>
               <a:t>BATASAN MASALAH</a:t>
             </a:r>
           </a:p>
@@ -11864,7 +12420,7 @@
               <a:buAutoNum type="arabicPeriod"/>
             </a:pPr>
             <a:r>
-              <a:rPr lang="id-ID" sz="1400" dirty="0"/>
+              <a:rPr lang="id-ID" sz="1600" dirty="0"/>
               <a:t>Aplikasi hanya untuk jual beli mobil bekas.</a:t>
             </a:r>
           </a:p>
@@ -11874,23 +12430,23 @@
               <a:buAutoNum type="arabicPeriod"/>
             </a:pPr>
             <a:r>
-              <a:rPr lang="id-ID" sz="1400" dirty="0"/>
+              <a:rPr lang="id-ID" sz="1600" dirty="0"/>
               <a:t>Pembayaran dibatasi melalui metode DP (</a:t>
             </a:r>
             <a:r>
-              <a:rPr lang="id-ID" sz="1400" dirty="0" err="1"/>
+              <a:rPr lang="id-ID" sz="1600" dirty="0" err="1"/>
               <a:t>Down</a:t>
             </a:r>
             <a:r>
-              <a:rPr lang="id-ID" sz="1400" dirty="0"/>
+              <a:rPr lang="id-ID" sz="1600" dirty="0"/>
               <a:t> </a:t>
             </a:r>
             <a:r>
-              <a:rPr lang="id-ID" sz="1400" dirty="0" err="1"/>
+              <a:rPr lang="id-ID" sz="1600" dirty="0" err="1"/>
               <a:t>Payment</a:t>
             </a:r>
             <a:r>
-              <a:rPr lang="id-ID" sz="1400" dirty="0"/>
+              <a:rPr lang="id-ID" sz="1600" dirty="0"/>
               <a:t>).</a:t>
             </a:r>
           </a:p>
@@ -11900,7 +12456,7 @@
               <a:buAutoNum type="arabicPeriod"/>
             </a:pPr>
             <a:r>
-              <a:rPr lang="id-ID" sz="1400" dirty="0"/>
+              <a:rPr lang="id-ID" sz="1600" dirty="0"/>
               <a:t>Tersedia fitur pencarian berdasarkan kriteria pengguna.</a:t>
             </a:r>
           </a:p>
@@ -11910,7 +12466,7 @@
               <a:buAutoNum type="arabicPeriod"/>
             </a:pPr>
             <a:r>
-              <a:rPr lang="id-ID" sz="1400" dirty="0"/>
+              <a:rPr lang="id-ID" sz="1600" dirty="0"/>
               <a:t>Menyediakan informasi lengkap: kondisi, harga, dan riwayat servis mobil.</a:t>
             </a:r>
           </a:p>
@@ -11920,7 +12476,7 @@
               <a:buAutoNum type="arabicPeriod"/>
             </a:pPr>
             <a:r>
-              <a:rPr lang="id-ID" sz="1400" dirty="0"/>
+              <a:rPr lang="id-ID" sz="1600" dirty="0"/>
               <a:t>Ulasan pembeli hanya muncul setelah transaksi selesai.</a:t>
             </a:r>
           </a:p>
@@ -11930,21 +12486,13 @@
               <a:buAutoNum type="arabicPeriod"/>
             </a:pPr>
             <a:r>
-              <a:rPr lang="id-ID" sz="1400" dirty="0"/>
+              <a:rPr lang="id-ID" sz="1600" dirty="0"/>
               <a:t>Transaksi dibatasi di wilayah Jabodetabek saja.</a:t>
             </a:r>
           </a:p>
           <a:p>
-            <a:pPr>
-              <a:buFont typeface="+mj-lt"/>
-              <a:buAutoNum type="arabicPeriod"/>
-            </a:pPr>
-            <a:endParaRPr lang="id-ID" sz="1400" dirty="0"/>
-          </a:p>
-          <a:p>
-            <a:pPr>
-              <a:buFont typeface="+mj-lt"/>
-              <a:buAutoNum type="arabicPeriod"/>
+            <a:pPr marL="114300" indent="0">
+              <a:buNone/>
             </a:pPr>
             <a:endParaRPr lang="id-ID" sz="1400" dirty="0"/>
           </a:p>
@@ -11953,7 +12501,7 @@
               <a:buNone/>
             </a:pPr>
             <a:r>
-              <a:rPr lang="id-ID" sz="1400" dirty="0"/>
+              <a:rPr lang="id-ID" sz="1600" dirty="0"/>
               <a:t>TUJUAN</a:t>
             </a:r>
           </a:p>
@@ -11963,7 +12511,7 @@
               <a:buAutoNum type="arabicPeriod"/>
             </a:pPr>
             <a:r>
-              <a:rPr lang="id-ID" sz="1400" dirty="0"/>
+              <a:rPr lang="id-ID" sz="1600" dirty="0"/>
               <a:t>Mengembangkan aplikasi jual beli mobil bekas berbasis web dengan fitur pencarian, ulasan, DP, jual mobil, dan informasi detail kendaraan.</a:t>
             </a:r>
           </a:p>
@@ -11973,7 +12521,7 @@
               <a:buAutoNum type="arabicPeriod"/>
             </a:pPr>
             <a:r>
-              <a:rPr lang="id-ID" sz="1400" dirty="0"/>
+              <a:rPr lang="id-ID" sz="1600" dirty="0"/>
               <a:t>Mengatasi masalah transparansi informasi dan meminimalkan potensi penipuan dalam transaksi mobil bekas.</a:t>
             </a:r>
           </a:p>
@@ -11983,7 +12531,7 @@
               <a:buAutoNum type="arabicPeriod"/>
             </a:pPr>
             <a:r>
-              <a:rPr lang="id-ID" sz="1400" dirty="0"/>
+              <a:rPr lang="id-ID" sz="1600" dirty="0"/>
               <a:t>Memberikan wawasan tentang efektivitas fitur DP dan ulasan dalam meningkatkan keamanan dan kepercayaan pengguna.</a:t>
             </a:r>
           </a:p>
